--- a/models/presentation4_CSmodeling.pptx
+++ b/models/presentation4_CSmodeling.pptx
@@ -4,14 +4,22 @@
   <p:sldMasterIdLst>
     <p:sldMasterId id="2147483648" r:id="rId1"/>
   </p:sldMasterIdLst>
+  <p:notesMasterIdLst>
+    <p:notesMasterId r:id="rId14"/>
+  </p:notesMasterIdLst>
   <p:sldIdLst>
     <p:sldId id="256" r:id="rId2"/>
-    <p:sldId id="257" r:id="rId3"/>
-    <p:sldId id="258" r:id="rId4"/>
-    <p:sldId id="259" r:id="rId5"/>
-    <p:sldId id="261" r:id="rId6"/>
-    <p:sldId id="260" r:id="rId7"/>
+    <p:sldId id="269" r:id="rId3"/>
+    <p:sldId id="268" r:id="rId4"/>
+    <p:sldId id="257" r:id="rId5"/>
+    <p:sldId id="258" r:id="rId6"/>
+    <p:sldId id="259" r:id="rId7"/>
     <p:sldId id="262" r:id="rId8"/>
+    <p:sldId id="263" r:id="rId9"/>
+    <p:sldId id="264" r:id="rId10"/>
+    <p:sldId id="261" r:id="rId11"/>
+    <p:sldId id="265" r:id="rId12"/>
+    <p:sldId id="267" r:id="rId13"/>
   </p:sldIdLst>
   <p:sldSz cx="12192000" cy="6858000"/>
   <p:notesSz cx="6858000" cy="9144000"/>
@@ -110,7 +118,448 @@
       </a:defRPr>
     </a:lvl9pPr>
   </p:defaultTextStyle>
+  <p:extLst>
+    <p:ext uri="{EFAFB233-063F-42B5-8137-9DF3F51BA10A}">
+      <p15:sldGuideLst xmlns:p15="http://schemas.microsoft.com/office/powerpoint/2012/main"/>
+    </p:ext>
+  </p:extLst>
 </p:presentation>
+</file>
+
+<file path=ppt/notesMasters/notesMaster1.xml><?xml version="1.0" encoding="utf-8"?>
+<p:notesMaster xmlns:a="http://schemas.openxmlformats.org/drawingml/2006/main" xmlns:r="http://schemas.openxmlformats.org/officeDocument/2006/relationships" xmlns:p="http://schemas.openxmlformats.org/presentationml/2006/main">
+  <p:cSld>
+    <p:bg>
+      <p:bgRef idx="1001">
+        <a:schemeClr val="bg1"/>
+      </p:bgRef>
+    </p:bg>
+    <p:spTree>
+      <p:nvGrpSpPr>
+        <p:cNvPr id="1" name=""/>
+        <p:cNvGrpSpPr/>
+        <p:nvPr/>
+      </p:nvGrpSpPr>
+      <p:grpSpPr>
+        <a:xfrm>
+          <a:off x="0" y="0"/>
+          <a:ext cx="0" cy="0"/>
+          <a:chOff x="0" y="0"/>
+          <a:chExt cx="0" cy="0"/>
+        </a:xfrm>
+      </p:grpSpPr>
+      <p:sp>
+        <p:nvSpPr>
+          <p:cNvPr id="2" name="Header Placeholder 1"/>
+          <p:cNvSpPr>
+            <a:spLocks noGrp="1"/>
+          </p:cNvSpPr>
+          <p:nvPr>
+            <p:ph type="hdr" sz="quarter"/>
+          </p:nvPr>
+        </p:nvSpPr>
+        <p:spPr>
+          <a:xfrm>
+            <a:off x="0" y="0"/>
+            <a:ext cx="2971800" cy="458788"/>
+          </a:xfrm>
+          <a:prstGeom prst="rect">
+            <a:avLst/>
+          </a:prstGeom>
+        </p:spPr>
+        <p:txBody>
+          <a:bodyPr vert="horz" lIns="91440" tIns="45720" rIns="91440" bIns="45720" rtlCol="0"/>
+          <a:lstStyle>
+            <a:lvl1pPr algn="l">
+              <a:defRPr sz="1200"/>
+            </a:lvl1pPr>
+          </a:lstStyle>
+          <a:p>
+            <a:endParaRPr lang="en-US"/>
+          </a:p>
+        </p:txBody>
+      </p:sp>
+      <p:sp>
+        <p:nvSpPr>
+          <p:cNvPr id="3" name="Date Placeholder 2"/>
+          <p:cNvSpPr>
+            <a:spLocks noGrp="1"/>
+          </p:cNvSpPr>
+          <p:nvPr>
+            <p:ph type="dt" idx="1"/>
+          </p:nvPr>
+        </p:nvSpPr>
+        <p:spPr>
+          <a:xfrm>
+            <a:off x="3884613" y="0"/>
+            <a:ext cx="2971800" cy="458788"/>
+          </a:xfrm>
+          <a:prstGeom prst="rect">
+            <a:avLst/>
+          </a:prstGeom>
+        </p:spPr>
+        <p:txBody>
+          <a:bodyPr vert="horz" lIns="91440" tIns="45720" rIns="91440" bIns="45720" rtlCol="0"/>
+          <a:lstStyle>
+            <a:lvl1pPr algn="r">
+              <a:defRPr sz="1200"/>
+            </a:lvl1pPr>
+          </a:lstStyle>
+          <a:p>
+            <a:fld id="{9774080B-04D1-41C3-86CC-C91B062C478E}" type="datetimeFigureOut">
+              <a:rPr lang="en-US" smtClean="0"/>
+              <a:t>16-Apr-20</a:t>
+            </a:fld>
+            <a:endParaRPr lang="en-US"/>
+          </a:p>
+        </p:txBody>
+      </p:sp>
+      <p:sp>
+        <p:nvSpPr>
+          <p:cNvPr id="4" name="Slide Image Placeholder 3"/>
+          <p:cNvSpPr>
+            <a:spLocks noGrp="1" noRot="1" noChangeAspect="1"/>
+          </p:cNvSpPr>
+          <p:nvPr>
+            <p:ph type="sldImg" idx="2"/>
+          </p:nvPr>
+        </p:nvSpPr>
+        <p:spPr>
+          <a:xfrm>
+            <a:off x="685800" y="1143000"/>
+            <a:ext cx="5486400" cy="3086100"/>
+          </a:xfrm>
+          <a:prstGeom prst="rect">
+            <a:avLst/>
+          </a:prstGeom>
+          <a:noFill/>
+          <a:ln w="12700">
+            <a:solidFill>
+              <a:prstClr val="black"/>
+            </a:solidFill>
+          </a:ln>
+        </p:spPr>
+        <p:txBody>
+          <a:bodyPr vert="horz" lIns="91440" tIns="45720" rIns="91440" bIns="45720" rtlCol="0" anchor="ctr"/>
+          <a:lstStyle/>
+          <a:p>
+            <a:endParaRPr lang="en-US"/>
+          </a:p>
+        </p:txBody>
+      </p:sp>
+      <p:sp>
+        <p:nvSpPr>
+          <p:cNvPr id="5" name="Notes Placeholder 4"/>
+          <p:cNvSpPr>
+            <a:spLocks noGrp="1"/>
+          </p:cNvSpPr>
+          <p:nvPr>
+            <p:ph type="body" sz="quarter" idx="3"/>
+          </p:nvPr>
+        </p:nvSpPr>
+        <p:spPr>
+          <a:xfrm>
+            <a:off x="685800" y="4400550"/>
+            <a:ext cx="5486400" cy="3600450"/>
+          </a:xfrm>
+          <a:prstGeom prst="rect">
+            <a:avLst/>
+          </a:prstGeom>
+        </p:spPr>
+        <p:txBody>
+          <a:bodyPr vert="horz" lIns="91440" tIns="45720" rIns="91440" bIns="45720" rtlCol="0"/>
+          <a:lstStyle/>
+          <a:p>
+            <a:pPr lvl="0"/>
+            <a:r>
+              <a:rPr lang="en-US"/>
+              <a:t>Click to edit Master text styles</a:t>
+            </a:r>
+          </a:p>
+          <a:p>
+            <a:pPr lvl="1"/>
+            <a:r>
+              <a:rPr lang="en-US"/>
+              <a:t>Second level</a:t>
+            </a:r>
+          </a:p>
+          <a:p>
+            <a:pPr lvl="2"/>
+            <a:r>
+              <a:rPr lang="en-US"/>
+              <a:t>Third level</a:t>
+            </a:r>
+          </a:p>
+          <a:p>
+            <a:pPr lvl="3"/>
+            <a:r>
+              <a:rPr lang="en-US"/>
+              <a:t>Fourth level</a:t>
+            </a:r>
+          </a:p>
+          <a:p>
+            <a:pPr lvl="4"/>
+            <a:r>
+              <a:rPr lang="en-US"/>
+              <a:t>Fifth level</a:t>
+            </a:r>
+          </a:p>
+        </p:txBody>
+      </p:sp>
+      <p:sp>
+        <p:nvSpPr>
+          <p:cNvPr id="6" name="Footer Placeholder 5"/>
+          <p:cNvSpPr>
+            <a:spLocks noGrp="1"/>
+          </p:cNvSpPr>
+          <p:nvPr>
+            <p:ph type="ftr" sz="quarter" idx="4"/>
+          </p:nvPr>
+        </p:nvSpPr>
+        <p:spPr>
+          <a:xfrm>
+            <a:off x="0" y="8685213"/>
+            <a:ext cx="2971800" cy="458787"/>
+          </a:xfrm>
+          <a:prstGeom prst="rect">
+            <a:avLst/>
+          </a:prstGeom>
+        </p:spPr>
+        <p:txBody>
+          <a:bodyPr vert="horz" lIns="91440" tIns="45720" rIns="91440" bIns="45720" rtlCol="0" anchor="b"/>
+          <a:lstStyle>
+            <a:lvl1pPr algn="l">
+              <a:defRPr sz="1200"/>
+            </a:lvl1pPr>
+          </a:lstStyle>
+          <a:p>
+            <a:endParaRPr lang="en-US"/>
+          </a:p>
+        </p:txBody>
+      </p:sp>
+      <p:sp>
+        <p:nvSpPr>
+          <p:cNvPr id="7" name="Slide Number Placeholder 6"/>
+          <p:cNvSpPr>
+            <a:spLocks noGrp="1"/>
+          </p:cNvSpPr>
+          <p:nvPr>
+            <p:ph type="sldNum" sz="quarter" idx="5"/>
+          </p:nvPr>
+        </p:nvSpPr>
+        <p:spPr>
+          <a:xfrm>
+            <a:off x="3884613" y="8685213"/>
+            <a:ext cx="2971800" cy="458787"/>
+          </a:xfrm>
+          <a:prstGeom prst="rect">
+            <a:avLst/>
+          </a:prstGeom>
+        </p:spPr>
+        <p:txBody>
+          <a:bodyPr vert="horz" lIns="91440" tIns="45720" rIns="91440" bIns="45720" rtlCol="0" anchor="b"/>
+          <a:lstStyle>
+            <a:lvl1pPr algn="r">
+              <a:defRPr sz="1200"/>
+            </a:lvl1pPr>
+          </a:lstStyle>
+          <a:p>
+            <a:fld id="{AD5626E2-2610-4C9D-BC89-683A39B60E2D}" type="slidenum">
+              <a:rPr lang="en-US" smtClean="0"/>
+              <a:t>‹#›</a:t>
+            </a:fld>
+            <a:endParaRPr lang="en-US"/>
+          </a:p>
+        </p:txBody>
+      </p:sp>
+    </p:spTree>
+    <p:extLst>
+      <p:ext uri="{BB962C8B-B14F-4D97-AF65-F5344CB8AC3E}">
+        <p14:creationId xmlns:p14="http://schemas.microsoft.com/office/powerpoint/2010/main" val="352580790"/>
+      </p:ext>
+    </p:extLst>
+  </p:cSld>
+  <p:clrMap bg1="lt1" tx1="dk1" bg2="lt2" tx2="dk2" accent1="accent1" accent2="accent2" accent3="accent3" accent4="accent4" accent5="accent5" accent6="accent6" hlink="hlink" folHlink="folHlink"/>
+  <p:notesStyle>
+    <a:lvl1pPr marL="0" algn="l" defTabSz="914400" rtl="0" eaLnBrk="1" latinLnBrk="0" hangingPunct="1">
+      <a:defRPr sz="1200" kern="1200">
+        <a:solidFill>
+          <a:schemeClr val="tx1"/>
+        </a:solidFill>
+        <a:latin typeface="+mn-lt"/>
+        <a:ea typeface="+mn-ea"/>
+        <a:cs typeface="+mn-cs"/>
+      </a:defRPr>
+    </a:lvl1pPr>
+    <a:lvl2pPr marL="457200" algn="l" defTabSz="914400" rtl="0" eaLnBrk="1" latinLnBrk="0" hangingPunct="1">
+      <a:defRPr sz="1200" kern="1200">
+        <a:solidFill>
+          <a:schemeClr val="tx1"/>
+        </a:solidFill>
+        <a:latin typeface="+mn-lt"/>
+        <a:ea typeface="+mn-ea"/>
+        <a:cs typeface="+mn-cs"/>
+      </a:defRPr>
+    </a:lvl2pPr>
+    <a:lvl3pPr marL="914400" algn="l" defTabSz="914400" rtl="0" eaLnBrk="1" latinLnBrk="0" hangingPunct="1">
+      <a:defRPr sz="1200" kern="1200">
+        <a:solidFill>
+          <a:schemeClr val="tx1"/>
+        </a:solidFill>
+        <a:latin typeface="+mn-lt"/>
+        <a:ea typeface="+mn-ea"/>
+        <a:cs typeface="+mn-cs"/>
+      </a:defRPr>
+    </a:lvl3pPr>
+    <a:lvl4pPr marL="1371600" algn="l" defTabSz="914400" rtl="0" eaLnBrk="1" latinLnBrk="0" hangingPunct="1">
+      <a:defRPr sz="1200" kern="1200">
+        <a:solidFill>
+          <a:schemeClr val="tx1"/>
+        </a:solidFill>
+        <a:latin typeface="+mn-lt"/>
+        <a:ea typeface="+mn-ea"/>
+        <a:cs typeface="+mn-cs"/>
+      </a:defRPr>
+    </a:lvl4pPr>
+    <a:lvl5pPr marL="1828800" algn="l" defTabSz="914400" rtl="0" eaLnBrk="1" latinLnBrk="0" hangingPunct="1">
+      <a:defRPr sz="1200" kern="1200">
+        <a:solidFill>
+          <a:schemeClr val="tx1"/>
+        </a:solidFill>
+        <a:latin typeface="+mn-lt"/>
+        <a:ea typeface="+mn-ea"/>
+        <a:cs typeface="+mn-cs"/>
+      </a:defRPr>
+    </a:lvl5pPr>
+    <a:lvl6pPr marL="2286000" algn="l" defTabSz="914400" rtl="0" eaLnBrk="1" latinLnBrk="0" hangingPunct="1">
+      <a:defRPr sz="1200" kern="1200">
+        <a:solidFill>
+          <a:schemeClr val="tx1"/>
+        </a:solidFill>
+        <a:latin typeface="+mn-lt"/>
+        <a:ea typeface="+mn-ea"/>
+        <a:cs typeface="+mn-cs"/>
+      </a:defRPr>
+    </a:lvl6pPr>
+    <a:lvl7pPr marL="2743200" algn="l" defTabSz="914400" rtl="0" eaLnBrk="1" latinLnBrk="0" hangingPunct="1">
+      <a:defRPr sz="1200" kern="1200">
+        <a:solidFill>
+          <a:schemeClr val="tx1"/>
+        </a:solidFill>
+        <a:latin typeface="+mn-lt"/>
+        <a:ea typeface="+mn-ea"/>
+        <a:cs typeface="+mn-cs"/>
+      </a:defRPr>
+    </a:lvl7pPr>
+    <a:lvl8pPr marL="3200400" algn="l" defTabSz="914400" rtl="0" eaLnBrk="1" latinLnBrk="0" hangingPunct="1">
+      <a:defRPr sz="1200" kern="1200">
+        <a:solidFill>
+          <a:schemeClr val="tx1"/>
+        </a:solidFill>
+        <a:latin typeface="+mn-lt"/>
+        <a:ea typeface="+mn-ea"/>
+        <a:cs typeface="+mn-cs"/>
+      </a:defRPr>
+    </a:lvl8pPr>
+    <a:lvl9pPr marL="3657600" algn="l" defTabSz="914400" rtl="0" eaLnBrk="1" latinLnBrk="0" hangingPunct="1">
+      <a:defRPr sz="1200" kern="1200">
+        <a:solidFill>
+          <a:schemeClr val="tx1"/>
+        </a:solidFill>
+        <a:latin typeface="+mn-lt"/>
+        <a:ea typeface="+mn-ea"/>
+        <a:cs typeface="+mn-cs"/>
+      </a:defRPr>
+    </a:lvl9pPr>
+  </p:notesStyle>
+</p:notesMaster>
+</file>
+
+<file path=ppt/notesSlides/notesSlide1.xml><?xml version="1.0" encoding="utf-8"?>
+<p:notes xmlns:a="http://schemas.openxmlformats.org/drawingml/2006/main" xmlns:r="http://schemas.openxmlformats.org/officeDocument/2006/relationships" xmlns:p="http://schemas.openxmlformats.org/presentationml/2006/main">
+  <p:cSld>
+    <p:spTree>
+      <p:nvGrpSpPr>
+        <p:cNvPr id="1" name=""/>
+        <p:cNvGrpSpPr/>
+        <p:nvPr/>
+      </p:nvGrpSpPr>
+      <p:grpSpPr>
+        <a:xfrm>
+          <a:off x="0" y="0"/>
+          <a:ext cx="0" cy="0"/>
+          <a:chOff x="0" y="0"/>
+          <a:chExt cx="0" cy="0"/>
+        </a:xfrm>
+      </p:grpSpPr>
+      <p:sp>
+        <p:nvSpPr>
+          <p:cNvPr id="2" name="Slide Image Placeholder 1"/>
+          <p:cNvSpPr>
+            <a:spLocks noGrp="1" noRot="1" noChangeAspect="1"/>
+          </p:cNvSpPr>
+          <p:nvPr>
+            <p:ph type="sldImg"/>
+          </p:nvPr>
+        </p:nvSpPr>
+        <p:spPr/>
+      </p:sp>
+      <p:sp>
+        <p:nvSpPr>
+          <p:cNvPr id="3" name="Notes Placeholder 2"/>
+          <p:cNvSpPr>
+            <a:spLocks noGrp="1"/>
+          </p:cNvSpPr>
+          <p:nvPr>
+            <p:ph type="body" idx="1"/>
+          </p:nvPr>
+        </p:nvSpPr>
+        <p:spPr/>
+        <p:txBody>
+          <a:bodyPr/>
+          <a:lstStyle/>
+          <a:p>
+            <a:r>
+              <a:rPr lang="en-US" dirty="0"/>
+              <a:t>How: Creating a model that reflects the data provided by Sunny in the Psychology department.</a:t>
+            </a:r>
+          </a:p>
+        </p:txBody>
+      </p:sp>
+      <p:sp>
+        <p:nvSpPr>
+          <p:cNvPr id="4" name="Slide Number Placeholder 3"/>
+          <p:cNvSpPr>
+            <a:spLocks noGrp="1"/>
+          </p:cNvSpPr>
+          <p:nvPr>
+            <p:ph type="sldNum" sz="quarter" idx="5"/>
+          </p:nvPr>
+        </p:nvSpPr>
+        <p:spPr/>
+        <p:txBody>
+          <a:bodyPr/>
+          <a:lstStyle/>
+          <a:p>
+            <a:fld id="{70CAC5E2-7E6F-4950-8CF5-371E8255B795}" type="slidenum">
+              <a:rPr lang="en-US" smtClean="0"/>
+              <a:t>2</a:t>
+            </a:fld>
+            <a:endParaRPr lang="en-US"/>
+          </a:p>
+        </p:txBody>
+      </p:sp>
+    </p:spTree>
+    <p:extLst>
+      <p:ext uri="{BB962C8B-B14F-4D97-AF65-F5344CB8AC3E}">
+        <p14:creationId xmlns:p14="http://schemas.microsoft.com/office/powerpoint/2010/main" val="1275538554"/>
+      </p:ext>
+    </p:extLst>
+  </p:cSld>
+  <p:clrMapOvr>
+    <a:masterClrMapping/>
+  </p:clrMapOvr>
+</p:notes>
 </file>
 
 <file path=ppt/slideLayouts/slideLayout1.xml><?xml version="1.0" encoding="utf-8"?>
@@ -260,7 +709,7 @@
           <a:p>
             <a:fld id="{D4A2563E-A08D-469B-B07B-FA0E4BE6DF5B}" type="datetimeFigureOut">
               <a:rPr lang="en-US" smtClean="0"/>
-              <a:t>11-Apr-20</a:t>
+              <a:t>15-Apr-20</a:t>
             </a:fld>
             <a:endParaRPr lang="en-US"/>
           </a:p>
@@ -458,7 +907,7 @@
           <a:p>
             <a:fld id="{D4A2563E-A08D-469B-B07B-FA0E4BE6DF5B}" type="datetimeFigureOut">
               <a:rPr lang="en-US" smtClean="0"/>
-              <a:t>11-Apr-20</a:t>
+              <a:t>15-Apr-20</a:t>
             </a:fld>
             <a:endParaRPr lang="en-US"/>
           </a:p>
@@ -666,7 +1115,7 @@
           <a:p>
             <a:fld id="{D4A2563E-A08D-469B-B07B-FA0E4BE6DF5B}" type="datetimeFigureOut">
               <a:rPr lang="en-US" smtClean="0"/>
-              <a:t>11-Apr-20</a:t>
+              <a:t>15-Apr-20</a:t>
             </a:fld>
             <a:endParaRPr lang="en-US"/>
           </a:p>
@@ -864,7 +1313,7 @@
           <a:p>
             <a:fld id="{D4A2563E-A08D-469B-B07B-FA0E4BE6DF5B}" type="datetimeFigureOut">
               <a:rPr lang="en-US" smtClean="0"/>
-              <a:t>11-Apr-20</a:t>
+              <a:t>15-Apr-20</a:t>
             </a:fld>
             <a:endParaRPr lang="en-US"/>
           </a:p>
@@ -1139,7 +1588,7 @@
           <a:p>
             <a:fld id="{D4A2563E-A08D-469B-B07B-FA0E4BE6DF5B}" type="datetimeFigureOut">
               <a:rPr lang="en-US" smtClean="0"/>
-              <a:t>11-Apr-20</a:t>
+              <a:t>15-Apr-20</a:t>
             </a:fld>
             <a:endParaRPr lang="en-US"/>
           </a:p>
@@ -1404,7 +1853,7 @@
           <a:p>
             <a:fld id="{D4A2563E-A08D-469B-B07B-FA0E4BE6DF5B}" type="datetimeFigureOut">
               <a:rPr lang="en-US" smtClean="0"/>
-              <a:t>11-Apr-20</a:t>
+              <a:t>15-Apr-20</a:t>
             </a:fld>
             <a:endParaRPr lang="en-US"/>
           </a:p>
@@ -1816,7 +2265,7 @@
           <a:p>
             <a:fld id="{D4A2563E-A08D-469B-B07B-FA0E4BE6DF5B}" type="datetimeFigureOut">
               <a:rPr lang="en-US" smtClean="0"/>
-              <a:t>11-Apr-20</a:t>
+              <a:t>15-Apr-20</a:t>
             </a:fld>
             <a:endParaRPr lang="en-US"/>
           </a:p>
@@ -1957,7 +2406,7 @@
           <a:p>
             <a:fld id="{D4A2563E-A08D-469B-B07B-FA0E4BE6DF5B}" type="datetimeFigureOut">
               <a:rPr lang="en-US" smtClean="0"/>
-              <a:t>11-Apr-20</a:t>
+              <a:t>15-Apr-20</a:t>
             </a:fld>
             <a:endParaRPr lang="en-US"/>
           </a:p>
@@ -2070,7 +2519,7 @@
           <a:p>
             <a:fld id="{D4A2563E-A08D-469B-B07B-FA0E4BE6DF5B}" type="datetimeFigureOut">
               <a:rPr lang="en-US" smtClean="0"/>
-              <a:t>11-Apr-20</a:t>
+              <a:t>15-Apr-20</a:t>
             </a:fld>
             <a:endParaRPr lang="en-US"/>
           </a:p>
@@ -2381,7 +2830,7 @@
           <a:p>
             <a:fld id="{D4A2563E-A08D-469B-B07B-FA0E4BE6DF5B}" type="datetimeFigureOut">
               <a:rPr lang="en-US" smtClean="0"/>
-              <a:t>11-Apr-20</a:t>
+              <a:t>15-Apr-20</a:t>
             </a:fld>
             <a:endParaRPr lang="en-US"/>
           </a:p>
@@ -2669,7 +3118,7 @@
           <a:p>
             <a:fld id="{D4A2563E-A08D-469B-B07B-FA0E4BE6DF5B}" type="datetimeFigureOut">
               <a:rPr lang="en-US" smtClean="0"/>
-              <a:t>11-Apr-20</a:t>
+              <a:t>15-Apr-20</a:t>
             </a:fld>
             <a:endParaRPr lang="en-US"/>
           </a:p>
@@ -2910,7 +3359,7 @@
           <a:p>
             <a:fld id="{D4A2563E-A08D-469B-B07B-FA0E4BE6DF5B}" type="datetimeFigureOut">
               <a:rPr lang="en-US" smtClean="0"/>
-              <a:t>11-Apr-20</a:t>
+              <a:t>15-Apr-20</a:t>
             </a:fld>
             <a:endParaRPr lang="en-US"/>
           </a:p>
@@ -3426,6 +3875,359 @@
 </p:sld>
 </file>
 
+<file path=ppt/slides/slide10.xml><?xml version="1.0" encoding="utf-8"?>
+<p:sld xmlns:a="http://schemas.openxmlformats.org/drawingml/2006/main" xmlns:r="http://schemas.openxmlformats.org/officeDocument/2006/relationships" xmlns:p="http://schemas.openxmlformats.org/presentationml/2006/main">
+  <p:cSld>
+    <p:spTree>
+      <p:nvGrpSpPr>
+        <p:cNvPr id="1" name=""/>
+        <p:cNvGrpSpPr/>
+        <p:nvPr/>
+      </p:nvGrpSpPr>
+      <p:grpSpPr>
+        <a:xfrm>
+          <a:off x="0" y="0"/>
+          <a:ext cx="0" cy="0"/>
+          <a:chOff x="0" y="0"/>
+          <a:chExt cx="0" cy="0"/>
+        </a:xfrm>
+      </p:grpSpPr>
+      <p:pic>
+        <p:nvPicPr>
+          <p:cNvPr id="6" name="Content Placeholder 5">
+            <a:extLst>
+              <a:ext uri="{FF2B5EF4-FFF2-40B4-BE49-F238E27FC236}">
+                <a16:creationId xmlns:a16="http://schemas.microsoft.com/office/drawing/2014/main" id="{DAA96176-08AE-4AE2-B36E-9267F59D2258}"/>
+              </a:ext>
+            </a:extLst>
+          </p:cNvPr>
+          <p:cNvPicPr>
+            <a:picLocks noGrp="1" noChangeAspect="1"/>
+          </p:cNvPicPr>
+          <p:nvPr>
+            <p:ph idx="1"/>
+          </p:nvPr>
+        </p:nvPicPr>
+        <p:blipFill>
+          <a:blip r:embed="rId2">
+            <a:extLst>
+              <a:ext uri="{28A0092B-C50C-407E-A947-70E740481C1C}">
+                <a14:useLocalDpi xmlns:a14="http://schemas.microsoft.com/office/drawing/2010/main" val="0"/>
+              </a:ext>
+            </a:extLst>
+          </a:blip>
+          <a:stretch>
+            <a:fillRect/>
+          </a:stretch>
+        </p:blipFill>
+        <p:spPr>
+          <a:xfrm>
+            <a:off x="1524000" y="0"/>
+            <a:ext cx="9144000" cy="6858000"/>
+          </a:xfrm>
+        </p:spPr>
+      </p:pic>
+      <p:sp>
+        <p:nvSpPr>
+          <p:cNvPr id="2" name="Title 1">
+            <a:extLst>
+              <a:ext uri="{FF2B5EF4-FFF2-40B4-BE49-F238E27FC236}">
+                <a16:creationId xmlns:a16="http://schemas.microsoft.com/office/drawing/2014/main" id="{668D6619-A46F-476F-B4D7-A54B23F695DE}"/>
+              </a:ext>
+            </a:extLst>
+          </p:cNvPr>
+          <p:cNvSpPr>
+            <a:spLocks noGrp="1"/>
+          </p:cNvSpPr>
+          <p:nvPr>
+            <p:ph type="title"/>
+          </p:nvPr>
+        </p:nvSpPr>
+        <p:spPr/>
+        <p:txBody>
+          <a:bodyPr/>
+          <a:lstStyle/>
+          <a:p>
+            <a:r>
+              <a:rPr lang="en-US" dirty="0"/>
+              <a:t>P1&amp;P2</a:t>
+            </a:r>
+          </a:p>
+        </p:txBody>
+      </p:sp>
+    </p:spTree>
+    <p:extLst>
+      <p:ext uri="{BB962C8B-B14F-4D97-AF65-F5344CB8AC3E}">
+        <p14:creationId xmlns:p14="http://schemas.microsoft.com/office/powerpoint/2010/main" val="4254522149"/>
+      </p:ext>
+    </p:extLst>
+  </p:cSld>
+  <p:clrMapOvr>
+    <a:masterClrMapping/>
+  </p:clrMapOvr>
+</p:sld>
+</file>
+
+<file path=ppt/slides/slide11.xml><?xml version="1.0" encoding="utf-8"?>
+<p:sld xmlns:a="http://schemas.openxmlformats.org/drawingml/2006/main" xmlns:r="http://schemas.openxmlformats.org/officeDocument/2006/relationships" xmlns:p="http://schemas.openxmlformats.org/presentationml/2006/main">
+  <p:cSld>
+    <p:spTree>
+      <p:nvGrpSpPr>
+        <p:cNvPr id="1" name=""/>
+        <p:cNvGrpSpPr/>
+        <p:nvPr/>
+      </p:nvGrpSpPr>
+      <p:grpSpPr>
+        <a:xfrm>
+          <a:off x="0" y="0"/>
+          <a:ext cx="0" cy="0"/>
+          <a:chOff x="0" y="0"/>
+          <a:chExt cx="0" cy="0"/>
+        </a:xfrm>
+      </p:grpSpPr>
+      <p:sp>
+        <p:nvSpPr>
+          <p:cNvPr id="2" name="Title 1">
+            <a:extLst>
+              <a:ext uri="{FF2B5EF4-FFF2-40B4-BE49-F238E27FC236}">
+                <a16:creationId xmlns:a16="http://schemas.microsoft.com/office/drawing/2014/main" id="{16AE5DAE-F93A-479C-9C04-0A3CBED31B63}"/>
+              </a:ext>
+            </a:extLst>
+          </p:cNvPr>
+          <p:cNvSpPr>
+            <a:spLocks noGrp="1"/>
+          </p:cNvSpPr>
+          <p:nvPr>
+            <p:ph type="title"/>
+          </p:nvPr>
+        </p:nvSpPr>
+        <p:spPr/>
+        <p:txBody>
+          <a:bodyPr/>
+          <a:lstStyle/>
+          <a:p>
+            <a:r>
+              <a:rPr lang="en-US" dirty="0"/>
+              <a:t>PM4Py</a:t>
+            </a:r>
+          </a:p>
+        </p:txBody>
+      </p:sp>
+      <p:sp>
+        <p:nvSpPr>
+          <p:cNvPr id="3" name="Content Placeholder 2">
+            <a:extLst>
+              <a:ext uri="{FF2B5EF4-FFF2-40B4-BE49-F238E27FC236}">
+                <a16:creationId xmlns:a16="http://schemas.microsoft.com/office/drawing/2014/main" id="{02DADC48-42CF-4AC9-9774-D585F3A4599A}"/>
+              </a:ext>
+            </a:extLst>
+          </p:cNvPr>
+          <p:cNvSpPr>
+            <a:spLocks noGrp="1"/>
+          </p:cNvSpPr>
+          <p:nvPr>
+            <p:ph idx="1"/>
+          </p:nvPr>
+        </p:nvSpPr>
+        <p:spPr/>
+        <p:txBody>
+          <a:bodyPr/>
+          <a:lstStyle/>
+          <a:p>
+            <a:endParaRPr lang="en-US"/>
+          </a:p>
+        </p:txBody>
+      </p:sp>
+      <p:pic>
+        <p:nvPicPr>
+          <p:cNvPr id="2050" name="Picture 2">
+            <a:extLst>
+              <a:ext uri="{FF2B5EF4-FFF2-40B4-BE49-F238E27FC236}">
+                <a16:creationId xmlns:a16="http://schemas.microsoft.com/office/drawing/2014/main" id="{E25E940F-B9C9-499B-935F-DE4C8D3A83E3}"/>
+              </a:ext>
+            </a:extLst>
+          </p:cNvPr>
+          <p:cNvPicPr>
+            <a:picLocks noChangeAspect="1" noChangeArrowheads="1"/>
+          </p:cNvPicPr>
+          <p:nvPr/>
+        </p:nvPicPr>
+        <p:blipFill>
+          <a:blip r:embed="rId2">
+            <a:extLst>
+              <a:ext uri="{28A0092B-C50C-407E-A947-70E740481C1C}">
+                <a14:useLocalDpi xmlns:a14="http://schemas.microsoft.com/office/drawing/2010/main" val="0"/>
+              </a:ext>
+            </a:extLst>
+          </a:blip>
+          <a:srcRect/>
+          <a:stretch>
+            <a:fillRect/>
+          </a:stretch>
+        </p:blipFill>
+        <p:spPr bwMode="auto">
+          <a:xfrm>
+            <a:off x="4852891" y="365125"/>
+            <a:ext cx="2486217" cy="6427561"/>
+          </a:xfrm>
+          <a:prstGeom prst="rect">
+            <a:avLst/>
+          </a:prstGeom>
+          <a:noFill/>
+          <a:extLst>
+            <a:ext uri="{909E8E84-426E-40DD-AFC4-6F175D3DCCD1}">
+              <a14:hiddenFill xmlns:a14="http://schemas.microsoft.com/office/drawing/2010/main">
+                <a:solidFill>
+                  <a:srgbClr val="FFFFFF"/>
+                </a:solidFill>
+              </a14:hiddenFill>
+            </a:ext>
+          </a:extLst>
+        </p:spPr>
+      </p:pic>
+    </p:spTree>
+    <p:extLst>
+      <p:ext uri="{BB962C8B-B14F-4D97-AF65-F5344CB8AC3E}">
+        <p14:creationId xmlns:p14="http://schemas.microsoft.com/office/powerpoint/2010/main" val="193142278"/>
+      </p:ext>
+    </p:extLst>
+  </p:cSld>
+  <p:clrMapOvr>
+    <a:masterClrMapping/>
+  </p:clrMapOvr>
+</p:sld>
+</file>
+
+<file path=ppt/slides/slide12.xml><?xml version="1.0" encoding="utf-8"?>
+<p:sld xmlns:a="http://schemas.openxmlformats.org/drawingml/2006/main" xmlns:r="http://schemas.openxmlformats.org/officeDocument/2006/relationships" xmlns:p="http://schemas.openxmlformats.org/presentationml/2006/main">
+  <p:cSld>
+    <p:spTree>
+      <p:nvGrpSpPr>
+        <p:cNvPr id="1" name=""/>
+        <p:cNvGrpSpPr/>
+        <p:nvPr/>
+      </p:nvGrpSpPr>
+      <p:grpSpPr>
+        <a:xfrm>
+          <a:off x="0" y="0"/>
+          <a:ext cx="0" cy="0"/>
+          <a:chOff x="0" y="0"/>
+          <a:chExt cx="0" cy="0"/>
+        </a:xfrm>
+      </p:grpSpPr>
+      <p:sp>
+        <p:nvSpPr>
+          <p:cNvPr id="2" name="Title 1">
+            <a:extLst>
+              <a:ext uri="{FF2B5EF4-FFF2-40B4-BE49-F238E27FC236}">
+                <a16:creationId xmlns:a16="http://schemas.microsoft.com/office/drawing/2014/main" id="{8EA4D6F2-C22E-46C0-B696-49BADD301CF1}"/>
+              </a:ext>
+            </a:extLst>
+          </p:cNvPr>
+          <p:cNvSpPr>
+            <a:spLocks noGrp="1"/>
+          </p:cNvSpPr>
+          <p:nvPr>
+            <p:ph type="title"/>
+          </p:nvPr>
+        </p:nvSpPr>
+        <p:spPr/>
+        <p:txBody>
+          <a:bodyPr/>
+          <a:lstStyle/>
+          <a:p>
+            <a:r>
+              <a:rPr lang="en-US" dirty="0"/>
+              <a:t>PM4Py</a:t>
+            </a:r>
+          </a:p>
+        </p:txBody>
+      </p:sp>
+      <p:sp>
+        <p:nvSpPr>
+          <p:cNvPr id="3" name="Content Placeholder 2">
+            <a:extLst>
+              <a:ext uri="{FF2B5EF4-FFF2-40B4-BE49-F238E27FC236}">
+                <a16:creationId xmlns:a16="http://schemas.microsoft.com/office/drawing/2014/main" id="{F7A8A363-C9CC-44F3-951C-DB5526F72D23}"/>
+              </a:ext>
+            </a:extLst>
+          </p:cNvPr>
+          <p:cNvSpPr>
+            <a:spLocks noGrp="1"/>
+          </p:cNvSpPr>
+          <p:nvPr>
+            <p:ph idx="1"/>
+          </p:nvPr>
+        </p:nvSpPr>
+        <p:spPr/>
+        <p:txBody>
+          <a:bodyPr/>
+          <a:lstStyle/>
+          <a:p>
+            <a:endParaRPr lang="en-US"/>
+          </a:p>
+        </p:txBody>
+      </p:sp>
+      <p:pic>
+        <p:nvPicPr>
+          <p:cNvPr id="3074" name="Picture 2">
+            <a:extLst>
+              <a:ext uri="{FF2B5EF4-FFF2-40B4-BE49-F238E27FC236}">
+                <a16:creationId xmlns:a16="http://schemas.microsoft.com/office/drawing/2014/main" id="{2A847E2B-D470-450E-A8FE-9A4B685F5E64}"/>
+              </a:ext>
+            </a:extLst>
+          </p:cNvPr>
+          <p:cNvPicPr>
+            <a:picLocks noChangeAspect="1" noChangeArrowheads="1"/>
+          </p:cNvPicPr>
+          <p:nvPr/>
+        </p:nvPicPr>
+        <p:blipFill>
+          <a:blip r:embed="rId2">
+            <a:extLst>
+              <a:ext uri="{28A0092B-C50C-407E-A947-70E740481C1C}">
+                <a14:useLocalDpi xmlns:a14="http://schemas.microsoft.com/office/drawing/2010/main" val="0"/>
+              </a:ext>
+            </a:extLst>
+          </a:blip>
+          <a:srcRect/>
+          <a:stretch>
+            <a:fillRect/>
+          </a:stretch>
+        </p:blipFill>
+        <p:spPr bwMode="auto">
+          <a:xfrm>
+            <a:off x="121920" y="2199180"/>
+            <a:ext cx="11948160" cy="2459640"/>
+          </a:xfrm>
+          <a:prstGeom prst="rect">
+            <a:avLst/>
+          </a:prstGeom>
+          <a:noFill/>
+          <a:extLst>
+            <a:ext uri="{909E8E84-426E-40DD-AFC4-6F175D3DCCD1}">
+              <a14:hiddenFill xmlns:a14="http://schemas.microsoft.com/office/drawing/2010/main">
+                <a:solidFill>
+                  <a:srgbClr val="FFFFFF"/>
+                </a:solidFill>
+              </a14:hiddenFill>
+            </a:ext>
+          </a:extLst>
+        </p:spPr>
+      </p:pic>
+    </p:spTree>
+    <p:extLst>
+      <p:ext uri="{BB962C8B-B14F-4D97-AF65-F5344CB8AC3E}">
+        <p14:creationId xmlns:p14="http://schemas.microsoft.com/office/powerpoint/2010/main" val="2285725523"/>
+      </p:ext>
+    </p:extLst>
+  </p:cSld>
+  <p:clrMapOvr>
+    <a:masterClrMapping/>
+  </p:clrMapOvr>
+</p:sld>
+</file>
+
 <file path=ppt/slides/slide2.xml><?xml version="1.0" encoding="utf-8"?>
 <p:sld xmlns:a="http://schemas.openxmlformats.org/drawingml/2006/main" xmlns:r="http://schemas.openxmlformats.org/officeDocument/2006/relationships" xmlns:p="http://schemas.openxmlformats.org/presentationml/2006/main">
   <p:cSld>
@@ -3448,7 +4250,7 @@
           <p:cNvPr id="2" name="Title 1">
             <a:extLst>
               <a:ext uri="{FF2B5EF4-FFF2-40B4-BE49-F238E27FC236}">
-                <a16:creationId xmlns:a16="http://schemas.microsoft.com/office/drawing/2014/main" id="{CA999A54-3876-46D0-BE68-7CE143468287}"/>
+                <a16:creationId xmlns:a16="http://schemas.microsoft.com/office/drawing/2014/main" id="{CFD86C69-3603-4A30-9089-B8E803A513B5}"/>
               </a:ext>
             </a:extLst>
           </p:cNvPr>
@@ -3466,50 +4268,58 @@
           <a:p>
             <a:r>
               <a:rPr lang="en-US" dirty="0"/>
-              <a:t>Flowchart – Semester Goals</a:t>
-            </a:r>
-          </a:p>
-        </p:txBody>
-      </p:sp>
-      <p:pic>
-        <p:nvPicPr>
-          <p:cNvPr id="5" name="Content Placeholder 4">
-            <a:extLst>
-              <a:ext uri="{FF2B5EF4-FFF2-40B4-BE49-F238E27FC236}">
-                <a16:creationId xmlns:a16="http://schemas.microsoft.com/office/drawing/2014/main" id="{DA8B48C9-A2C6-4637-8D87-6123375858CF}"/>
-              </a:ext>
-            </a:extLst>
-          </p:cNvPr>
-          <p:cNvPicPr>
-            <a:picLocks noGrp="1" noChangeAspect="1"/>
-          </p:cNvPicPr>
+              <a:t>Overarching Goal</a:t>
+            </a:r>
+          </a:p>
+        </p:txBody>
+      </p:sp>
+      <p:sp>
+        <p:nvSpPr>
+          <p:cNvPr id="3" name="Content Placeholder 2">
+            <a:extLst>
+              <a:ext uri="{FF2B5EF4-FFF2-40B4-BE49-F238E27FC236}">
+                <a16:creationId xmlns:a16="http://schemas.microsoft.com/office/drawing/2014/main" id="{DB5A703D-E044-47D8-997B-C191A5271BA4}"/>
+              </a:ext>
+            </a:extLst>
+          </p:cNvPr>
+          <p:cNvSpPr>
+            <a:spLocks noGrp="1"/>
+          </p:cNvSpPr>
           <p:nvPr>
             <p:ph idx="1"/>
           </p:nvPr>
-        </p:nvPicPr>
-        <p:blipFill>
-          <a:blip r:embed="rId2">
-            <a:extLst>
-              <a:ext uri="{28A0092B-C50C-407E-A947-70E740481C1C}">
-                <a14:useLocalDpi xmlns:a14="http://schemas.microsoft.com/office/drawing/2010/main" val="0"/>
-              </a:ext>
-            </a:extLst>
-          </a:blip>
-          <a:stretch>
-            <a:fillRect/>
-          </a:stretch>
-        </p:blipFill>
-        <p:spPr>
-          <a:xfrm>
-            <a:off x="2653468" y="1694202"/>
-            <a:ext cx="6885064" cy="5163798"/>
-          </a:xfrm>
-        </p:spPr>
-      </p:pic>
+        </p:nvSpPr>
+        <p:spPr/>
+        <p:txBody>
+          <a:bodyPr/>
+          <a:lstStyle/>
+          <a:p>
+            <a:r>
+              <a:rPr lang="en-US" dirty="0"/>
+              <a:t>Goal: To make conversation go smoothly from the beginning to the end of the conversation.</a:t>
+            </a:r>
+          </a:p>
+          <a:p>
+            <a:endParaRPr lang="en-US" dirty="0"/>
+          </a:p>
+          <a:p>
+            <a:endParaRPr lang="en-US" dirty="0"/>
+          </a:p>
+          <a:p>
+            <a:r>
+              <a:rPr lang="en-US" dirty="0"/>
+              <a:t>Context: Modelling a collaborative conversation between two people working on a common goal.</a:t>
+            </a:r>
+          </a:p>
+          <a:p>
+            <a:endParaRPr lang="en-US" dirty="0"/>
+          </a:p>
+        </p:txBody>
+      </p:sp>
     </p:spTree>
     <p:extLst>
       <p:ext uri="{BB962C8B-B14F-4D97-AF65-F5344CB8AC3E}">
-        <p14:creationId xmlns:p14="http://schemas.microsoft.com/office/powerpoint/2010/main" val="2798490013"/>
+        <p14:creationId xmlns:p14="http://schemas.microsoft.com/office/powerpoint/2010/main" val="1995833520"/>
       </p:ext>
     </p:extLst>
   </p:cSld>
@@ -3541,7 +4351,7 @@
           <p:cNvPr id="2" name="Title 1">
             <a:extLst>
               <a:ext uri="{FF2B5EF4-FFF2-40B4-BE49-F238E27FC236}">
-                <a16:creationId xmlns:a16="http://schemas.microsoft.com/office/drawing/2014/main" id="{C13A3FF9-FD50-44BD-BC82-39E79CFB48B1}"/>
+                <a16:creationId xmlns:a16="http://schemas.microsoft.com/office/drawing/2014/main" id="{328D09A1-B10C-4E85-8F9C-BA4A0CDA2819}"/>
               </a:ext>
             </a:extLst>
           </p:cNvPr>
@@ -3559,50 +4369,40 @@
           <a:p>
             <a:r>
               <a:rPr lang="en-US" dirty="0"/>
-              <a:t>Flowchart – Semester Goals</a:t>
-            </a:r>
-          </a:p>
-        </p:txBody>
-      </p:sp>
-      <p:pic>
-        <p:nvPicPr>
-          <p:cNvPr id="5" name="Content Placeholder 4">
-            <a:extLst>
-              <a:ext uri="{FF2B5EF4-FFF2-40B4-BE49-F238E27FC236}">
-                <a16:creationId xmlns:a16="http://schemas.microsoft.com/office/drawing/2014/main" id="{801C9B25-C385-4069-93A9-663AAE0410E6}"/>
-              </a:ext>
-            </a:extLst>
-          </p:cNvPr>
-          <p:cNvPicPr>
-            <a:picLocks noGrp="1" noChangeAspect="1"/>
-          </p:cNvPicPr>
+              <a:t>Session Goals</a:t>
+            </a:r>
+          </a:p>
+        </p:txBody>
+      </p:sp>
+      <p:sp>
+        <p:nvSpPr>
+          <p:cNvPr id="3" name="Content Placeholder 2">
+            <a:extLst>
+              <a:ext uri="{FF2B5EF4-FFF2-40B4-BE49-F238E27FC236}">
+                <a16:creationId xmlns:a16="http://schemas.microsoft.com/office/drawing/2014/main" id="{AF075920-AFA0-420A-8AAC-B0AD4D8BBEC0}"/>
+              </a:ext>
+            </a:extLst>
+          </p:cNvPr>
+          <p:cNvSpPr>
+            <a:spLocks noGrp="1"/>
+          </p:cNvSpPr>
           <p:nvPr>
             <p:ph idx="1"/>
           </p:nvPr>
-        </p:nvPicPr>
-        <p:blipFill>
-          <a:blip r:embed="rId2">
-            <a:extLst>
-              <a:ext uri="{28A0092B-C50C-407E-A947-70E740481C1C}">
-                <a14:useLocalDpi xmlns:a14="http://schemas.microsoft.com/office/drawing/2010/main" val="0"/>
-              </a:ext>
-            </a:extLst>
-          </a:blip>
-          <a:stretch>
-            <a:fillRect/>
-          </a:stretch>
-        </p:blipFill>
-        <p:spPr>
-          <a:xfrm>
-            <a:off x="2648857" y="1687285"/>
-            <a:ext cx="6894286" cy="5170715"/>
-          </a:xfrm>
-        </p:spPr>
-      </p:pic>
+        </p:nvSpPr>
+        <p:spPr/>
+        <p:txBody>
+          <a:bodyPr/>
+          <a:lstStyle/>
+          <a:p>
+            <a:endParaRPr lang="en-US" dirty="0"/>
+          </a:p>
+        </p:txBody>
+      </p:sp>
     </p:spTree>
     <p:extLst>
       <p:ext uri="{BB962C8B-B14F-4D97-AF65-F5344CB8AC3E}">
-        <p14:creationId xmlns:p14="http://schemas.microsoft.com/office/powerpoint/2010/main" val="2006175847"/>
+        <p14:creationId xmlns:p14="http://schemas.microsoft.com/office/powerpoint/2010/main" val="765077486"/>
       </p:ext>
     </p:extLst>
   </p:cSld>
@@ -3634,7 +4434,7 @@
           <p:cNvPr id="2" name="Title 1">
             <a:extLst>
               <a:ext uri="{FF2B5EF4-FFF2-40B4-BE49-F238E27FC236}">
-                <a16:creationId xmlns:a16="http://schemas.microsoft.com/office/drawing/2014/main" id="{E36BDB90-E9EC-4B4A-A922-CACFDD724B60}"/>
+                <a16:creationId xmlns:a16="http://schemas.microsoft.com/office/drawing/2014/main" id="{CA999A54-3876-46D0-BE68-7CE143468287}"/>
               </a:ext>
             </a:extLst>
           </p:cNvPr>
@@ -3662,7 +4462,7 @@
           <p:cNvPr id="5" name="Content Placeholder 4">
             <a:extLst>
               <a:ext uri="{FF2B5EF4-FFF2-40B4-BE49-F238E27FC236}">
-                <a16:creationId xmlns:a16="http://schemas.microsoft.com/office/drawing/2014/main" id="{5FB243C9-1E9A-4BA9-A9C8-452240429473}"/>
+                <a16:creationId xmlns:a16="http://schemas.microsoft.com/office/drawing/2014/main" id="{DA8B48C9-A2C6-4637-8D87-6123375858CF}"/>
               </a:ext>
             </a:extLst>
           </p:cNvPr>
@@ -3687,15 +4487,15 @@
         </p:blipFill>
         <p:spPr>
           <a:xfrm>
-            <a:off x="2647405" y="1690688"/>
-            <a:ext cx="6897189" cy="5172891"/>
+            <a:off x="2653468" y="1694202"/>
+            <a:ext cx="6885064" cy="5163798"/>
           </a:xfrm>
         </p:spPr>
       </p:pic>
     </p:spTree>
     <p:extLst>
       <p:ext uri="{BB962C8B-B14F-4D97-AF65-F5344CB8AC3E}">
-        <p14:creationId xmlns:p14="http://schemas.microsoft.com/office/powerpoint/2010/main" val="220719477"/>
+        <p14:creationId xmlns:p14="http://schemas.microsoft.com/office/powerpoint/2010/main" val="2798490013"/>
       </p:ext>
     </p:extLst>
   </p:cSld>
@@ -3727,7 +4527,7 @@
           <p:cNvPr id="2" name="Title 1">
             <a:extLst>
               <a:ext uri="{FF2B5EF4-FFF2-40B4-BE49-F238E27FC236}">
-                <a16:creationId xmlns:a16="http://schemas.microsoft.com/office/drawing/2014/main" id="{668D6619-A46F-476F-B4D7-A54B23F695DE}"/>
+                <a16:creationId xmlns:a16="http://schemas.microsoft.com/office/drawing/2014/main" id="{C13A3FF9-FD50-44BD-BC82-39E79CFB48B1}"/>
               </a:ext>
             </a:extLst>
           </p:cNvPr>
@@ -3745,40 +4545,50 @@
           <a:p>
             <a:r>
               <a:rPr lang="en-US" dirty="0"/>
-              <a:t>Process Discovery – Sample Model</a:t>
-            </a:r>
-          </a:p>
-        </p:txBody>
-      </p:sp>
-      <p:sp>
-        <p:nvSpPr>
-          <p:cNvPr id="3" name="Content Placeholder 2">
-            <a:extLst>
-              <a:ext uri="{FF2B5EF4-FFF2-40B4-BE49-F238E27FC236}">
-                <a16:creationId xmlns:a16="http://schemas.microsoft.com/office/drawing/2014/main" id="{CF198A40-359F-431A-90A8-DE0A287005A6}"/>
-              </a:ext>
-            </a:extLst>
-          </p:cNvPr>
-          <p:cNvSpPr>
-            <a:spLocks noGrp="1"/>
-          </p:cNvSpPr>
+              <a:t>Flowchart – Semester Goals</a:t>
+            </a:r>
+          </a:p>
+        </p:txBody>
+      </p:sp>
+      <p:pic>
+        <p:nvPicPr>
+          <p:cNvPr id="5" name="Content Placeholder 4">
+            <a:extLst>
+              <a:ext uri="{FF2B5EF4-FFF2-40B4-BE49-F238E27FC236}">
+                <a16:creationId xmlns:a16="http://schemas.microsoft.com/office/drawing/2014/main" id="{801C9B25-C385-4069-93A9-663AAE0410E6}"/>
+              </a:ext>
+            </a:extLst>
+          </p:cNvPr>
+          <p:cNvPicPr>
+            <a:picLocks noGrp="1" noChangeAspect="1"/>
+          </p:cNvPicPr>
           <p:nvPr>
             <p:ph idx="1"/>
           </p:nvPr>
-        </p:nvSpPr>
-        <p:spPr/>
-        <p:txBody>
-          <a:bodyPr/>
-          <a:lstStyle/>
-          <a:p>
-            <a:endParaRPr lang="en-US"/>
-          </a:p>
-        </p:txBody>
-      </p:sp>
+        </p:nvPicPr>
+        <p:blipFill>
+          <a:blip r:embed="rId2">
+            <a:extLst>
+              <a:ext uri="{28A0092B-C50C-407E-A947-70E740481C1C}">
+                <a14:useLocalDpi xmlns:a14="http://schemas.microsoft.com/office/drawing/2010/main" val="0"/>
+              </a:ext>
+            </a:extLst>
+          </a:blip>
+          <a:stretch>
+            <a:fillRect/>
+          </a:stretch>
+        </p:blipFill>
+        <p:spPr>
+          <a:xfrm>
+            <a:off x="2648857" y="1687285"/>
+            <a:ext cx="6894286" cy="5170715"/>
+          </a:xfrm>
+        </p:spPr>
+      </p:pic>
     </p:spTree>
     <p:extLst>
       <p:ext uri="{BB962C8B-B14F-4D97-AF65-F5344CB8AC3E}">
-        <p14:creationId xmlns:p14="http://schemas.microsoft.com/office/powerpoint/2010/main" val="4254522149"/>
+        <p14:creationId xmlns:p14="http://schemas.microsoft.com/office/powerpoint/2010/main" val="2006175847"/>
       </p:ext>
     </p:extLst>
   </p:cSld>
@@ -3810,7 +4620,7 @@
           <p:cNvPr id="2" name="Title 1">
             <a:extLst>
               <a:ext uri="{FF2B5EF4-FFF2-40B4-BE49-F238E27FC236}">
-                <a16:creationId xmlns:a16="http://schemas.microsoft.com/office/drawing/2014/main" id="{AB8896A2-45AC-45AF-AE75-376814E3A683}"/>
+                <a16:creationId xmlns:a16="http://schemas.microsoft.com/office/drawing/2014/main" id="{E36BDB90-E9EC-4B4A-A922-CACFDD724B60}"/>
               </a:ext>
             </a:extLst>
           </p:cNvPr>
@@ -3826,7 +4636,10 @@
           <a:bodyPr/>
           <a:lstStyle/>
           <a:p>
-            <a:endParaRPr lang="en-US"/>
+            <a:r>
+              <a:rPr lang="en-US" dirty="0"/>
+              <a:t>Flowchart – Semester Goals</a:t>
+            </a:r>
           </a:p>
         </p:txBody>
       </p:sp>
@@ -3835,7 +4648,7 @@
           <p:cNvPr id="5" name="Content Placeholder 4">
             <a:extLst>
               <a:ext uri="{FF2B5EF4-FFF2-40B4-BE49-F238E27FC236}">
-                <a16:creationId xmlns:a16="http://schemas.microsoft.com/office/drawing/2014/main" id="{70C4A154-068E-461E-A4E4-A459D82CA519}"/>
+                <a16:creationId xmlns:a16="http://schemas.microsoft.com/office/drawing/2014/main" id="{5FB243C9-1E9A-4BA9-A9C8-452240429473}"/>
               </a:ext>
             </a:extLst>
           </p:cNvPr>
@@ -3860,15 +4673,15 @@
         </p:blipFill>
         <p:spPr>
           <a:xfrm>
-            <a:off x="1524000" y="0"/>
-            <a:ext cx="9144000" cy="6858000"/>
+            <a:off x="2647405" y="1690688"/>
+            <a:ext cx="6897189" cy="5172891"/>
           </a:xfrm>
         </p:spPr>
       </p:pic>
     </p:spTree>
     <p:extLst>
       <p:ext uri="{BB962C8B-B14F-4D97-AF65-F5344CB8AC3E}">
-        <p14:creationId xmlns:p14="http://schemas.microsoft.com/office/powerpoint/2010/main" val="2868010947"/>
+        <p14:creationId xmlns:p14="http://schemas.microsoft.com/office/powerpoint/2010/main" val="220719477"/>
       </p:ext>
     </p:extLst>
   </p:cSld>
@@ -3918,7 +4731,7 @@
           <a:p>
             <a:r>
               <a:rPr lang="en-US" dirty="0"/>
-              <a:t>Process Discovery – </a:t>
+              <a:t>Process Discovery </a:t>
             </a:r>
           </a:p>
         </p:txBody>
@@ -3944,14 +4757,288 @@
           <a:bodyPr/>
           <a:lstStyle/>
           <a:p>
-            <a:endParaRPr lang="en-US"/>
-          </a:p>
-        </p:txBody>
-      </p:sp>
+            <a:r>
+              <a:rPr lang="en-US" dirty="0"/>
+              <a:t>P1/P2 Independence Assumptions</a:t>
+            </a:r>
+          </a:p>
+          <a:p>
+            <a:r>
+              <a:rPr lang="en-US" dirty="0"/>
+              <a:t>Creating traces</a:t>
+            </a:r>
+          </a:p>
+          <a:p>
+            <a:r>
+              <a:rPr lang="en-US" dirty="0"/>
+              <a:t>Dictionaries of dependencies</a:t>
+            </a:r>
+          </a:p>
+          <a:p>
+            <a:pPr lvl="1"/>
+            <a:r>
+              <a:rPr lang="en-US" dirty="0"/>
+              <a:t>‘</a:t>
+            </a:r>
+            <a:r>
+              <a:rPr lang="en-US" dirty="0" err="1"/>
+              <a:t>check.reception</a:t>
+            </a:r>
+            <a:r>
+              <a:rPr lang="en-US" dirty="0"/>
+              <a:t>’: {‘</a:t>
+            </a:r>
+            <a:r>
+              <a:rPr lang="en-US" dirty="0" err="1"/>
+              <a:t>relax.atmosphere</a:t>
+            </a:r>
+            <a:r>
+              <a:rPr lang="en-US" dirty="0"/>
+              <a:t>’: 1, ‘</a:t>
+            </a:r>
+            <a:r>
+              <a:rPr lang="en-US" dirty="0" err="1"/>
+              <a:t>manage.task</a:t>
+            </a:r>
+            <a:r>
+              <a:rPr lang="en-US" dirty="0"/>
+              <a:t>’: 0, … }</a:t>
+            </a:r>
+          </a:p>
+          <a:p>
+            <a:r>
+              <a:rPr lang="en-US" dirty="0"/>
+              <a:t>Creating causalities</a:t>
+            </a:r>
+          </a:p>
+        </p:txBody>
+      </p:sp>
+      <p:pic>
+        <p:nvPicPr>
+          <p:cNvPr id="7" name="Picture 6">
+            <a:extLst>
+              <a:ext uri="{FF2B5EF4-FFF2-40B4-BE49-F238E27FC236}">
+                <a16:creationId xmlns:a16="http://schemas.microsoft.com/office/drawing/2014/main" id="{CD6606A1-DF36-4EDB-9185-D70ACA594483}"/>
+              </a:ext>
+            </a:extLst>
+          </p:cNvPr>
+          <p:cNvPicPr>
+            <a:picLocks noChangeAspect="1"/>
+          </p:cNvPicPr>
+          <p:nvPr/>
+        </p:nvPicPr>
+        <p:blipFill>
+          <a:blip r:embed="rId2">
+            <a:extLst>
+              <a:ext uri="{28A0092B-C50C-407E-A947-70E740481C1C}">
+                <a14:useLocalDpi xmlns:a14="http://schemas.microsoft.com/office/drawing/2010/main" val="0"/>
+              </a:ext>
+            </a:extLst>
+          </a:blip>
+          <a:stretch>
+            <a:fillRect/>
+          </a:stretch>
+        </p:blipFill>
+        <p:spPr>
+          <a:xfrm>
+            <a:off x="6096000" y="-320992"/>
+            <a:ext cx="5364480" cy="4023360"/>
+          </a:xfrm>
+          <a:prstGeom prst="rect">
+            <a:avLst/>
+          </a:prstGeom>
+        </p:spPr>
+      </p:pic>
     </p:spTree>
     <p:extLst>
       <p:ext uri="{BB962C8B-B14F-4D97-AF65-F5344CB8AC3E}">
         <p14:creationId xmlns:p14="http://schemas.microsoft.com/office/powerpoint/2010/main" val="60480282"/>
+      </p:ext>
+    </p:extLst>
+  </p:cSld>
+  <p:clrMapOvr>
+    <a:masterClrMapping/>
+  </p:clrMapOvr>
+</p:sld>
+</file>
+
+<file path=ppt/slides/slide8.xml><?xml version="1.0" encoding="utf-8"?>
+<p:sld xmlns:a="http://schemas.openxmlformats.org/drawingml/2006/main" xmlns:r="http://schemas.openxmlformats.org/officeDocument/2006/relationships" xmlns:p="http://schemas.openxmlformats.org/presentationml/2006/main">
+  <p:cSld>
+    <p:spTree>
+      <p:nvGrpSpPr>
+        <p:cNvPr id="1" name=""/>
+        <p:cNvGrpSpPr/>
+        <p:nvPr/>
+      </p:nvGrpSpPr>
+      <p:grpSpPr>
+        <a:xfrm>
+          <a:off x="0" y="0"/>
+          <a:ext cx="0" cy="0"/>
+          <a:chOff x="0" y="0"/>
+          <a:chExt cx="0" cy="0"/>
+        </a:xfrm>
+      </p:grpSpPr>
+      <p:sp>
+        <p:nvSpPr>
+          <p:cNvPr id="2" name="Title 1">
+            <a:extLst>
+              <a:ext uri="{FF2B5EF4-FFF2-40B4-BE49-F238E27FC236}">
+                <a16:creationId xmlns:a16="http://schemas.microsoft.com/office/drawing/2014/main" id="{088E54E6-CC11-47CE-87B0-BAE21A46806D}"/>
+              </a:ext>
+            </a:extLst>
+          </p:cNvPr>
+          <p:cNvSpPr>
+            <a:spLocks noGrp="1"/>
+          </p:cNvSpPr>
+          <p:nvPr>
+            <p:ph type="title"/>
+          </p:nvPr>
+        </p:nvSpPr>
+        <p:spPr/>
+        <p:txBody>
+          <a:bodyPr/>
+          <a:lstStyle/>
+          <a:p>
+            <a:r>
+              <a:rPr lang="en-US" dirty="0"/>
+              <a:t>P1</a:t>
+            </a:r>
+          </a:p>
+        </p:txBody>
+      </p:sp>
+      <p:pic>
+        <p:nvPicPr>
+          <p:cNvPr id="5" name="Content Placeholder 4">
+            <a:extLst>
+              <a:ext uri="{FF2B5EF4-FFF2-40B4-BE49-F238E27FC236}">
+                <a16:creationId xmlns:a16="http://schemas.microsoft.com/office/drawing/2014/main" id="{DB8500AB-4E76-4DB2-8421-B062C1803A28}"/>
+              </a:ext>
+            </a:extLst>
+          </p:cNvPr>
+          <p:cNvPicPr>
+            <a:picLocks noGrp="1" noChangeAspect="1"/>
+          </p:cNvPicPr>
+          <p:nvPr>
+            <p:ph idx="1"/>
+          </p:nvPr>
+        </p:nvPicPr>
+        <p:blipFill>
+          <a:blip r:embed="rId2">
+            <a:extLst>
+              <a:ext uri="{28A0092B-C50C-407E-A947-70E740481C1C}">
+                <a14:useLocalDpi xmlns:a14="http://schemas.microsoft.com/office/drawing/2010/main" val="0"/>
+              </a:ext>
+            </a:extLst>
+          </a:blip>
+          <a:stretch>
+            <a:fillRect/>
+          </a:stretch>
+        </p:blipFill>
+        <p:spPr>
+          <a:xfrm>
+            <a:off x="1524000" y="0"/>
+            <a:ext cx="9144000" cy="6858000"/>
+          </a:xfrm>
+        </p:spPr>
+      </p:pic>
+    </p:spTree>
+    <p:extLst>
+      <p:ext uri="{BB962C8B-B14F-4D97-AF65-F5344CB8AC3E}">
+        <p14:creationId xmlns:p14="http://schemas.microsoft.com/office/powerpoint/2010/main" val="4171697198"/>
+      </p:ext>
+    </p:extLst>
+  </p:cSld>
+  <p:clrMapOvr>
+    <a:masterClrMapping/>
+  </p:clrMapOvr>
+</p:sld>
+</file>
+
+<file path=ppt/slides/slide9.xml><?xml version="1.0" encoding="utf-8"?>
+<p:sld xmlns:a="http://schemas.openxmlformats.org/drawingml/2006/main" xmlns:r="http://schemas.openxmlformats.org/officeDocument/2006/relationships" xmlns:p="http://schemas.openxmlformats.org/presentationml/2006/main">
+  <p:cSld>
+    <p:spTree>
+      <p:nvGrpSpPr>
+        <p:cNvPr id="1" name=""/>
+        <p:cNvGrpSpPr/>
+        <p:nvPr/>
+      </p:nvGrpSpPr>
+      <p:grpSpPr>
+        <a:xfrm>
+          <a:off x="0" y="0"/>
+          <a:ext cx="0" cy="0"/>
+          <a:chOff x="0" y="0"/>
+          <a:chExt cx="0" cy="0"/>
+        </a:xfrm>
+      </p:grpSpPr>
+      <p:sp>
+        <p:nvSpPr>
+          <p:cNvPr id="2" name="Title 1">
+            <a:extLst>
+              <a:ext uri="{FF2B5EF4-FFF2-40B4-BE49-F238E27FC236}">
+                <a16:creationId xmlns:a16="http://schemas.microsoft.com/office/drawing/2014/main" id="{C2119868-8844-4938-8AF1-8194D29B87DE}"/>
+              </a:ext>
+            </a:extLst>
+          </p:cNvPr>
+          <p:cNvSpPr>
+            <a:spLocks noGrp="1"/>
+          </p:cNvSpPr>
+          <p:nvPr>
+            <p:ph type="title"/>
+          </p:nvPr>
+        </p:nvSpPr>
+        <p:spPr/>
+        <p:txBody>
+          <a:bodyPr/>
+          <a:lstStyle/>
+          <a:p>
+            <a:r>
+              <a:rPr lang="en-US" dirty="0"/>
+              <a:t>P2</a:t>
+            </a:r>
+          </a:p>
+        </p:txBody>
+      </p:sp>
+      <p:pic>
+        <p:nvPicPr>
+          <p:cNvPr id="5" name="Content Placeholder 4">
+            <a:extLst>
+              <a:ext uri="{FF2B5EF4-FFF2-40B4-BE49-F238E27FC236}">
+                <a16:creationId xmlns:a16="http://schemas.microsoft.com/office/drawing/2014/main" id="{3F9B67D4-5407-4EE1-AB5A-9E3AAA5147F7}"/>
+              </a:ext>
+            </a:extLst>
+          </p:cNvPr>
+          <p:cNvPicPr>
+            <a:picLocks noGrp="1" noChangeAspect="1"/>
+          </p:cNvPicPr>
+          <p:nvPr>
+            <p:ph idx="1"/>
+          </p:nvPr>
+        </p:nvPicPr>
+        <p:blipFill>
+          <a:blip r:embed="rId2">
+            <a:extLst>
+              <a:ext uri="{28A0092B-C50C-407E-A947-70E740481C1C}">
+                <a14:useLocalDpi xmlns:a14="http://schemas.microsoft.com/office/drawing/2010/main" val="0"/>
+              </a:ext>
+            </a:extLst>
+          </a:blip>
+          <a:stretch>
+            <a:fillRect/>
+          </a:stretch>
+        </p:blipFill>
+        <p:spPr>
+          <a:xfrm>
+            <a:off x="1524000" y="0"/>
+            <a:ext cx="9144000" cy="6858000"/>
+          </a:xfrm>
+        </p:spPr>
+      </p:pic>
+    </p:spTree>
+    <p:extLst>
+      <p:ext uri="{BB962C8B-B14F-4D97-AF65-F5344CB8AC3E}">
+        <p14:creationId xmlns:p14="http://schemas.microsoft.com/office/powerpoint/2010/main" val="629327320"/>
       </p:ext>
     </p:extLst>
   </p:cSld>
@@ -4254,4 +5341,299 @@
     </a:ext>
   </a:extLst>
 </a:theme>
+</file>
+
+<file path=ppt/theme/theme2.xml><?xml version="1.0" encoding="utf-8"?>
+<a:theme xmlns:a="http://schemas.openxmlformats.org/drawingml/2006/main" name="Office Theme">
+  <a:themeElements>
+    <a:clrScheme name="Office">
+      <a:dk1>
+        <a:sysClr val="windowText" lastClr="000000"/>
+      </a:dk1>
+      <a:lt1>
+        <a:sysClr val="window" lastClr="FFFFFF"/>
+      </a:lt1>
+      <a:dk2>
+        <a:srgbClr val="44546A"/>
+      </a:dk2>
+      <a:lt2>
+        <a:srgbClr val="E7E6E6"/>
+      </a:lt2>
+      <a:accent1>
+        <a:srgbClr val="4472C4"/>
+      </a:accent1>
+      <a:accent2>
+        <a:srgbClr val="ED7D31"/>
+      </a:accent2>
+      <a:accent3>
+        <a:srgbClr val="A5A5A5"/>
+      </a:accent3>
+      <a:accent4>
+        <a:srgbClr val="FFC000"/>
+      </a:accent4>
+      <a:accent5>
+        <a:srgbClr val="5B9BD5"/>
+      </a:accent5>
+      <a:accent6>
+        <a:srgbClr val="70AD47"/>
+      </a:accent6>
+      <a:hlink>
+        <a:srgbClr val="0563C1"/>
+      </a:hlink>
+      <a:folHlink>
+        <a:srgbClr val="954F72"/>
+      </a:folHlink>
+    </a:clrScheme>
+    <a:fontScheme name="Office">
+      <a:majorFont>
+        <a:latin typeface="Calibri Light" panose="020F0302020204030204"/>
+        <a:ea typeface=""/>
+        <a:cs typeface=""/>
+        <a:font script="Jpan" typeface="游ゴシック Light"/>
+        <a:font script="Hang" typeface="맑은 고딕"/>
+        <a:font script="Hans" typeface="等线 Light"/>
+        <a:font script="Hant" typeface="新細明體"/>
+        <a:font script="Arab" typeface="Times New Roman"/>
+        <a:font script="Hebr" typeface="Times New Roman"/>
+        <a:font script="Thai" typeface="Angsana New"/>
+        <a:font script="Ethi" typeface="Nyala"/>
+        <a:font script="Beng" typeface="Vrinda"/>
+        <a:font script="Gujr" typeface="Shruti"/>
+        <a:font script="Khmr" typeface="MoolBoran"/>
+        <a:font script="Knda" typeface="Tunga"/>
+        <a:font script="Guru" typeface="Raavi"/>
+        <a:font script="Cans" typeface="Euphemia"/>
+        <a:font script="Cher" typeface="Plantagenet Cherokee"/>
+        <a:font script="Yiii" typeface="Microsoft Yi Baiti"/>
+        <a:font script="Tibt" typeface="Microsoft Himalaya"/>
+        <a:font script="Thaa" typeface="MV Boli"/>
+        <a:font script="Deva" typeface="Mangal"/>
+        <a:font script="Telu" typeface="Gautami"/>
+        <a:font script="Taml" typeface="Latha"/>
+        <a:font script="Syrc" typeface="Estrangelo Edessa"/>
+        <a:font script="Orya" typeface="Kalinga"/>
+        <a:font script="Mlym" typeface="Kartika"/>
+        <a:font script="Laoo" typeface="DokChampa"/>
+        <a:font script="Sinh" typeface="Iskoola Pota"/>
+        <a:font script="Mong" typeface="Mongolian Baiti"/>
+        <a:font script="Viet" typeface="Times New Roman"/>
+        <a:font script="Uigh" typeface="Microsoft Uighur"/>
+        <a:font script="Geor" typeface="Sylfaen"/>
+        <a:font script="Armn" typeface="Arial"/>
+        <a:font script="Bugi" typeface="Leelawadee UI"/>
+        <a:font script="Bopo" typeface="Microsoft JhengHei"/>
+        <a:font script="Java" typeface="Javanese Text"/>
+        <a:font script="Lisu" typeface="Segoe UI"/>
+        <a:font script="Mymr" typeface="Myanmar Text"/>
+        <a:font script="Nkoo" typeface="Ebrima"/>
+        <a:font script="Olck" typeface="Nirmala UI"/>
+        <a:font script="Osma" typeface="Ebrima"/>
+        <a:font script="Phag" typeface="Phagspa"/>
+        <a:font script="Syrn" typeface="Estrangelo Edessa"/>
+        <a:font script="Syrj" typeface="Estrangelo Edessa"/>
+        <a:font script="Syre" typeface="Estrangelo Edessa"/>
+        <a:font script="Sora" typeface="Nirmala UI"/>
+        <a:font script="Tale" typeface="Microsoft Tai Le"/>
+        <a:font script="Talu" typeface="Microsoft New Tai Lue"/>
+        <a:font script="Tfng" typeface="Ebrima"/>
+      </a:majorFont>
+      <a:minorFont>
+        <a:latin typeface="Calibri" panose="020F0502020204030204"/>
+        <a:ea typeface=""/>
+        <a:cs typeface=""/>
+        <a:font script="Jpan" typeface="游ゴシック"/>
+        <a:font script="Hang" typeface="맑은 고딕"/>
+        <a:font script="Hans" typeface="等线"/>
+        <a:font script="Hant" typeface="新細明體"/>
+        <a:font script="Arab" typeface="Arial"/>
+        <a:font script="Hebr" typeface="Arial"/>
+        <a:font script="Thai" typeface="Cordia New"/>
+        <a:font script="Ethi" typeface="Nyala"/>
+        <a:font script="Beng" typeface="Vrinda"/>
+        <a:font script="Gujr" typeface="Shruti"/>
+        <a:font script="Khmr" typeface="DaunPenh"/>
+        <a:font script="Knda" typeface="Tunga"/>
+        <a:font script="Guru" typeface="Raavi"/>
+        <a:font script="Cans" typeface="Euphemia"/>
+        <a:font script="Cher" typeface="Plantagenet Cherokee"/>
+        <a:font script="Yiii" typeface="Microsoft Yi Baiti"/>
+        <a:font script="Tibt" typeface="Microsoft Himalaya"/>
+        <a:font script="Thaa" typeface="MV Boli"/>
+        <a:font script="Deva" typeface="Mangal"/>
+        <a:font script="Telu" typeface="Gautami"/>
+        <a:font script="Taml" typeface="Latha"/>
+        <a:font script="Syrc" typeface="Estrangelo Edessa"/>
+        <a:font script="Orya" typeface="Kalinga"/>
+        <a:font script="Mlym" typeface="Kartika"/>
+        <a:font script="Laoo" typeface="DokChampa"/>
+        <a:font script="Sinh" typeface="Iskoola Pota"/>
+        <a:font script="Mong" typeface="Mongolian Baiti"/>
+        <a:font script="Viet" typeface="Arial"/>
+        <a:font script="Uigh" typeface="Microsoft Uighur"/>
+        <a:font script="Geor" typeface="Sylfaen"/>
+        <a:font script="Armn" typeface="Arial"/>
+        <a:font script="Bugi" typeface="Leelawadee UI"/>
+        <a:font script="Bopo" typeface="Microsoft JhengHei"/>
+        <a:font script="Java" typeface="Javanese Text"/>
+        <a:font script="Lisu" typeface="Segoe UI"/>
+        <a:font script="Mymr" typeface="Myanmar Text"/>
+        <a:font script="Nkoo" typeface="Ebrima"/>
+        <a:font script="Olck" typeface="Nirmala UI"/>
+        <a:font script="Osma" typeface="Ebrima"/>
+        <a:font script="Phag" typeface="Phagspa"/>
+        <a:font script="Syrn" typeface="Estrangelo Edessa"/>
+        <a:font script="Syrj" typeface="Estrangelo Edessa"/>
+        <a:font script="Syre" typeface="Estrangelo Edessa"/>
+        <a:font script="Sora" typeface="Nirmala UI"/>
+        <a:font script="Tale" typeface="Microsoft Tai Le"/>
+        <a:font script="Talu" typeface="Microsoft New Tai Lue"/>
+        <a:font script="Tfng" typeface="Ebrima"/>
+      </a:minorFont>
+    </a:fontScheme>
+    <a:fmtScheme name="Office">
+      <a:fillStyleLst>
+        <a:solidFill>
+          <a:schemeClr val="phClr"/>
+        </a:solidFill>
+        <a:gradFill rotWithShape="1">
+          <a:gsLst>
+            <a:gs pos="0">
+              <a:schemeClr val="phClr">
+                <a:lumMod val="110000"/>
+                <a:satMod val="105000"/>
+                <a:tint val="67000"/>
+              </a:schemeClr>
+            </a:gs>
+            <a:gs pos="50000">
+              <a:schemeClr val="phClr">
+                <a:lumMod val="105000"/>
+                <a:satMod val="103000"/>
+                <a:tint val="73000"/>
+              </a:schemeClr>
+            </a:gs>
+            <a:gs pos="100000">
+              <a:schemeClr val="phClr">
+                <a:lumMod val="105000"/>
+                <a:satMod val="109000"/>
+                <a:tint val="81000"/>
+              </a:schemeClr>
+            </a:gs>
+          </a:gsLst>
+          <a:lin ang="5400000" scaled="0"/>
+        </a:gradFill>
+        <a:gradFill rotWithShape="1">
+          <a:gsLst>
+            <a:gs pos="0">
+              <a:schemeClr val="phClr">
+                <a:satMod val="103000"/>
+                <a:lumMod val="102000"/>
+                <a:tint val="94000"/>
+              </a:schemeClr>
+            </a:gs>
+            <a:gs pos="50000">
+              <a:schemeClr val="phClr">
+                <a:satMod val="110000"/>
+                <a:lumMod val="100000"/>
+                <a:shade val="100000"/>
+              </a:schemeClr>
+            </a:gs>
+            <a:gs pos="100000">
+              <a:schemeClr val="phClr">
+                <a:lumMod val="99000"/>
+                <a:satMod val="120000"/>
+                <a:shade val="78000"/>
+              </a:schemeClr>
+            </a:gs>
+          </a:gsLst>
+          <a:lin ang="5400000" scaled="0"/>
+        </a:gradFill>
+      </a:fillStyleLst>
+      <a:lnStyleLst>
+        <a:ln w="6350" cap="flat" cmpd="sng" algn="ctr">
+          <a:solidFill>
+            <a:schemeClr val="phClr"/>
+          </a:solidFill>
+          <a:prstDash val="solid"/>
+          <a:miter lim="800000"/>
+        </a:ln>
+        <a:ln w="12700" cap="flat" cmpd="sng" algn="ctr">
+          <a:solidFill>
+            <a:schemeClr val="phClr"/>
+          </a:solidFill>
+          <a:prstDash val="solid"/>
+          <a:miter lim="800000"/>
+        </a:ln>
+        <a:ln w="19050" cap="flat" cmpd="sng" algn="ctr">
+          <a:solidFill>
+            <a:schemeClr val="phClr"/>
+          </a:solidFill>
+          <a:prstDash val="solid"/>
+          <a:miter lim="800000"/>
+        </a:ln>
+      </a:lnStyleLst>
+      <a:effectStyleLst>
+        <a:effectStyle>
+          <a:effectLst/>
+        </a:effectStyle>
+        <a:effectStyle>
+          <a:effectLst/>
+        </a:effectStyle>
+        <a:effectStyle>
+          <a:effectLst>
+            <a:outerShdw blurRad="57150" dist="19050" dir="5400000" algn="ctr" rotWithShape="0">
+              <a:srgbClr val="000000">
+                <a:alpha val="63000"/>
+              </a:srgbClr>
+            </a:outerShdw>
+          </a:effectLst>
+        </a:effectStyle>
+      </a:effectStyleLst>
+      <a:bgFillStyleLst>
+        <a:solidFill>
+          <a:schemeClr val="phClr"/>
+        </a:solidFill>
+        <a:solidFill>
+          <a:schemeClr val="phClr">
+            <a:tint val="95000"/>
+            <a:satMod val="170000"/>
+          </a:schemeClr>
+        </a:solidFill>
+        <a:gradFill rotWithShape="1">
+          <a:gsLst>
+            <a:gs pos="0">
+              <a:schemeClr val="phClr">
+                <a:tint val="93000"/>
+                <a:satMod val="150000"/>
+                <a:shade val="98000"/>
+                <a:lumMod val="102000"/>
+              </a:schemeClr>
+            </a:gs>
+            <a:gs pos="50000">
+              <a:schemeClr val="phClr">
+                <a:tint val="98000"/>
+                <a:satMod val="130000"/>
+                <a:shade val="90000"/>
+                <a:lumMod val="103000"/>
+              </a:schemeClr>
+            </a:gs>
+            <a:gs pos="100000">
+              <a:schemeClr val="phClr">
+                <a:shade val="63000"/>
+                <a:satMod val="120000"/>
+              </a:schemeClr>
+            </a:gs>
+          </a:gsLst>
+          <a:lin ang="5400000" scaled="0"/>
+        </a:gradFill>
+      </a:bgFillStyleLst>
+    </a:fmtScheme>
+  </a:themeElements>
+  <a:objectDefaults/>
+  <a:extraClrSchemeLst/>
+  <a:extLst>
+    <a:ext uri="{05A4C25C-085E-4340-85A3-A5531E510DB2}">
+      <thm15:themeFamily xmlns:thm15="http://schemas.microsoft.com/office/thememl/2012/main" name="Office Theme" id="{62F939B6-93AF-4DB8-9C6B-D6C7DFDC589F}" vid="{4A3C46E8-61CC-4603-A589-7422A47A8E4A}"/>
+    </a:ext>
+  </a:extLst>
+</a:theme>
 </file>
--- a/models/presentation4_CSmodeling.pptx
+++ b/models/presentation4_CSmodeling.pptx
@@ -709,7 +709,7 @@
           <a:p>
             <a:fld id="{D4A2563E-A08D-469B-B07B-FA0E4BE6DF5B}" type="datetimeFigureOut">
               <a:rPr lang="en-US" smtClean="0"/>
-              <a:t>15-Apr-20</a:t>
+              <a:t>16-Apr-20</a:t>
             </a:fld>
             <a:endParaRPr lang="en-US"/>
           </a:p>
@@ -907,7 +907,7 @@
           <a:p>
             <a:fld id="{D4A2563E-A08D-469B-B07B-FA0E4BE6DF5B}" type="datetimeFigureOut">
               <a:rPr lang="en-US" smtClean="0"/>
-              <a:t>15-Apr-20</a:t>
+              <a:t>16-Apr-20</a:t>
             </a:fld>
             <a:endParaRPr lang="en-US"/>
           </a:p>
@@ -1115,7 +1115,7 @@
           <a:p>
             <a:fld id="{D4A2563E-A08D-469B-B07B-FA0E4BE6DF5B}" type="datetimeFigureOut">
               <a:rPr lang="en-US" smtClean="0"/>
-              <a:t>15-Apr-20</a:t>
+              <a:t>16-Apr-20</a:t>
             </a:fld>
             <a:endParaRPr lang="en-US"/>
           </a:p>
@@ -1313,7 +1313,7 @@
           <a:p>
             <a:fld id="{D4A2563E-A08D-469B-B07B-FA0E4BE6DF5B}" type="datetimeFigureOut">
               <a:rPr lang="en-US" smtClean="0"/>
-              <a:t>15-Apr-20</a:t>
+              <a:t>16-Apr-20</a:t>
             </a:fld>
             <a:endParaRPr lang="en-US"/>
           </a:p>
@@ -1588,7 +1588,7 @@
           <a:p>
             <a:fld id="{D4A2563E-A08D-469B-B07B-FA0E4BE6DF5B}" type="datetimeFigureOut">
               <a:rPr lang="en-US" smtClean="0"/>
-              <a:t>15-Apr-20</a:t>
+              <a:t>16-Apr-20</a:t>
             </a:fld>
             <a:endParaRPr lang="en-US"/>
           </a:p>
@@ -1853,7 +1853,7 @@
           <a:p>
             <a:fld id="{D4A2563E-A08D-469B-B07B-FA0E4BE6DF5B}" type="datetimeFigureOut">
               <a:rPr lang="en-US" smtClean="0"/>
-              <a:t>15-Apr-20</a:t>
+              <a:t>16-Apr-20</a:t>
             </a:fld>
             <a:endParaRPr lang="en-US"/>
           </a:p>
@@ -2265,7 +2265,7 @@
           <a:p>
             <a:fld id="{D4A2563E-A08D-469B-B07B-FA0E4BE6DF5B}" type="datetimeFigureOut">
               <a:rPr lang="en-US" smtClean="0"/>
-              <a:t>15-Apr-20</a:t>
+              <a:t>16-Apr-20</a:t>
             </a:fld>
             <a:endParaRPr lang="en-US"/>
           </a:p>
@@ -2406,7 +2406,7 @@
           <a:p>
             <a:fld id="{D4A2563E-A08D-469B-B07B-FA0E4BE6DF5B}" type="datetimeFigureOut">
               <a:rPr lang="en-US" smtClean="0"/>
-              <a:t>15-Apr-20</a:t>
+              <a:t>16-Apr-20</a:t>
             </a:fld>
             <a:endParaRPr lang="en-US"/>
           </a:p>
@@ -2519,7 +2519,7 @@
           <a:p>
             <a:fld id="{D4A2563E-A08D-469B-B07B-FA0E4BE6DF5B}" type="datetimeFigureOut">
               <a:rPr lang="en-US" smtClean="0"/>
-              <a:t>15-Apr-20</a:t>
+              <a:t>16-Apr-20</a:t>
             </a:fld>
             <a:endParaRPr lang="en-US"/>
           </a:p>
@@ -2830,7 +2830,7 @@
           <a:p>
             <a:fld id="{D4A2563E-A08D-469B-B07B-FA0E4BE6DF5B}" type="datetimeFigureOut">
               <a:rPr lang="en-US" smtClean="0"/>
-              <a:t>15-Apr-20</a:t>
+              <a:t>16-Apr-20</a:t>
             </a:fld>
             <a:endParaRPr lang="en-US"/>
           </a:p>
@@ -3118,7 +3118,7 @@
           <a:p>
             <a:fld id="{D4A2563E-A08D-469B-B07B-FA0E4BE6DF5B}" type="datetimeFigureOut">
               <a:rPr lang="en-US" smtClean="0"/>
-              <a:t>15-Apr-20</a:t>
+              <a:t>16-Apr-20</a:t>
             </a:fld>
             <a:endParaRPr lang="en-US"/>
           </a:p>
@@ -3359,7 +3359,7 @@
           <a:p>
             <a:fld id="{D4A2563E-A08D-469B-B07B-FA0E4BE6DF5B}" type="datetimeFigureOut">
               <a:rPr lang="en-US" smtClean="0"/>
-              <a:t>15-Apr-20</a:t>
+              <a:t>16-Apr-20</a:t>
             </a:fld>
             <a:endParaRPr lang="en-US"/>
           </a:p>
@@ -4841,8 +4841,44 @@
         </p:blipFill>
         <p:spPr>
           <a:xfrm>
-            <a:off x="6096000" y="-320992"/>
+            <a:off x="6156960" y="-320992"/>
             <a:ext cx="5364480" cy="4023360"/>
+          </a:xfrm>
+          <a:prstGeom prst="rect">
+            <a:avLst/>
+          </a:prstGeom>
+        </p:spPr>
+      </p:pic>
+      <p:pic>
+        <p:nvPicPr>
+          <p:cNvPr id="9" name="Picture 8">
+            <a:extLst>
+              <a:ext uri="{FF2B5EF4-FFF2-40B4-BE49-F238E27FC236}">
+                <a16:creationId xmlns:a16="http://schemas.microsoft.com/office/drawing/2014/main" id="{7BEA9135-86D0-4713-AFF7-B9C9372510EB}"/>
+              </a:ext>
+            </a:extLst>
+          </p:cNvPr>
+          <p:cNvPicPr>
+            <a:picLocks noChangeAspect="1"/>
+          </p:cNvPicPr>
+          <p:nvPr/>
+        </p:nvPicPr>
+        <p:blipFill>
+          <a:blip r:embed="rId3">
+            <a:extLst>
+              <a:ext uri="{28A0092B-C50C-407E-A947-70E740481C1C}">
+                <a14:useLocalDpi xmlns:a14="http://schemas.microsoft.com/office/drawing/2010/main" val="0"/>
+              </a:ext>
+            </a:extLst>
+          </a:blip>
+          <a:stretch>
+            <a:fillRect/>
+          </a:stretch>
+        </p:blipFill>
+        <p:spPr>
+          <a:xfrm>
+            <a:off x="5643154" y="2743200"/>
+            <a:ext cx="6548846" cy="4911634"/>
           </a:xfrm>
           <a:prstGeom prst="rect">
             <a:avLst/>

--- a/models/presentation4_CSmodeling.pptx
+++ b/models/presentation4_CSmodeling.pptx
@@ -5,7 +5,7 @@
     <p:sldMasterId id="2147483648" r:id="rId1"/>
   </p:sldMasterIdLst>
   <p:notesMasterIdLst>
-    <p:notesMasterId r:id="rId14"/>
+    <p:notesMasterId r:id="rId15"/>
   </p:notesMasterIdLst>
   <p:sldIdLst>
     <p:sldId id="256" r:id="rId2"/>
@@ -15,11 +15,12 @@
     <p:sldId id="258" r:id="rId6"/>
     <p:sldId id="259" r:id="rId7"/>
     <p:sldId id="262" r:id="rId8"/>
-    <p:sldId id="263" r:id="rId9"/>
-    <p:sldId id="264" r:id="rId10"/>
-    <p:sldId id="261" r:id="rId11"/>
-    <p:sldId id="265" r:id="rId12"/>
-    <p:sldId id="267" r:id="rId13"/>
+    <p:sldId id="270" r:id="rId9"/>
+    <p:sldId id="263" r:id="rId10"/>
+    <p:sldId id="264" r:id="rId11"/>
+    <p:sldId id="261" r:id="rId12"/>
+    <p:sldId id="265" r:id="rId13"/>
+    <p:sldId id="267" r:id="rId14"/>
   </p:sldIdLst>
   <p:sldSz cx="12192000" cy="6858000"/>
   <p:notesSz cx="6858000" cy="9144000"/>
@@ -126,6 +127,18 @@
 </p:presentation>
 </file>
 
+<file path=ppt/commentAuthors.xml><?xml version="1.0" encoding="utf-8"?>
+<p:cmAuthorLst xmlns:a="http://schemas.openxmlformats.org/drawingml/2006/main" xmlns:r="http://schemas.openxmlformats.org/officeDocument/2006/relationships" xmlns:p="http://schemas.openxmlformats.org/presentationml/2006/main">
+  <p:cmAuthor id="1" name="Kense Ning" initials="KN" lastIdx="1" clrIdx="0">
+    <p:extLst>
+      <p:ext uri="{19B8F6BF-5375-455C-9EA6-DF929625EA0E}">
+        <p15:presenceInfo xmlns:p15="http://schemas.microsoft.com/office/powerpoint/2012/main" userId="dd7d35608bfe93b2" providerId="Windows Live"/>
+      </p:ext>
+    </p:extLst>
+  </p:cmAuthor>
+</p:cmAuthorLst>
+</file>
+
 <file path=ppt/notesMasters/notesMaster1.xml><?xml version="1.0" encoding="utf-8"?>
 <p:notesMaster xmlns:a="http://schemas.openxmlformats.org/drawingml/2006/main" xmlns:r="http://schemas.openxmlformats.org/officeDocument/2006/relationships" xmlns:p="http://schemas.openxmlformats.org/presentationml/2006/main">
   <p:cSld>
@@ -208,7 +221,7 @@
           <a:p>
             <a:fld id="{9774080B-04D1-41C3-86CC-C91B062C478E}" type="datetimeFigureOut">
               <a:rPr lang="en-US" smtClean="0"/>
-              <a:t>16-Apr-20</a:t>
+              <a:t>17-Apr-20</a:t>
             </a:fld>
             <a:endParaRPr lang="en-US"/>
           </a:p>
@@ -709,7 +722,7 @@
           <a:p>
             <a:fld id="{D4A2563E-A08D-469B-B07B-FA0E4BE6DF5B}" type="datetimeFigureOut">
               <a:rPr lang="en-US" smtClean="0"/>
-              <a:t>16-Apr-20</a:t>
+              <a:t>17-Apr-20</a:t>
             </a:fld>
             <a:endParaRPr lang="en-US"/>
           </a:p>
@@ -907,7 +920,7 @@
           <a:p>
             <a:fld id="{D4A2563E-A08D-469B-B07B-FA0E4BE6DF5B}" type="datetimeFigureOut">
               <a:rPr lang="en-US" smtClean="0"/>
-              <a:t>16-Apr-20</a:t>
+              <a:t>17-Apr-20</a:t>
             </a:fld>
             <a:endParaRPr lang="en-US"/>
           </a:p>
@@ -1115,7 +1128,7 @@
           <a:p>
             <a:fld id="{D4A2563E-A08D-469B-B07B-FA0E4BE6DF5B}" type="datetimeFigureOut">
               <a:rPr lang="en-US" smtClean="0"/>
-              <a:t>16-Apr-20</a:t>
+              <a:t>17-Apr-20</a:t>
             </a:fld>
             <a:endParaRPr lang="en-US"/>
           </a:p>
@@ -1313,7 +1326,7 @@
           <a:p>
             <a:fld id="{D4A2563E-A08D-469B-B07B-FA0E4BE6DF5B}" type="datetimeFigureOut">
               <a:rPr lang="en-US" smtClean="0"/>
-              <a:t>16-Apr-20</a:t>
+              <a:t>17-Apr-20</a:t>
             </a:fld>
             <a:endParaRPr lang="en-US"/>
           </a:p>
@@ -1588,7 +1601,7 @@
           <a:p>
             <a:fld id="{D4A2563E-A08D-469B-B07B-FA0E4BE6DF5B}" type="datetimeFigureOut">
               <a:rPr lang="en-US" smtClean="0"/>
-              <a:t>16-Apr-20</a:t>
+              <a:t>17-Apr-20</a:t>
             </a:fld>
             <a:endParaRPr lang="en-US"/>
           </a:p>
@@ -1853,7 +1866,7 @@
           <a:p>
             <a:fld id="{D4A2563E-A08D-469B-B07B-FA0E4BE6DF5B}" type="datetimeFigureOut">
               <a:rPr lang="en-US" smtClean="0"/>
-              <a:t>16-Apr-20</a:t>
+              <a:t>17-Apr-20</a:t>
             </a:fld>
             <a:endParaRPr lang="en-US"/>
           </a:p>
@@ -2265,7 +2278,7 @@
           <a:p>
             <a:fld id="{D4A2563E-A08D-469B-B07B-FA0E4BE6DF5B}" type="datetimeFigureOut">
               <a:rPr lang="en-US" smtClean="0"/>
-              <a:t>16-Apr-20</a:t>
+              <a:t>17-Apr-20</a:t>
             </a:fld>
             <a:endParaRPr lang="en-US"/>
           </a:p>
@@ -2406,7 +2419,7 @@
           <a:p>
             <a:fld id="{D4A2563E-A08D-469B-B07B-FA0E4BE6DF5B}" type="datetimeFigureOut">
               <a:rPr lang="en-US" smtClean="0"/>
-              <a:t>16-Apr-20</a:t>
+              <a:t>17-Apr-20</a:t>
             </a:fld>
             <a:endParaRPr lang="en-US"/>
           </a:p>
@@ -2519,7 +2532,7 @@
           <a:p>
             <a:fld id="{D4A2563E-A08D-469B-B07B-FA0E4BE6DF5B}" type="datetimeFigureOut">
               <a:rPr lang="en-US" smtClean="0"/>
-              <a:t>16-Apr-20</a:t>
+              <a:t>17-Apr-20</a:t>
             </a:fld>
             <a:endParaRPr lang="en-US"/>
           </a:p>
@@ -2830,7 +2843,7 @@
           <a:p>
             <a:fld id="{D4A2563E-A08D-469B-B07B-FA0E4BE6DF5B}" type="datetimeFigureOut">
               <a:rPr lang="en-US" smtClean="0"/>
-              <a:t>16-Apr-20</a:t>
+              <a:t>17-Apr-20</a:t>
             </a:fld>
             <a:endParaRPr lang="en-US"/>
           </a:p>
@@ -3118,7 +3131,7 @@
           <a:p>
             <a:fld id="{D4A2563E-A08D-469B-B07B-FA0E4BE6DF5B}" type="datetimeFigureOut">
               <a:rPr lang="en-US" smtClean="0"/>
-              <a:t>16-Apr-20</a:t>
+              <a:t>17-Apr-20</a:t>
             </a:fld>
             <a:endParaRPr lang="en-US"/>
           </a:p>
@@ -3359,7 +3372,7 @@
           <a:p>
             <a:fld id="{D4A2563E-A08D-469B-B07B-FA0E4BE6DF5B}" type="datetimeFigureOut">
               <a:rPr lang="en-US" smtClean="0"/>
-              <a:t>16-Apr-20</a:t>
+              <a:t>17-Apr-20</a:t>
             </a:fld>
             <a:endParaRPr lang="en-US"/>
           </a:p>
@@ -3892,6 +3905,99 @@
           <a:chExt cx="0" cy="0"/>
         </a:xfrm>
       </p:grpSpPr>
+      <p:sp>
+        <p:nvSpPr>
+          <p:cNvPr id="2" name="Title 1">
+            <a:extLst>
+              <a:ext uri="{FF2B5EF4-FFF2-40B4-BE49-F238E27FC236}">
+                <a16:creationId xmlns:a16="http://schemas.microsoft.com/office/drawing/2014/main" id="{C2119868-8844-4938-8AF1-8194D29B87DE}"/>
+              </a:ext>
+            </a:extLst>
+          </p:cNvPr>
+          <p:cNvSpPr>
+            <a:spLocks noGrp="1"/>
+          </p:cNvSpPr>
+          <p:nvPr>
+            <p:ph type="title"/>
+          </p:nvPr>
+        </p:nvSpPr>
+        <p:spPr/>
+        <p:txBody>
+          <a:bodyPr/>
+          <a:lstStyle/>
+          <a:p>
+            <a:r>
+              <a:rPr lang="en-US" dirty="0"/>
+              <a:t>P2</a:t>
+            </a:r>
+          </a:p>
+        </p:txBody>
+      </p:sp>
+      <p:pic>
+        <p:nvPicPr>
+          <p:cNvPr id="5" name="Content Placeholder 4">
+            <a:extLst>
+              <a:ext uri="{FF2B5EF4-FFF2-40B4-BE49-F238E27FC236}">
+                <a16:creationId xmlns:a16="http://schemas.microsoft.com/office/drawing/2014/main" id="{3F9B67D4-5407-4EE1-AB5A-9E3AAA5147F7}"/>
+              </a:ext>
+            </a:extLst>
+          </p:cNvPr>
+          <p:cNvPicPr>
+            <a:picLocks noGrp="1" noChangeAspect="1"/>
+          </p:cNvPicPr>
+          <p:nvPr>
+            <p:ph idx="1"/>
+          </p:nvPr>
+        </p:nvPicPr>
+        <p:blipFill>
+          <a:blip r:embed="rId2">
+            <a:extLst>
+              <a:ext uri="{28A0092B-C50C-407E-A947-70E740481C1C}">
+                <a14:useLocalDpi xmlns:a14="http://schemas.microsoft.com/office/drawing/2010/main" val="0"/>
+              </a:ext>
+            </a:extLst>
+          </a:blip>
+          <a:stretch>
+            <a:fillRect/>
+          </a:stretch>
+        </p:blipFill>
+        <p:spPr>
+          <a:xfrm>
+            <a:off x="1524000" y="0"/>
+            <a:ext cx="9144000" cy="6858000"/>
+          </a:xfrm>
+        </p:spPr>
+      </p:pic>
+    </p:spTree>
+    <p:extLst>
+      <p:ext uri="{BB962C8B-B14F-4D97-AF65-F5344CB8AC3E}">
+        <p14:creationId xmlns:p14="http://schemas.microsoft.com/office/powerpoint/2010/main" val="629327320"/>
+      </p:ext>
+    </p:extLst>
+  </p:cSld>
+  <p:clrMapOvr>
+    <a:masterClrMapping/>
+  </p:clrMapOvr>
+</p:sld>
+</file>
+
+<file path=ppt/slides/slide11.xml><?xml version="1.0" encoding="utf-8"?>
+<p:sld xmlns:a="http://schemas.openxmlformats.org/drawingml/2006/main" xmlns:r="http://schemas.openxmlformats.org/officeDocument/2006/relationships" xmlns:p="http://schemas.openxmlformats.org/presentationml/2006/main">
+  <p:cSld>
+    <p:spTree>
+      <p:nvGrpSpPr>
+        <p:cNvPr id="1" name=""/>
+        <p:cNvGrpSpPr/>
+        <p:nvPr/>
+      </p:nvGrpSpPr>
+      <p:grpSpPr>
+        <a:xfrm>
+          <a:off x="0" y="0"/>
+          <a:ext cx="0" cy="0"/>
+          <a:chOff x="0" y="0"/>
+          <a:chExt cx="0" cy="0"/>
+        </a:xfrm>
+      </p:grpSpPr>
       <p:pic>
         <p:nvPicPr>
           <p:cNvPr id="6" name="Content Placeholder 5">
@@ -3968,7 +4074,7 @@
 </p:sld>
 </file>
 
-<file path=ppt/slides/slide11.xml><?xml version="1.0" encoding="utf-8"?>
+<file path=ppt/slides/slide12.xml><?xml version="1.0" encoding="utf-8"?>
 <p:sld xmlns:a="http://schemas.openxmlformats.org/drawingml/2006/main" xmlns:r="http://schemas.openxmlformats.org/officeDocument/2006/relationships" xmlns:p="http://schemas.openxmlformats.org/presentationml/2006/main">
   <p:cSld>
     <p:spTree>
@@ -4098,7 +4204,7 @@
 </p:sld>
 </file>
 
-<file path=ppt/slides/slide12.xml><?xml version="1.0" encoding="utf-8"?>
+<file path=ppt/slides/slide13.xml><?xml version="1.0" encoding="utf-8"?>
 <p:sld xmlns:a="http://schemas.openxmlformats.org/drawingml/2006/main" xmlns:r="http://schemas.openxmlformats.org/officeDocument/2006/relationships" xmlns:p="http://schemas.openxmlformats.org/presentationml/2006/main">
   <p:cSld>
     <p:spTree>
@@ -4805,12 +4911,6 @@
               <a:t>’: 0, … }</a:t>
             </a:r>
           </a:p>
-          <a:p>
-            <a:r>
-              <a:rPr lang="en-US" dirty="0"/>
-              <a:t>Creating causalities</a:t>
-            </a:r>
-          </a:p>
         </p:txBody>
       </p:sp>
       <p:pic>
@@ -4841,44 +4941,8 @@
         </p:blipFill>
         <p:spPr>
           <a:xfrm>
-            <a:off x="6156960" y="-320992"/>
+            <a:off x="5989320" y="-704168"/>
             <a:ext cx="5364480" cy="4023360"/>
-          </a:xfrm>
-          <a:prstGeom prst="rect">
-            <a:avLst/>
-          </a:prstGeom>
-        </p:spPr>
-      </p:pic>
-      <p:pic>
-        <p:nvPicPr>
-          <p:cNvPr id="9" name="Picture 8">
-            <a:extLst>
-              <a:ext uri="{FF2B5EF4-FFF2-40B4-BE49-F238E27FC236}">
-                <a16:creationId xmlns:a16="http://schemas.microsoft.com/office/drawing/2014/main" id="{7BEA9135-86D0-4713-AFF7-B9C9372510EB}"/>
-              </a:ext>
-            </a:extLst>
-          </p:cNvPr>
-          <p:cNvPicPr>
-            <a:picLocks noChangeAspect="1"/>
-          </p:cNvPicPr>
-          <p:nvPr/>
-        </p:nvPicPr>
-        <p:blipFill>
-          <a:blip r:embed="rId3">
-            <a:extLst>
-              <a:ext uri="{28A0092B-C50C-407E-A947-70E740481C1C}">
-                <a14:useLocalDpi xmlns:a14="http://schemas.microsoft.com/office/drawing/2010/main" val="0"/>
-              </a:ext>
-            </a:extLst>
-          </a:blip>
-          <a:stretch>
-            <a:fillRect/>
-          </a:stretch>
-        </p:blipFill>
-        <p:spPr>
-          <a:xfrm>
-            <a:off x="5643154" y="2743200"/>
-            <a:ext cx="6548846" cy="4911634"/>
           </a:xfrm>
           <a:prstGeom prst="rect">
             <a:avLst/>
@@ -4920,7 +4984,7 @@
           <p:cNvPr id="2" name="Title 1">
             <a:extLst>
               <a:ext uri="{FF2B5EF4-FFF2-40B4-BE49-F238E27FC236}">
-                <a16:creationId xmlns:a16="http://schemas.microsoft.com/office/drawing/2014/main" id="{088E54E6-CC11-47CE-87B0-BAE21A46806D}"/>
+                <a16:creationId xmlns:a16="http://schemas.microsoft.com/office/drawing/2014/main" id="{C921EF63-313B-424A-9536-2D1AA0321973}"/>
               </a:ext>
             </a:extLst>
           </p:cNvPr>
@@ -4938,26 +5002,95 @@
           <a:p>
             <a:r>
               <a:rPr lang="en-US" dirty="0"/>
-              <a:t>P1</a:t>
+              <a:t>Process Discovery </a:t>
+            </a:r>
+          </a:p>
+        </p:txBody>
+      </p:sp>
+      <p:sp>
+        <p:nvSpPr>
+          <p:cNvPr id="3" name="Content Placeholder 2">
+            <a:extLst>
+              <a:ext uri="{FF2B5EF4-FFF2-40B4-BE49-F238E27FC236}">
+                <a16:creationId xmlns:a16="http://schemas.microsoft.com/office/drawing/2014/main" id="{AFF3983C-F73E-4BFB-9775-5D16B496FEC8}"/>
+              </a:ext>
+            </a:extLst>
+          </p:cNvPr>
+          <p:cNvSpPr>
+            <a:spLocks noGrp="1"/>
+          </p:cNvSpPr>
+          <p:nvPr>
+            <p:ph idx="1"/>
+          </p:nvPr>
+        </p:nvSpPr>
+        <p:spPr/>
+        <p:txBody>
+          <a:bodyPr/>
+          <a:lstStyle/>
+          <a:p>
+            <a:r>
+              <a:rPr lang="en-US" dirty="0"/>
+              <a:t>P1/P2 Independence Assumptions</a:t>
+            </a:r>
+          </a:p>
+          <a:p>
+            <a:r>
+              <a:rPr lang="en-US" dirty="0"/>
+              <a:t>Creating traces</a:t>
+            </a:r>
+          </a:p>
+          <a:p>
+            <a:r>
+              <a:rPr lang="en-US" dirty="0"/>
+              <a:t>Dictionaries of dependencies</a:t>
+            </a:r>
+          </a:p>
+          <a:p>
+            <a:pPr lvl="1"/>
+            <a:r>
+              <a:rPr lang="en-US" dirty="0"/>
+              <a:t>‘</a:t>
+            </a:r>
+            <a:r>
+              <a:rPr lang="en-US" dirty="0" err="1"/>
+              <a:t>check.reception</a:t>
+            </a:r>
+            <a:r>
+              <a:rPr lang="en-US" dirty="0"/>
+              <a:t>’: {‘</a:t>
+            </a:r>
+            <a:r>
+              <a:rPr lang="en-US" dirty="0" err="1"/>
+              <a:t>relax.atmosphere</a:t>
+            </a:r>
+            <a:r>
+              <a:rPr lang="en-US" dirty="0"/>
+              <a:t>’: 1, ‘</a:t>
+            </a:r>
+            <a:r>
+              <a:rPr lang="en-US" dirty="0" err="1"/>
+              <a:t>manage.task</a:t>
+            </a:r>
+            <a:r>
+              <a:rPr lang="en-US" dirty="0"/>
+              <a:t>’: 0, … }</a:t>
             </a:r>
           </a:p>
         </p:txBody>
       </p:sp>
       <p:pic>
         <p:nvPicPr>
-          <p:cNvPr id="5" name="Content Placeholder 4">
-            <a:extLst>
-              <a:ext uri="{FF2B5EF4-FFF2-40B4-BE49-F238E27FC236}">
-                <a16:creationId xmlns:a16="http://schemas.microsoft.com/office/drawing/2014/main" id="{DB8500AB-4E76-4DB2-8421-B062C1803A28}"/>
+          <p:cNvPr id="7" name="Picture 6">
+            <a:extLst>
+              <a:ext uri="{FF2B5EF4-FFF2-40B4-BE49-F238E27FC236}">
+                <a16:creationId xmlns:a16="http://schemas.microsoft.com/office/drawing/2014/main" id="{CD6606A1-DF36-4EDB-9185-D70ACA594483}"/>
               </a:ext>
             </a:extLst>
           </p:cNvPr>
           <p:cNvPicPr>
-            <a:picLocks noGrp="1" noChangeAspect="1"/>
+            <a:picLocks noChangeAspect="1"/>
           </p:cNvPicPr>
-          <p:nvPr>
-            <p:ph idx="1"/>
-          </p:nvPr>
+          <p:nvPr/>
         </p:nvPicPr>
         <p:blipFill>
           <a:blip r:embed="rId2">
@@ -4973,15 +5106,54 @@
         </p:blipFill>
         <p:spPr>
           <a:xfrm>
-            <a:off x="1524000" y="0"/>
-            <a:ext cx="9144000" cy="6858000"/>
+            <a:off x="5989320" y="-704168"/>
+            <a:ext cx="5364480" cy="4023360"/>
           </a:xfrm>
+          <a:prstGeom prst="rect">
+            <a:avLst/>
+          </a:prstGeom>
+        </p:spPr>
+      </p:pic>
+      <p:pic>
+        <p:nvPicPr>
+          <p:cNvPr id="9" name="Picture 8">
+            <a:extLst>
+              <a:ext uri="{FF2B5EF4-FFF2-40B4-BE49-F238E27FC236}">
+                <a16:creationId xmlns:a16="http://schemas.microsoft.com/office/drawing/2014/main" id="{7BEA9135-86D0-4713-AFF7-B9C9372510EB}"/>
+              </a:ext>
+            </a:extLst>
+          </p:cNvPr>
+          <p:cNvPicPr>
+            <a:picLocks noChangeAspect="1"/>
+          </p:cNvPicPr>
+          <p:nvPr/>
+        </p:nvPicPr>
+        <p:blipFill>
+          <a:blip r:embed="rId3">
+            <a:extLst>
+              <a:ext uri="{28A0092B-C50C-407E-A947-70E740481C1C}">
+                <a14:useLocalDpi xmlns:a14="http://schemas.microsoft.com/office/drawing/2010/main" val="0"/>
+              </a:ext>
+            </a:extLst>
+          </a:blip>
+          <a:stretch>
+            <a:fillRect/>
+          </a:stretch>
+        </p:blipFill>
+        <p:spPr>
+          <a:xfrm>
+            <a:off x="2821577" y="2682240"/>
+            <a:ext cx="6548846" cy="4911634"/>
+          </a:xfrm>
+          <a:prstGeom prst="rect">
+            <a:avLst/>
+          </a:prstGeom>
         </p:spPr>
       </p:pic>
     </p:spTree>
     <p:extLst>
       <p:ext uri="{BB962C8B-B14F-4D97-AF65-F5344CB8AC3E}">
-        <p14:creationId xmlns:p14="http://schemas.microsoft.com/office/powerpoint/2010/main" val="4171697198"/>
+        <p14:creationId xmlns:p14="http://schemas.microsoft.com/office/powerpoint/2010/main" val="92042646"/>
       </p:ext>
     </p:extLst>
   </p:cSld>
@@ -5013,7 +5185,7 @@
           <p:cNvPr id="2" name="Title 1">
             <a:extLst>
               <a:ext uri="{FF2B5EF4-FFF2-40B4-BE49-F238E27FC236}">
-                <a16:creationId xmlns:a16="http://schemas.microsoft.com/office/drawing/2014/main" id="{C2119868-8844-4938-8AF1-8194D29B87DE}"/>
+                <a16:creationId xmlns:a16="http://schemas.microsoft.com/office/drawing/2014/main" id="{088E54E6-CC11-47CE-87B0-BAE21A46806D}"/>
               </a:ext>
             </a:extLst>
           </p:cNvPr>
@@ -5031,7 +5203,7 @@
           <a:p>
             <a:r>
               <a:rPr lang="en-US" dirty="0"/>
-              <a:t>P2</a:t>
+              <a:t>P1</a:t>
             </a:r>
           </a:p>
         </p:txBody>
@@ -5041,7 +5213,7 @@
           <p:cNvPr id="5" name="Content Placeholder 4">
             <a:extLst>
               <a:ext uri="{FF2B5EF4-FFF2-40B4-BE49-F238E27FC236}">
-                <a16:creationId xmlns:a16="http://schemas.microsoft.com/office/drawing/2014/main" id="{3F9B67D4-5407-4EE1-AB5A-9E3AAA5147F7}"/>
+                <a16:creationId xmlns:a16="http://schemas.microsoft.com/office/drawing/2014/main" id="{DB8500AB-4E76-4DB2-8421-B062C1803A28}"/>
               </a:ext>
             </a:extLst>
           </p:cNvPr>
@@ -5074,7 +5246,7 @@
     </p:spTree>
     <p:extLst>
       <p:ext uri="{BB962C8B-B14F-4D97-AF65-F5344CB8AC3E}">
-        <p14:creationId xmlns:p14="http://schemas.microsoft.com/office/powerpoint/2010/main" val="629327320"/>
+        <p14:creationId xmlns:p14="http://schemas.microsoft.com/office/powerpoint/2010/main" val="4171697198"/>
       </p:ext>
     </p:extLst>
   </p:cSld>

--- a/models/presentation4_CSmodeling.pptx
+++ b/models/presentation4_CSmodeling.pptx
@@ -5,12 +5,12 @@
     <p:sldMasterId id="2147483648" r:id="rId1"/>
   </p:sldMasterIdLst>
   <p:notesMasterIdLst>
-    <p:notesMasterId r:id="rId15"/>
+    <p:notesMasterId r:id="rId18"/>
   </p:notesMasterIdLst>
   <p:sldIdLst>
     <p:sldId id="256" r:id="rId2"/>
     <p:sldId id="269" r:id="rId3"/>
-    <p:sldId id="268" r:id="rId4"/>
+    <p:sldId id="275" r:id="rId4"/>
     <p:sldId id="257" r:id="rId5"/>
     <p:sldId id="258" r:id="rId6"/>
     <p:sldId id="259" r:id="rId7"/>
@@ -20,7 +20,10 @@
     <p:sldId id="264" r:id="rId11"/>
     <p:sldId id="261" r:id="rId12"/>
     <p:sldId id="265" r:id="rId13"/>
-    <p:sldId id="267" r:id="rId14"/>
+    <p:sldId id="271" r:id="rId14"/>
+    <p:sldId id="272" r:id="rId15"/>
+    <p:sldId id="267" r:id="rId16"/>
+    <p:sldId id="274" r:id="rId17"/>
   </p:sldIdLst>
   <p:sldSz cx="12192000" cy="6858000"/>
   <p:notesSz cx="6858000" cy="9144000"/>
@@ -129,7 +132,7 @@
 
 <file path=ppt/commentAuthors.xml><?xml version="1.0" encoding="utf-8"?>
 <p:cmAuthorLst xmlns:a="http://schemas.openxmlformats.org/drawingml/2006/main" xmlns:r="http://schemas.openxmlformats.org/officeDocument/2006/relationships" xmlns:p="http://schemas.openxmlformats.org/presentationml/2006/main">
-  <p:cmAuthor id="1" name="Kense Ning" initials="KN" lastIdx="1" clrIdx="0">
+  <p:cmAuthor id="1" name="Kense Ning" initials="KN" lastIdx="2" clrIdx="0">
     <p:extLst>
       <p:ext uri="{19B8F6BF-5375-455C-9EA6-DF929625EA0E}">
         <p15:presenceInfo xmlns:p15="http://schemas.microsoft.com/office/powerpoint/2012/main" userId="dd7d35608bfe93b2" providerId="Windows Live"/>
@@ -221,7 +224,7 @@
           <a:p>
             <a:fld id="{9774080B-04D1-41C3-86CC-C91B062C478E}" type="datetimeFigureOut">
               <a:rPr lang="en-US" smtClean="0"/>
-              <a:t>17-Apr-20</a:t>
+              <a:t>27-Apr-20</a:t>
             </a:fld>
             <a:endParaRPr lang="en-US"/>
           </a:p>
@@ -575,6 +578,1412 @@
 </p:notes>
 </file>
 
+<file path=ppt/notesSlides/notesSlide2.xml><?xml version="1.0" encoding="utf-8"?>
+<p:notes xmlns:a="http://schemas.openxmlformats.org/drawingml/2006/main" xmlns:r="http://schemas.openxmlformats.org/officeDocument/2006/relationships" xmlns:p="http://schemas.openxmlformats.org/presentationml/2006/main">
+  <p:cSld>
+    <p:spTree>
+      <p:nvGrpSpPr>
+        <p:cNvPr id="1" name=""/>
+        <p:cNvGrpSpPr/>
+        <p:nvPr/>
+      </p:nvGrpSpPr>
+      <p:grpSpPr>
+        <a:xfrm>
+          <a:off x="0" y="0"/>
+          <a:ext cx="0" cy="0"/>
+          <a:chOff x="0" y="0"/>
+          <a:chExt cx="0" cy="0"/>
+        </a:xfrm>
+      </p:grpSpPr>
+      <p:sp>
+        <p:nvSpPr>
+          <p:cNvPr id="2" name="Slide Image Placeholder 1"/>
+          <p:cNvSpPr>
+            <a:spLocks noGrp="1" noRot="1" noChangeAspect="1"/>
+          </p:cNvSpPr>
+          <p:nvPr>
+            <p:ph type="sldImg"/>
+          </p:nvPr>
+        </p:nvSpPr>
+        <p:spPr/>
+      </p:sp>
+      <p:sp>
+        <p:nvSpPr>
+          <p:cNvPr id="3" name="Notes Placeholder 2"/>
+          <p:cNvSpPr>
+            <a:spLocks noGrp="1"/>
+          </p:cNvSpPr>
+          <p:nvPr>
+            <p:ph type="body" idx="1"/>
+          </p:nvPr>
+        </p:nvSpPr>
+        <p:spPr/>
+        <p:txBody>
+          <a:bodyPr/>
+          <a:lstStyle/>
+          <a:p>
+            <a:r>
+              <a:rPr lang="en-US" dirty="0"/>
+              <a:t>Note here that the green is the starting node with activities</a:t>
+            </a:r>
+          </a:p>
+          <a:p>
+            <a:r>
+              <a:rPr lang="en-US" dirty="0"/>
+              <a:t>And the orange is the ender</a:t>
+            </a:r>
+          </a:p>
+        </p:txBody>
+      </p:sp>
+      <p:sp>
+        <p:nvSpPr>
+          <p:cNvPr id="4" name="Slide Number Placeholder 3"/>
+          <p:cNvSpPr>
+            <a:spLocks noGrp="1"/>
+          </p:cNvSpPr>
+          <p:nvPr>
+            <p:ph type="sldNum" sz="quarter" idx="5"/>
+          </p:nvPr>
+        </p:nvSpPr>
+        <p:spPr/>
+        <p:txBody>
+          <a:bodyPr/>
+          <a:lstStyle/>
+          <a:p>
+            <a:fld id="{AD5626E2-2610-4C9D-BC89-683A39B60E2D}" type="slidenum">
+              <a:rPr lang="en-US" smtClean="0"/>
+              <a:t>12</a:t>
+            </a:fld>
+            <a:endParaRPr lang="en-US"/>
+          </a:p>
+        </p:txBody>
+      </p:sp>
+    </p:spTree>
+    <p:extLst>
+      <p:ext uri="{BB962C8B-B14F-4D97-AF65-F5344CB8AC3E}">
+        <p14:creationId xmlns:p14="http://schemas.microsoft.com/office/powerpoint/2010/main" val="1810593843"/>
+      </p:ext>
+    </p:extLst>
+  </p:cSld>
+  <p:clrMapOvr>
+    <a:masterClrMapping/>
+  </p:clrMapOvr>
+</p:notes>
+</file>
+
+<file path=ppt/notesSlides/notesSlide3.xml><?xml version="1.0" encoding="utf-8"?>
+<p:notes xmlns:a="http://schemas.openxmlformats.org/drawingml/2006/main" xmlns:r="http://schemas.openxmlformats.org/officeDocument/2006/relationships" xmlns:p="http://schemas.openxmlformats.org/presentationml/2006/main">
+  <p:cSld>
+    <p:spTree>
+      <p:nvGrpSpPr>
+        <p:cNvPr id="1" name=""/>
+        <p:cNvGrpSpPr/>
+        <p:nvPr/>
+      </p:nvGrpSpPr>
+      <p:grpSpPr>
+        <a:xfrm>
+          <a:off x="0" y="0"/>
+          <a:ext cx="0" cy="0"/>
+          <a:chOff x="0" y="0"/>
+          <a:chExt cx="0" cy="0"/>
+        </a:xfrm>
+      </p:grpSpPr>
+      <p:sp>
+        <p:nvSpPr>
+          <p:cNvPr id="2" name="Slide Image Placeholder 1"/>
+          <p:cNvSpPr>
+            <a:spLocks noGrp="1" noRot="1" noChangeAspect="1"/>
+          </p:cNvSpPr>
+          <p:nvPr>
+            <p:ph type="sldImg"/>
+          </p:nvPr>
+        </p:nvSpPr>
+        <p:spPr/>
+      </p:sp>
+      <p:sp>
+        <p:nvSpPr>
+          <p:cNvPr id="3" name="Notes Placeholder 2"/>
+          <p:cNvSpPr>
+            <a:spLocks noGrp="1"/>
+          </p:cNvSpPr>
+          <p:nvPr>
+            <p:ph type="body" idx="1"/>
+          </p:nvPr>
+        </p:nvSpPr>
+        <p:spPr/>
+        <p:txBody>
+          <a:bodyPr/>
+          <a:lstStyle/>
+          <a:p>
+            <a:r>
+              <a:rPr lang="en-US" dirty="0"/>
+              <a:t>Individual actions alpha mining doesn’t really tell us a whole lot, but we see some small </a:t>
+            </a:r>
+            <a:r>
+              <a:rPr lang="en-US" dirty="0" err="1"/>
+              <a:t>small</a:t>
+            </a:r>
+            <a:r>
+              <a:rPr lang="en-US" dirty="0"/>
+              <a:t> scale trends.</a:t>
+            </a:r>
+          </a:p>
+          <a:p>
+            <a:r>
+              <a:rPr lang="en-US" dirty="0"/>
+              <a:t>These might warrant as informative on how we approach pre-processing/data manipulation</a:t>
+            </a:r>
+          </a:p>
+        </p:txBody>
+      </p:sp>
+      <p:sp>
+        <p:nvSpPr>
+          <p:cNvPr id="4" name="Slide Number Placeholder 3"/>
+          <p:cNvSpPr>
+            <a:spLocks noGrp="1"/>
+          </p:cNvSpPr>
+          <p:nvPr>
+            <p:ph type="sldNum" sz="quarter" idx="5"/>
+          </p:nvPr>
+        </p:nvSpPr>
+        <p:spPr/>
+        <p:txBody>
+          <a:bodyPr/>
+          <a:lstStyle/>
+          <a:p>
+            <a:fld id="{AD5626E2-2610-4C9D-BC89-683A39B60E2D}" type="slidenum">
+              <a:rPr lang="en-US" smtClean="0"/>
+              <a:t>13</a:t>
+            </a:fld>
+            <a:endParaRPr lang="en-US"/>
+          </a:p>
+        </p:txBody>
+      </p:sp>
+    </p:spTree>
+    <p:extLst>
+      <p:ext uri="{BB962C8B-B14F-4D97-AF65-F5344CB8AC3E}">
+        <p14:creationId xmlns:p14="http://schemas.microsoft.com/office/powerpoint/2010/main" val="1662494767"/>
+      </p:ext>
+    </p:extLst>
+  </p:cSld>
+  <p:clrMapOvr>
+    <a:masterClrMapping/>
+  </p:clrMapOvr>
+</p:notes>
+</file>
+
+<file path=ppt/notesSlides/notesSlide4.xml><?xml version="1.0" encoding="utf-8"?>
+<p:notes xmlns:a="http://schemas.openxmlformats.org/drawingml/2006/main" xmlns:r="http://schemas.openxmlformats.org/officeDocument/2006/relationships" xmlns:p="http://schemas.openxmlformats.org/presentationml/2006/main">
+  <p:cSld>
+    <p:spTree>
+      <p:nvGrpSpPr>
+        <p:cNvPr id="1" name=""/>
+        <p:cNvGrpSpPr/>
+        <p:nvPr/>
+      </p:nvGrpSpPr>
+      <p:grpSpPr>
+        <a:xfrm>
+          <a:off x="0" y="0"/>
+          <a:ext cx="0" cy="0"/>
+          <a:chOff x="0" y="0"/>
+          <a:chExt cx="0" cy="0"/>
+        </a:xfrm>
+      </p:grpSpPr>
+      <p:sp>
+        <p:nvSpPr>
+          <p:cNvPr id="2" name="Slide Image Placeholder 1"/>
+          <p:cNvSpPr>
+            <a:spLocks noGrp="1" noRot="1" noChangeAspect="1"/>
+          </p:cNvSpPr>
+          <p:nvPr>
+            <p:ph type="sldImg"/>
+          </p:nvPr>
+        </p:nvSpPr>
+        <p:spPr/>
+      </p:sp>
+      <p:sp>
+        <p:nvSpPr>
+          <p:cNvPr id="3" name="Notes Placeholder 2"/>
+          <p:cNvSpPr>
+            <a:spLocks noGrp="1"/>
+          </p:cNvSpPr>
+          <p:nvPr>
+            <p:ph type="body" idx="1"/>
+          </p:nvPr>
+        </p:nvSpPr>
+        <p:spPr/>
+        <p:txBody>
+          <a:bodyPr/>
+          <a:lstStyle/>
+          <a:p>
+            <a:r>
+              <a:rPr lang="en-US" dirty="0"/>
+              <a:t>Obviously note here that it is hard to see and we may want to be able to zoom in (which we can do on </a:t>
+            </a:r>
+            <a:r>
+              <a:rPr lang="en-US" dirty="0" err="1"/>
+              <a:t>powerpoint</a:t>
+            </a:r>
+            <a:r>
+              <a:rPr lang="en-US" dirty="0"/>
+              <a:t> during presentation with zoom scroll)</a:t>
+            </a:r>
+          </a:p>
+        </p:txBody>
+      </p:sp>
+      <p:sp>
+        <p:nvSpPr>
+          <p:cNvPr id="4" name="Slide Number Placeholder 3"/>
+          <p:cNvSpPr>
+            <a:spLocks noGrp="1"/>
+          </p:cNvSpPr>
+          <p:nvPr>
+            <p:ph type="sldNum" sz="quarter" idx="5"/>
+          </p:nvPr>
+        </p:nvSpPr>
+        <p:spPr/>
+        <p:txBody>
+          <a:bodyPr/>
+          <a:lstStyle/>
+          <a:p>
+            <a:fld id="{AD5626E2-2610-4C9D-BC89-683A39B60E2D}" type="slidenum">
+              <a:rPr lang="en-US" smtClean="0"/>
+              <a:t>15</a:t>
+            </a:fld>
+            <a:endParaRPr lang="en-US"/>
+          </a:p>
+        </p:txBody>
+      </p:sp>
+    </p:spTree>
+    <p:extLst>
+      <p:ext uri="{BB962C8B-B14F-4D97-AF65-F5344CB8AC3E}">
+        <p14:creationId xmlns:p14="http://schemas.microsoft.com/office/powerpoint/2010/main" val="2590594731"/>
+      </p:ext>
+    </p:extLst>
+  </p:cSld>
+  <p:clrMapOvr>
+    <a:masterClrMapping/>
+  </p:clrMapOvr>
+</p:notes>
+</file>
+
+<file path=ppt/notesSlides/notesSlide5.xml><?xml version="1.0" encoding="utf-8"?>
+<p:notes xmlns:a="http://schemas.openxmlformats.org/drawingml/2006/main" xmlns:r="http://schemas.openxmlformats.org/officeDocument/2006/relationships" xmlns:p="http://schemas.openxmlformats.org/presentationml/2006/main">
+  <p:cSld>
+    <p:spTree>
+      <p:nvGrpSpPr>
+        <p:cNvPr id="1" name=""/>
+        <p:cNvGrpSpPr/>
+        <p:nvPr/>
+      </p:nvGrpSpPr>
+      <p:grpSpPr>
+        <a:xfrm>
+          <a:off x="0" y="0"/>
+          <a:ext cx="0" cy="0"/>
+          <a:chOff x="0" y="0"/>
+          <a:chExt cx="0" cy="0"/>
+        </a:xfrm>
+      </p:grpSpPr>
+      <p:sp>
+        <p:nvSpPr>
+          <p:cNvPr id="2" name="Slide Image Placeholder 1"/>
+          <p:cNvSpPr>
+            <a:spLocks noGrp="1" noRot="1" noChangeAspect="1"/>
+          </p:cNvSpPr>
+          <p:nvPr>
+            <p:ph type="sldImg"/>
+          </p:nvPr>
+        </p:nvSpPr>
+        <p:spPr/>
+      </p:sp>
+      <p:sp>
+        <p:nvSpPr>
+          <p:cNvPr id="3" name="Notes Placeholder 2"/>
+          <p:cNvSpPr>
+            <a:spLocks noGrp="1"/>
+          </p:cNvSpPr>
+          <p:nvPr>
+            <p:ph type="body" idx="1"/>
+          </p:nvPr>
+        </p:nvSpPr>
+        <p:spPr/>
+        <p:txBody>
+          <a:bodyPr/>
+          <a:lstStyle/>
+          <a:p>
+            <a:pPr marL="171450" indent="-171450">
+              <a:buFontTx/>
+              <a:buChar char="-"/>
+            </a:pPr>
+            <a:r>
+              <a:rPr lang="en-US" b="1" dirty="0"/>
+              <a:t>Process </a:t>
+            </a:r>
+            <a:r>
+              <a:rPr lang="en-US" b="1" dirty="0" err="1"/>
+              <a:t>Dicovery</a:t>
+            </a:r>
+            <a:r>
+              <a:rPr lang="en-US" b="1" dirty="0"/>
+              <a:t>: </a:t>
+            </a:r>
+            <a:r>
+              <a:rPr lang="en-US" dirty="0"/>
+              <a:t>alpha miner, </a:t>
+            </a:r>
+            <a:r>
+              <a:rPr lang="en-US" dirty="0" err="1"/>
+              <a:t>heurisitic</a:t>
+            </a:r>
+            <a:r>
+              <a:rPr lang="en-US" dirty="0"/>
+              <a:t> miner, inductive miner</a:t>
+            </a:r>
+            <a:br>
+              <a:rPr lang="en-US" dirty="0"/>
+            </a:br>
+            <a:r>
+              <a:rPr lang="en-US" dirty="0"/>
+              <a:t>directly-follow graphs (another class of process models where the nodes represent the activity in the log and edges are present between nodes if there is at least a trace in the log where the source activity is followed by the target activity)	</a:t>
+            </a:r>
+          </a:p>
+          <a:p>
+            <a:pPr marL="171450" indent="-171450">
+              <a:buFontTx/>
+              <a:buChar char="-"/>
+            </a:pPr>
+            <a:r>
+              <a:rPr lang="en-US" sz="1200" b="1" i="0" kern="1200" dirty="0">
+                <a:solidFill>
+                  <a:schemeClr val="tx1"/>
+                </a:solidFill>
+                <a:effectLst/>
+                <a:latin typeface="+mn-lt"/>
+                <a:ea typeface="+mn-ea"/>
+                <a:cs typeface="+mn-cs"/>
+              </a:rPr>
+              <a:t>Conformance checking</a:t>
+            </a:r>
+            <a:r>
+              <a:rPr lang="en-US" sz="1200" b="0" i="0" kern="1200" dirty="0">
+                <a:solidFill>
+                  <a:schemeClr val="tx1"/>
+                </a:solidFill>
+                <a:effectLst/>
+                <a:latin typeface="+mn-lt"/>
+                <a:ea typeface="+mn-ea"/>
+                <a:cs typeface="+mn-cs"/>
+              </a:rPr>
+              <a:t> is a techniques to compare a process model with an event log of the same process. The goal is to check if the event log conforms to the model, and, vice versa</a:t>
+            </a:r>
+          </a:p>
+          <a:p>
+            <a:pPr marL="171450" indent="-171450">
+              <a:buFontTx/>
+              <a:buChar char="-"/>
+            </a:pPr>
+            <a:r>
+              <a:rPr lang="en-US" sz="1200" b="1" i="0" kern="1200" dirty="0">
+                <a:solidFill>
+                  <a:schemeClr val="tx1"/>
+                </a:solidFill>
+                <a:effectLst/>
+                <a:latin typeface="+mn-lt"/>
+                <a:ea typeface="+mn-ea"/>
+                <a:cs typeface="+mn-cs"/>
+              </a:rPr>
+              <a:t>Process trees: </a:t>
+            </a:r>
+            <a:r>
+              <a:rPr lang="en-US" sz="1200" b="0" i="0" kern="1200" dirty="0" err="1">
+                <a:solidFill>
+                  <a:schemeClr val="tx1"/>
+                </a:solidFill>
+                <a:effectLst/>
+                <a:latin typeface="+mn-lt"/>
+                <a:ea typeface="+mn-ea"/>
+                <a:cs typeface="+mn-cs"/>
+              </a:rPr>
+              <a:t>Visualitzation</a:t>
+            </a:r>
+            <a:r>
+              <a:rPr lang="en-US" sz="1200" b="0" i="0" kern="1200" dirty="0">
+                <a:solidFill>
+                  <a:schemeClr val="tx1"/>
+                </a:solidFill>
+                <a:effectLst/>
+                <a:latin typeface="+mn-lt"/>
+                <a:ea typeface="+mn-ea"/>
+                <a:cs typeface="+mn-cs"/>
+              </a:rPr>
+              <a:t> of trees, conversion to petri nets, and generation of a log from the trees.</a:t>
+            </a:r>
+          </a:p>
+          <a:p>
+            <a:pPr marL="171450" indent="-171450">
+              <a:buFontTx/>
+              <a:buChar char="-"/>
+            </a:pPr>
+            <a:endParaRPr lang="en-US" sz="1200" b="0" i="0" kern="1200" dirty="0">
+              <a:solidFill>
+                <a:schemeClr val="tx1"/>
+              </a:solidFill>
+              <a:effectLst/>
+              <a:latin typeface="+mn-lt"/>
+              <a:ea typeface="+mn-ea"/>
+              <a:cs typeface="+mn-cs"/>
+            </a:endParaRPr>
+          </a:p>
+          <a:p>
+            <a:pPr marL="171450" indent="-171450">
+              <a:buFontTx/>
+              <a:buChar char="-"/>
+            </a:pPr>
+            <a:endParaRPr lang="en-US" sz="1200" b="0" i="0" kern="1200" dirty="0">
+              <a:solidFill>
+                <a:schemeClr val="tx1"/>
+              </a:solidFill>
+              <a:effectLst/>
+              <a:latin typeface="+mn-lt"/>
+              <a:ea typeface="+mn-ea"/>
+              <a:cs typeface="+mn-cs"/>
+            </a:endParaRPr>
+          </a:p>
+          <a:p>
+            <a:pPr marL="0" marR="0" lvl="0" indent="0" algn="l" defTabSz="914400" rtl="0" eaLnBrk="1" fontAlgn="auto" latinLnBrk="0" hangingPunct="1">
+              <a:lnSpc>
+                <a:spcPct val="100000"/>
+              </a:lnSpc>
+              <a:spcBef>
+                <a:spcPts val="0"/>
+              </a:spcBef>
+              <a:spcAft>
+                <a:spcPts val="0"/>
+              </a:spcAft>
+              <a:buClrTx/>
+              <a:buSzTx/>
+              <a:buFontTx/>
+              <a:buNone/>
+              <a:tabLst/>
+              <a:defRPr/>
+            </a:pPr>
+            <a:r>
+              <a:rPr lang="en-US" sz="1200" b="0" i="0" kern="1200" dirty="0" err="1">
+                <a:solidFill>
+                  <a:schemeClr val="tx1"/>
+                </a:solidFill>
+                <a:effectLst/>
+                <a:latin typeface="+mn-lt"/>
+                <a:ea typeface="+mn-ea"/>
+                <a:cs typeface="+mn-cs"/>
+              </a:rPr>
+              <a:t>ProM</a:t>
+            </a:r>
+            <a:r>
+              <a:rPr lang="en-US" sz="1200" b="0" i="0" kern="1200" dirty="0">
+                <a:solidFill>
+                  <a:schemeClr val="tx1"/>
+                </a:solidFill>
+                <a:effectLst/>
+                <a:latin typeface="+mn-lt"/>
+                <a:ea typeface="+mn-ea"/>
+                <a:cs typeface="+mn-cs"/>
+              </a:rPr>
+              <a:t>:</a:t>
+            </a:r>
+            <a:r>
+              <a:rPr lang="en-US" sz="1200" dirty="0"/>
+              <a:t> a plugin-based framework for process mining and is centered around:</a:t>
+            </a:r>
+          </a:p>
+          <a:p>
+            <a:pPr marL="171450" marR="0" lvl="0" indent="-171450" algn="l" defTabSz="914400" rtl="0" eaLnBrk="1" fontAlgn="auto" latinLnBrk="0" hangingPunct="1">
+              <a:lnSpc>
+                <a:spcPct val="100000"/>
+              </a:lnSpc>
+              <a:spcBef>
+                <a:spcPts val="0"/>
+              </a:spcBef>
+              <a:spcAft>
+                <a:spcPts val="0"/>
+              </a:spcAft>
+              <a:buClrTx/>
+              <a:buSzTx/>
+              <a:buFontTx/>
+              <a:buChar char="-"/>
+              <a:tabLst/>
+              <a:defRPr/>
+            </a:pPr>
+            <a:r>
+              <a:rPr lang="en-US" sz="1200" dirty="0"/>
+              <a:t>Objects (event logs: </a:t>
+            </a:r>
+            <a:r>
+              <a:rPr lang="en-US" sz="1200" b="0" i="0" kern="1200" dirty="0">
+                <a:solidFill>
+                  <a:schemeClr val="tx1"/>
+                </a:solidFill>
+                <a:effectLst/>
+                <a:latin typeface="+mn-lt"/>
+                <a:ea typeface="+mn-ea"/>
+                <a:cs typeface="+mn-cs"/>
+              </a:rPr>
+              <a:t>process models in the form of petri nets and BPMN (business process model and notation) diagrams</a:t>
+            </a:r>
+            <a:endParaRPr lang="en-US" sz="1200" dirty="0"/>
+          </a:p>
+          <a:p>
+            <a:pPr marL="171450" marR="0" lvl="0" indent="-171450" algn="l" defTabSz="914400" rtl="0" eaLnBrk="1" fontAlgn="auto" latinLnBrk="0" hangingPunct="1">
+              <a:lnSpc>
+                <a:spcPct val="100000"/>
+              </a:lnSpc>
+              <a:spcBef>
+                <a:spcPts val="0"/>
+              </a:spcBef>
+              <a:spcAft>
+                <a:spcPts val="0"/>
+              </a:spcAft>
+              <a:buClrTx/>
+              <a:buSzTx/>
+              <a:buFontTx/>
+              <a:buChar char="-"/>
+              <a:tabLst/>
+              <a:defRPr/>
+            </a:pPr>
+            <a:r>
+              <a:rPr lang="en-US" sz="1200" b="0" i="0" kern="1200" dirty="0">
+                <a:solidFill>
+                  <a:schemeClr val="tx1"/>
+                </a:solidFill>
+                <a:effectLst/>
+                <a:latin typeface="+mn-lt"/>
+                <a:ea typeface="+mn-ea"/>
+                <a:cs typeface="+mn-cs"/>
+              </a:rPr>
+              <a:t>Plugins: </a:t>
+            </a:r>
+            <a:r>
+              <a:rPr lang="en-US" sz="1200" b="0" i="0" u="none" strike="noStrike" kern="1200" dirty="0">
+                <a:solidFill>
+                  <a:schemeClr val="tx1"/>
+                </a:solidFill>
+                <a:effectLst/>
+                <a:latin typeface="+mn-lt"/>
+                <a:ea typeface="+mn-ea"/>
+                <a:cs typeface="+mn-cs"/>
+              </a:rPr>
+              <a:t>filter event logs </a:t>
+            </a:r>
+            <a:r>
+              <a:rPr lang="en-US" sz="1200" b="0" i="0" kern="1200" dirty="0">
+                <a:solidFill>
+                  <a:schemeClr val="tx1"/>
+                </a:solidFill>
+                <a:effectLst/>
+                <a:latin typeface="+mn-lt"/>
+                <a:ea typeface="+mn-ea"/>
+                <a:cs typeface="+mn-cs"/>
+              </a:rPr>
+              <a:t>or create an </a:t>
+            </a:r>
+            <a:r>
+              <a:rPr lang="en-US" sz="1200" b="0" i="0" u="none" strike="noStrike" kern="1200" dirty="0">
+                <a:solidFill>
+                  <a:schemeClr val="tx1"/>
+                </a:solidFill>
+                <a:effectLst/>
+                <a:latin typeface="+mn-lt"/>
+                <a:ea typeface="+mn-ea"/>
+                <a:cs typeface="+mn-cs"/>
+              </a:rPr>
+              <a:t>analysis notebook on event log/</a:t>
+            </a:r>
+            <a:r>
+              <a:rPr lang="en-US" sz="1200" b="0" i="0" kern="1200" dirty="0">
+                <a:solidFill>
+                  <a:schemeClr val="tx1"/>
+                </a:solidFill>
+                <a:effectLst/>
+                <a:latin typeface="+mn-lt"/>
+                <a:ea typeface="+mn-ea"/>
+                <a:cs typeface="+mn-cs"/>
+              </a:rPr>
+              <a:t>discover process models from event logs/check conformance of events logs</a:t>
+            </a:r>
+          </a:p>
+          <a:p>
+            <a:pPr marL="0" marR="0" lvl="0" indent="0" algn="l" defTabSz="914400" rtl="0" eaLnBrk="1" fontAlgn="auto" latinLnBrk="0" hangingPunct="1">
+              <a:lnSpc>
+                <a:spcPct val="100000"/>
+              </a:lnSpc>
+              <a:spcBef>
+                <a:spcPts val="0"/>
+              </a:spcBef>
+              <a:spcAft>
+                <a:spcPts val="0"/>
+              </a:spcAft>
+              <a:buClrTx/>
+              <a:buSzTx/>
+              <a:buFontTx/>
+              <a:buNone/>
+              <a:tabLst/>
+              <a:defRPr/>
+            </a:pPr>
+            <a:r>
+              <a:rPr lang="en-US" sz="1200" b="1" i="0" kern="1200" dirty="0">
+                <a:solidFill>
+                  <a:schemeClr val="tx1"/>
+                </a:solidFill>
+                <a:effectLst/>
+                <a:latin typeface="+mn-lt"/>
+                <a:ea typeface="+mn-ea"/>
+                <a:cs typeface="+mn-cs"/>
+              </a:rPr>
+              <a:t>But </a:t>
+            </a:r>
+            <a:r>
+              <a:rPr lang="en-US" sz="1200" b="1" i="0" kern="1200" dirty="0" err="1">
+                <a:solidFill>
+                  <a:schemeClr val="tx1"/>
+                </a:solidFill>
+                <a:effectLst/>
+                <a:latin typeface="+mn-lt"/>
+                <a:ea typeface="+mn-ea"/>
+                <a:cs typeface="+mn-cs"/>
+              </a:rPr>
+              <a:t>ProM</a:t>
+            </a:r>
+            <a:r>
+              <a:rPr lang="en-US" sz="1200" b="1" i="0" kern="1200" dirty="0">
+                <a:solidFill>
+                  <a:schemeClr val="tx1"/>
+                </a:solidFill>
+                <a:effectLst/>
+                <a:latin typeface="+mn-lt"/>
+                <a:ea typeface="+mn-ea"/>
+                <a:cs typeface="+mn-cs"/>
+              </a:rPr>
+              <a:t> is not well documented compared to PM4Py</a:t>
+            </a:r>
+          </a:p>
+          <a:p>
+            <a:pPr marL="0" marR="0" lvl="0" indent="0" algn="l" defTabSz="914400" rtl="0" eaLnBrk="1" fontAlgn="auto" latinLnBrk="0" hangingPunct="1">
+              <a:lnSpc>
+                <a:spcPct val="100000"/>
+              </a:lnSpc>
+              <a:spcBef>
+                <a:spcPts val="0"/>
+              </a:spcBef>
+              <a:spcAft>
+                <a:spcPts val="0"/>
+              </a:spcAft>
+              <a:buClrTx/>
+              <a:buSzTx/>
+              <a:buFontTx/>
+              <a:buNone/>
+              <a:tabLst/>
+              <a:defRPr/>
+            </a:pPr>
+            <a:endParaRPr lang="en-US" sz="1200" b="1" i="0" kern="1200" dirty="0">
+              <a:solidFill>
+                <a:schemeClr val="tx1"/>
+              </a:solidFill>
+              <a:effectLst/>
+              <a:latin typeface="+mn-lt"/>
+              <a:ea typeface="+mn-ea"/>
+              <a:cs typeface="+mn-cs"/>
+            </a:endParaRPr>
+          </a:p>
+          <a:p>
+            <a:pPr marL="0" marR="0" lvl="0" indent="0" algn="l" defTabSz="914400" rtl="0" eaLnBrk="1" fontAlgn="auto" latinLnBrk="0" hangingPunct="1">
+              <a:lnSpc>
+                <a:spcPct val="100000"/>
+              </a:lnSpc>
+              <a:spcBef>
+                <a:spcPts val="0"/>
+              </a:spcBef>
+              <a:spcAft>
+                <a:spcPts val="0"/>
+              </a:spcAft>
+              <a:buClrTx/>
+              <a:buSzTx/>
+              <a:buFontTx/>
+              <a:buNone/>
+              <a:tabLst/>
+              <a:defRPr/>
+            </a:pPr>
+            <a:endParaRPr lang="en-US" sz="1200" b="1" i="0" kern="1200" dirty="0">
+              <a:solidFill>
+                <a:schemeClr val="tx1"/>
+              </a:solidFill>
+              <a:effectLst/>
+              <a:latin typeface="+mn-lt"/>
+              <a:ea typeface="+mn-ea"/>
+              <a:cs typeface="+mn-cs"/>
+            </a:endParaRPr>
+          </a:p>
+          <a:p>
+            <a:pPr marL="0" marR="0" lvl="0" indent="0" algn="l" defTabSz="914400" rtl="0" eaLnBrk="1" fontAlgn="auto" latinLnBrk="0" hangingPunct="1">
+              <a:lnSpc>
+                <a:spcPct val="100000"/>
+              </a:lnSpc>
+              <a:spcBef>
+                <a:spcPts val="0"/>
+              </a:spcBef>
+              <a:spcAft>
+                <a:spcPts val="0"/>
+              </a:spcAft>
+              <a:buClrTx/>
+              <a:buSzTx/>
+              <a:buFontTx/>
+              <a:buNone/>
+              <a:tabLst/>
+              <a:defRPr/>
+            </a:pPr>
+            <a:r>
+              <a:rPr lang="en-US" sz="1200" b="1" i="0" kern="1200" dirty="0" err="1">
+                <a:solidFill>
+                  <a:schemeClr val="tx1"/>
+                </a:solidFill>
+                <a:effectLst/>
+                <a:latin typeface="+mn-lt"/>
+                <a:ea typeface="+mn-ea"/>
+                <a:cs typeface="+mn-cs"/>
+              </a:rPr>
+              <a:t>BupaR</a:t>
+            </a:r>
+            <a:r>
+              <a:rPr lang="en-US" sz="1200" b="1" i="0" kern="1200" dirty="0">
+                <a:solidFill>
+                  <a:schemeClr val="tx1"/>
+                </a:solidFill>
+                <a:effectLst/>
+                <a:latin typeface="+mn-lt"/>
+                <a:ea typeface="+mn-ea"/>
+                <a:cs typeface="+mn-cs"/>
+              </a:rPr>
+              <a:t>: </a:t>
+            </a:r>
+            <a:r>
+              <a:rPr lang="en-US" sz="1200" b="0" i="0" kern="1200" dirty="0" err="1">
+                <a:solidFill>
+                  <a:schemeClr val="tx1"/>
+                </a:solidFill>
+                <a:effectLst/>
+                <a:latin typeface="+mn-lt"/>
+                <a:ea typeface="+mn-ea"/>
+                <a:cs typeface="+mn-cs"/>
+              </a:rPr>
+              <a:t>bupaR</a:t>
+            </a:r>
+            <a:r>
+              <a:rPr lang="en-US" sz="1200" b="0" i="0" kern="1200" dirty="0">
+                <a:solidFill>
+                  <a:schemeClr val="tx1"/>
+                </a:solidFill>
+                <a:effectLst/>
+                <a:latin typeface="+mn-lt"/>
+                <a:ea typeface="+mn-ea"/>
+                <a:cs typeface="+mn-cs"/>
+              </a:rPr>
+              <a:t> is a collection of R-packages for the handling and analysis of business process data.</a:t>
+            </a:r>
+          </a:p>
+          <a:p>
+            <a:pPr marL="0" marR="0" lvl="0" indent="0" algn="l" defTabSz="914400" rtl="0" eaLnBrk="1" fontAlgn="auto" latinLnBrk="0" hangingPunct="1">
+              <a:lnSpc>
+                <a:spcPct val="100000"/>
+              </a:lnSpc>
+              <a:spcBef>
+                <a:spcPts val="0"/>
+              </a:spcBef>
+              <a:spcAft>
+                <a:spcPts val="0"/>
+              </a:spcAft>
+              <a:buClrTx/>
+              <a:buSzTx/>
+              <a:buFontTx/>
+              <a:buNone/>
+              <a:tabLst/>
+              <a:defRPr/>
+            </a:pPr>
+            <a:r>
+              <a:rPr lang="en-US" sz="1200" b="0" i="0" kern="1200" dirty="0">
+                <a:solidFill>
+                  <a:schemeClr val="tx1"/>
+                </a:solidFill>
+                <a:effectLst/>
+                <a:latin typeface="+mn-lt"/>
+                <a:ea typeface="+mn-ea"/>
+                <a:cs typeface="+mn-cs"/>
+              </a:rPr>
+              <a:t>We can connect </a:t>
+            </a:r>
+            <a:r>
+              <a:rPr lang="en-US" sz="1200" b="0" i="0" kern="1200" dirty="0" err="1">
+                <a:solidFill>
+                  <a:schemeClr val="tx1"/>
+                </a:solidFill>
+                <a:effectLst/>
+                <a:latin typeface="+mn-lt"/>
+                <a:ea typeface="+mn-ea"/>
+                <a:cs typeface="+mn-cs"/>
+              </a:rPr>
+              <a:t>bupaR</a:t>
+            </a:r>
+            <a:r>
+              <a:rPr lang="en-US" sz="1200" b="0" i="0" kern="1200" dirty="0">
+                <a:solidFill>
+                  <a:schemeClr val="tx1"/>
+                </a:solidFill>
+                <a:effectLst/>
+                <a:latin typeface="+mn-lt"/>
+                <a:ea typeface="+mn-ea"/>
+                <a:cs typeface="+mn-cs"/>
+              </a:rPr>
+              <a:t> to the PM4Py package</a:t>
+            </a:r>
+          </a:p>
+          <a:p>
+            <a:pPr marL="171450" marR="0" lvl="0" indent="-171450" algn="l" defTabSz="914400" rtl="0" eaLnBrk="1" fontAlgn="auto" latinLnBrk="0" hangingPunct="1">
+              <a:lnSpc>
+                <a:spcPct val="100000"/>
+              </a:lnSpc>
+              <a:spcBef>
+                <a:spcPts val="0"/>
+              </a:spcBef>
+              <a:spcAft>
+                <a:spcPts val="0"/>
+              </a:spcAft>
+              <a:buClrTx/>
+              <a:buSzTx/>
+              <a:buFontTx/>
+              <a:buChar char="-"/>
+              <a:tabLst/>
+              <a:defRPr/>
+            </a:pPr>
+            <a:r>
+              <a:rPr lang="en-US" sz="1200" b="0" i="0" kern="1200" dirty="0">
+                <a:solidFill>
+                  <a:schemeClr val="tx1"/>
+                </a:solidFill>
+                <a:effectLst/>
+                <a:latin typeface="+mn-lt"/>
+                <a:ea typeface="+mn-ea"/>
+                <a:cs typeface="+mn-cs"/>
+              </a:rPr>
+              <a:t>Ability to create event logs/ or import XES files and turn them into event logs</a:t>
+            </a:r>
+          </a:p>
+          <a:p>
+            <a:pPr marL="171450" marR="0" lvl="0" indent="-171450" algn="l" defTabSz="914400" rtl="0" eaLnBrk="1" fontAlgn="auto" latinLnBrk="0" hangingPunct="1">
+              <a:lnSpc>
+                <a:spcPct val="100000"/>
+              </a:lnSpc>
+              <a:spcBef>
+                <a:spcPts val="0"/>
+              </a:spcBef>
+              <a:spcAft>
+                <a:spcPts val="0"/>
+              </a:spcAft>
+              <a:buClrTx/>
+              <a:buSzTx/>
+              <a:buFontTx/>
+              <a:buChar char="-"/>
+              <a:tabLst/>
+              <a:defRPr/>
+            </a:pPr>
+            <a:r>
+              <a:rPr lang="en-US" sz="1200" b="0" i="0" kern="1200" dirty="0">
+                <a:solidFill>
+                  <a:schemeClr val="tx1"/>
+                </a:solidFill>
+                <a:effectLst/>
+                <a:latin typeface="+mn-lt"/>
+                <a:ea typeface="+mn-ea"/>
+                <a:cs typeface="+mn-cs"/>
+              </a:rPr>
+              <a:t>Text pre-processing (filtering data, grouping similar data, and other data manipulation methods)</a:t>
+            </a:r>
+          </a:p>
+          <a:p>
+            <a:pPr marL="171450" marR="0" lvl="0" indent="-171450" algn="l" defTabSz="914400" rtl="0" eaLnBrk="1" fontAlgn="auto" latinLnBrk="0" hangingPunct="1">
+              <a:lnSpc>
+                <a:spcPct val="100000"/>
+              </a:lnSpc>
+              <a:spcBef>
+                <a:spcPts val="0"/>
+              </a:spcBef>
+              <a:spcAft>
+                <a:spcPts val="0"/>
+              </a:spcAft>
+              <a:buClrTx/>
+              <a:buSzTx/>
+              <a:buFontTx/>
+              <a:buChar char="-"/>
+              <a:tabLst/>
+              <a:defRPr/>
+            </a:pPr>
+            <a:r>
+              <a:rPr lang="en-US" sz="1200" b="0" i="0" kern="1200" dirty="0">
+                <a:solidFill>
+                  <a:schemeClr val="tx1"/>
+                </a:solidFill>
+                <a:effectLst/>
+                <a:latin typeface="+mn-lt"/>
+                <a:ea typeface="+mn-ea"/>
+                <a:cs typeface="+mn-cs"/>
+              </a:rPr>
+              <a:t>EDA: creating and describing process maps, process map visualization (map, trace explorer, dotted charts, precedence matrix)</a:t>
+            </a:r>
+          </a:p>
+          <a:p>
+            <a:pPr marL="171450" marR="0" lvl="0" indent="-171450" algn="l" defTabSz="914400" rtl="0" eaLnBrk="1" fontAlgn="auto" latinLnBrk="0" hangingPunct="1">
+              <a:lnSpc>
+                <a:spcPct val="100000"/>
+              </a:lnSpc>
+              <a:spcBef>
+                <a:spcPts val="0"/>
+              </a:spcBef>
+              <a:spcAft>
+                <a:spcPts val="0"/>
+              </a:spcAft>
+              <a:buClrTx/>
+              <a:buSzTx/>
+              <a:buFontTx/>
+              <a:buChar char="-"/>
+              <a:tabLst/>
+              <a:defRPr/>
+            </a:pPr>
+            <a:r>
+              <a:rPr lang="en-US" sz="1200" b="0" i="0" kern="1200" dirty="0">
+                <a:solidFill>
+                  <a:schemeClr val="tx1"/>
+                </a:solidFill>
+                <a:effectLst/>
+                <a:latin typeface="+mn-lt"/>
+                <a:ea typeface="+mn-ea"/>
+                <a:cs typeface="+mn-cs"/>
+              </a:rPr>
+              <a:t>Process discovery with alpha, heuristic, and inductive miners</a:t>
+            </a:r>
+          </a:p>
+          <a:p>
+            <a:pPr marL="171450" marR="0" lvl="0" indent="-171450" algn="l" defTabSz="914400" rtl="0" eaLnBrk="1" fontAlgn="auto" latinLnBrk="0" hangingPunct="1">
+              <a:lnSpc>
+                <a:spcPct val="100000"/>
+              </a:lnSpc>
+              <a:spcBef>
+                <a:spcPts val="0"/>
+              </a:spcBef>
+              <a:spcAft>
+                <a:spcPts val="0"/>
+              </a:spcAft>
+              <a:buClrTx/>
+              <a:buSzTx/>
+              <a:buFontTx/>
+              <a:buChar char="-"/>
+              <a:tabLst/>
+              <a:defRPr/>
+            </a:pPr>
+            <a:endParaRPr lang="en-US" sz="1200" b="0" i="0" kern="1200" dirty="0">
+              <a:solidFill>
+                <a:schemeClr val="tx1"/>
+              </a:solidFill>
+              <a:effectLst/>
+              <a:latin typeface="+mn-lt"/>
+              <a:ea typeface="+mn-ea"/>
+              <a:cs typeface="+mn-cs"/>
+            </a:endParaRPr>
+          </a:p>
+          <a:p>
+            <a:pPr marL="0" marR="0" lvl="0" indent="0" algn="l" defTabSz="914400" rtl="0" eaLnBrk="1" fontAlgn="auto" latinLnBrk="0" hangingPunct="1">
+              <a:lnSpc>
+                <a:spcPct val="100000"/>
+              </a:lnSpc>
+              <a:spcBef>
+                <a:spcPts val="0"/>
+              </a:spcBef>
+              <a:spcAft>
+                <a:spcPts val="0"/>
+              </a:spcAft>
+              <a:buClrTx/>
+              <a:buSzTx/>
+              <a:buFontTx/>
+              <a:buNone/>
+              <a:tabLst/>
+              <a:defRPr/>
+            </a:pPr>
+            <a:endParaRPr lang="en-US" sz="1200" b="0" i="0" kern="1200" dirty="0">
+              <a:solidFill>
+                <a:schemeClr val="tx1"/>
+              </a:solidFill>
+              <a:effectLst/>
+              <a:latin typeface="+mn-lt"/>
+              <a:ea typeface="+mn-ea"/>
+              <a:cs typeface="+mn-cs"/>
+            </a:endParaRPr>
+          </a:p>
+          <a:p>
+            <a:pPr marL="0" marR="0" lvl="0" indent="0" algn="l" defTabSz="914400" rtl="0" eaLnBrk="1" fontAlgn="auto" latinLnBrk="0" hangingPunct="1">
+              <a:lnSpc>
+                <a:spcPct val="100000"/>
+              </a:lnSpc>
+              <a:spcBef>
+                <a:spcPts val="0"/>
+              </a:spcBef>
+              <a:spcAft>
+                <a:spcPts val="0"/>
+              </a:spcAft>
+              <a:buClrTx/>
+              <a:buSzTx/>
+              <a:buFontTx/>
+              <a:buNone/>
+              <a:tabLst/>
+              <a:defRPr/>
+            </a:pPr>
+            <a:endParaRPr lang="en-US" sz="1200" b="0" i="0" kern="1200" dirty="0">
+              <a:solidFill>
+                <a:schemeClr val="tx1"/>
+              </a:solidFill>
+              <a:effectLst/>
+              <a:latin typeface="+mn-lt"/>
+              <a:ea typeface="+mn-ea"/>
+              <a:cs typeface="+mn-cs"/>
+            </a:endParaRPr>
+          </a:p>
+          <a:p>
+            <a:pPr marL="0" marR="0" lvl="0" indent="0" algn="l" defTabSz="914400" rtl="0" eaLnBrk="1" fontAlgn="auto" latinLnBrk="0" hangingPunct="1">
+              <a:lnSpc>
+                <a:spcPct val="100000"/>
+              </a:lnSpc>
+              <a:spcBef>
+                <a:spcPts val="0"/>
+              </a:spcBef>
+              <a:spcAft>
+                <a:spcPts val="0"/>
+              </a:spcAft>
+              <a:buClrTx/>
+              <a:buSzTx/>
+              <a:buFontTx/>
+              <a:buNone/>
+              <a:tabLst/>
+              <a:defRPr/>
+            </a:pPr>
+            <a:r>
+              <a:rPr lang="en-US" sz="1200" b="1" i="0" kern="1200" dirty="0">
+                <a:solidFill>
+                  <a:schemeClr val="tx1"/>
+                </a:solidFill>
+                <a:effectLst/>
+                <a:latin typeface="+mn-lt"/>
+                <a:ea typeface="+mn-ea"/>
+                <a:cs typeface="+mn-cs"/>
+              </a:rPr>
+              <a:t>APROMORE: application </a:t>
+            </a:r>
+            <a:r>
+              <a:rPr lang="en-US" sz="1200" b="0" i="0" kern="1200" dirty="0">
+                <a:solidFill>
+                  <a:schemeClr val="tx1"/>
+                </a:solidFill>
+                <a:effectLst/>
+                <a:latin typeface="+mn-lt"/>
+                <a:ea typeface="+mn-ea"/>
+                <a:cs typeface="+mn-cs"/>
+              </a:rPr>
+              <a:t>that</a:t>
+            </a:r>
+            <a:r>
+              <a:rPr lang="en-US" sz="1200" b="1" i="0" kern="1200" dirty="0">
+                <a:solidFill>
+                  <a:schemeClr val="tx1"/>
+                </a:solidFill>
+                <a:effectLst/>
+                <a:latin typeface="+mn-lt"/>
+                <a:ea typeface="+mn-ea"/>
+                <a:cs typeface="+mn-cs"/>
+              </a:rPr>
+              <a:t> </a:t>
+            </a:r>
+            <a:r>
+              <a:rPr lang="en-US" sz="1200" b="0" i="0" kern="1200" dirty="0">
+                <a:solidFill>
+                  <a:schemeClr val="tx1"/>
+                </a:solidFill>
+                <a:effectLst/>
+                <a:latin typeface="+mn-lt"/>
+                <a:ea typeface="+mn-ea"/>
+                <a:cs typeface="+mn-cs"/>
+              </a:rPr>
+              <a:t>supports the full spectrum of process mining functionality from automated discovery of process models to data analysis</a:t>
+            </a:r>
+            <a:endParaRPr lang="en-US" sz="1200" b="1" i="0" kern="1200" dirty="0">
+              <a:solidFill>
+                <a:schemeClr val="tx1"/>
+              </a:solidFill>
+              <a:effectLst/>
+              <a:latin typeface="+mn-lt"/>
+              <a:ea typeface="+mn-ea"/>
+              <a:cs typeface="+mn-cs"/>
+            </a:endParaRPr>
+          </a:p>
+          <a:p>
+            <a:pPr marL="171450" marR="0" lvl="0" indent="-171450" algn="l" defTabSz="914400" rtl="0" eaLnBrk="1" fontAlgn="auto" latinLnBrk="0" hangingPunct="1">
+              <a:lnSpc>
+                <a:spcPct val="100000"/>
+              </a:lnSpc>
+              <a:spcBef>
+                <a:spcPts val="0"/>
+              </a:spcBef>
+              <a:spcAft>
+                <a:spcPts val="0"/>
+              </a:spcAft>
+              <a:buClrTx/>
+              <a:buSzTx/>
+              <a:buFontTx/>
+              <a:buChar char="-"/>
+              <a:tabLst/>
+              <a:defRPr/>
+            </a:pPr>
+            <a:r>
+              <a:rPr lang="en-US" sz="1200" b="0" i="0" kern="1200" dirty="0">
+                <a:solidFill>
+                  <a:schemeClr val="tx1"/>
+                </a:solidFill>
+                <a:effectLst/>
+                <a:latin typeface="+mn-lt"/>
+                <a:ea typeface="+mn-ea"/>
+                <a:cs typeface="+mn-cs"/>
+              </a:rPr>
+              <a:t>Discovery of process maps and BPMN models</a:t>
+            </a:r>
+          </a:p>
+          <a:p>
+            <a:pPr marL="171450" marR="0" lvl="0" indent="-171450" algn="l" defTabSz="914400" rtl="0" eaLnBrk="1" fontAlgn="auto" latinLnBrk="0" hangingPunct="1">
+              <a:lnSpc>
+                <a:spcPct val="100000"/>
+              </a:lnSpc>
+              <a:spcBef>
+                <a:spcPts val="0"/>
+              </a:spcBef>
+              <a:spcAft>
+                <a:spcPts val="0"/>
+              </a:spcAft>
+              <a:buClrTx/>
+              <a:buSzTx/>
+              <a:buFontTx/>
+              <a:buChar char="-"/>
+              <a:tabLst/>
+              <a:defRPr/>
+            </a:pPr>
+            <a:r>
+              <a:rPr lang="en-US" sz="1200" b="0" i="0" kern="1200" dirty="0">
+                <a:solidFill>
+                  <a:schemeClr val="tx1"/>
+                </a:solidFill>
+                <a:effectLst/>
+                <a:latin typeface="+mn-lt"/>
+                <a:ea typeface="+mn-ea"/>
+                <a:cs typeface="+mn-cs"/>
+              </a:rPr>
+              <a:t>Reduce the complexity of the process execution data by slicing and dicing the event logs by case variant, timeframe, a wide range of performance measures, specific execution paths, etc.</a:t>
+            </a:r>
+          </a:p>
+          <a:p>
+            <a:pPr marL="171450" marR="0" lvl="0" indent="-171450" algn="l" defTabSz="914400" rtl="0" eaLnBrk="1" fontAlgn="auto" latinLnBrk="0" hangingPunct="1">
+              <a:lnSpc>
+                <a:spcPct val="100000"/>
+              </a:lnSpc>
+              <a:spcBef>
+                <a:spcPts val="0"/>
+              </a:spcBef>
+              <a:spcAft>
+                <a:spcPts val="0"/>
+              </a:spcAft>
+              <a:buClrTx/>
+              <a:buSzTx/>
+              <a:buFontTx/>
+              <a:buChar char="-"/>
+              <a:tabLst/>
+              <a:defRPr/>
+            </a:pPr>
+            <a:r>
+              <a:rPr lang="en-US" sz="1200" b="0" i="0" kern="1200" dirty="0">
+                <a:solidFill>
+                  <a:schemeClr val="tx1"/>
+                </a:solidFill>
+                <a:effectLst/>
+                <a:latin typeface="+mn-lt"/>
+                <a:ea typeface="+mn-ea"/>
+                <a:cs typeface="+mn-cs"/>
+              </a:rPr>
+              <a:t>Analyze frequencies and durations of activities</a:t>
+            </a:r>
+          </a:p>
+          <a:p>
+            <a:pPr marL="171450" marR="0" lvl="0" indent="-171450" algn="l" defTabSz="914400" rtl="0" eaLnBrk="1" fontAlgn="auto" latinLnBrk="0" hangingPunct="1">
+              <a:lnSpc>
+                <a:spcPct val="100000"/>
+              </a:lnSpc>
+              <a:spcBef>
+                <a:spcPts val="0"/>
+              </a:spcBef>
+              <a:spcAft>
+                <a:spcPts val="0"/>
+              </a:spcAft>
+              <a:buClrTx/>
+              <a:buSzTx/>
+              <a:buFontTx/>
+              <a:buChar char="-"/>
+              <a:tabLst/>
+              <a:defRPr/>
+            </a:pPr>
+            <a:r>
+              <a:rPr lang="en-US" sz="1200" b="0" i="0" kern="1200" dirty="0">
+                <a:solidFill>
+                  <a:schemeClr val="tx1"/>
+                </a:solidFill>
+                <a:effectLst/>
+                <a:latin typeface="+mn-lt"/>
+                <a:ea typeface="+mn-ea"/>
+                <a:cs typeface="+mn-cs"/>
+              </a:rPr>
+              <a:t>Train machine learning models to predict different process characteristics. Train models for a variety of prediction problems, including case outcome, remaining time, next activity and case continuation.</a:t>
+            </a:r>
+          </a:p>
+          <a:p>
+            <a:pPr marL="171450" marR="0" lvl="0" indent="-171450" algn="l" defTabSz="914400" rtl="0" eaLnBrk="1" fontAlgn="auto" latinLnBrk="0" hangingPunct="1">
+              <a:lnSpc>
+                <a:spcPct val="100000"/>
+              </a:lnSpc>
+              <a:spcBef>
+                <a:spcPts val="0"/>
+              </a:spcBef>
+              <a:spcAft>
+                <a:spcPts val="0"/>
+              </a:spcAft>
+              <a:buClrTx/>
+              <a:buSzTx/>
+              <a:buFontTx/>
+              <a:buChar char="-"/>
+              <a:tabLst/>
+              <a:defRPr/>
+            </a:pPr>
+            <a:r>
+              <a:rPr lang="en-US" sz="1200" b="0" i="0" kern="1200" dirty="0">
+                <a:solidFill>
+                  <a:schemeClr val="tx1"/>
+                </a:solidFill>
+                <a:effectLst/>
+                <a:latin typeface="+mn-lt"/>
+                <a:ea typeface="+mn-ea"/>
+                <a:cs typeface="+mn-cs"/>
+              </a:rPr>
+              <a:t>Discover logical phases of the processes and measure performance at each phase of the process lifecycle.</a:t>
+            </a:r>
+          </a:p>
+          <a:p>
+            <a:pPr marL="171450" marR="0" lvl="0" indent="-171450" algn="l" defTabSz="914400" rtl="0" eaLnBrk="1" fontAlgn="auto" latinLnBrk="0" hangingPunct="1">
+              <a:lnSpc>
+                <a:spcPct val="100000"/>
+              </a:lnSpc>
+              <a:spcBef>
+                <a:spcPts val="0"/>
+              </a:spcBef>
+              <a:spcAft>
+                <a:spcPts val="0"/>
+              </a:spcAft>
+              <a:buClrTx/>
+              <a:buSzTx/>
+              <a:buFontTx/>
+              <a:buChar char="-"/>
+              <a:tabLst/>
+              <a:defRPr/>
+            </a:pPr>
+            <a:endParaRPr lang="en-US" sz="1200" b="0" i="0" kern="1200" dirty="0">
+              <a:solidFill>
+                <a:schemeClr val="tx1"/>
+              </a:solidFill>
+              <a:effectLst/>
+              <a:latin typeface="+mn-lt"/>
+              <a:ea typeface="+mn-ea"/>
+              <a:cs typeface="+mn-cs"/>
+            </a:endParaRPr>
+          </a:p>
+          <a:p>
+            <a:pPr marL="171450" marR="0" lvl="0" indent="-171450" algn="l" defTabSz="914400" rtl="0" eaLnBrk="1" fontAlgn="auto" latinLnBrk="0" hangingPunct="1">
+              <a:lnSpc>
+                <a:spcPct val="100000"/>
+              </a:lnSpc>
+              <a:spcBef>
+                <a:spcPts val="0"/>
+              </a:spcBef>
+              <a:spcAft>
+                <a:spcPts val="0"/>
+              </a:spcAft>
+              <a:buClrTx/>
+              <a:buSzTx/>
+              <a:buFontTx/>
+              <a:buChar char="-"/>
+              <a:tabLst/>
+              <a:defRPr/>
+            </a:pPr>
+            <a:endParaRPr lang="en-US" sz="1200" b="1" i="0" kern="1200" dirty="0">
+              <a:solidFill>
+                <a:schemeClr val="tx1"/>
+              </a:solidFill>
+              <a:effectLst/>
+              <a:latin typeface="+mn-lt"/>
+              <a:ea typeface="+mn-ea"/>
+              <a:cs typeface="+mn-cs"/>
+            </a:endParaRPr>
+          </a:p>
+          <a:p>
+            <a:pPr marL="0" indent="0">
+              <a:buFontTx/>
+              <a:buNone/>
+            </a:pPr>
+            <a:endParaRPr lang="en-US" b="1" dirty="0"/>
+          </a:p>
+        </p:txBody>
+      </p:sp>
+      <p:sp>
+        <p:nvSpPr>
+          <p:cNvPr id="4" name="Slide Number Placeholder 3"/>
+          <p:cNvSpPr>
+            <a:spLocks noGrp="1"/>
+          </p:cNvSpPr>
+          <p:nvPr>
+            <p:ph type="sldNum" sz="quarter" idx="5"/>
+          </p:nvPr>
+        </p:nvSpPr>
+        <p:spPr/>
+        <p:txBody>
+          <a:bodyPr/>
+          <a:lstStyle/>
+          <a:p>
+            <a:fld id="{AD5626E2-2610-4C9D-BC89-683A39B60E2D}" type="slidenum">
+              <a:rPr lang="en-US" smtClean="0"/>
+              <a:t>16</a:t>
+            </a:fld>
+            <a:endParaRPr lang="en-US"/>
+          </a:p>
+        </p:txBody>
+      </p:sp>
+    </p:spTree>
+    <p:extLst>
+      <p:ext uri="{BB962C8B-B14F-4D97-AF65-F5344CB8AC3E}">
+        <p14:creationId xmlns:p14="http://schemas.microsoft.com/office/powerpoint/2010/main" val="3115436005"/>
+      </p:ext>
+    </p:extLst>
+  </p:cSld>
+  <p:clrMapOvr>
+    <a:masterClrMapping/>
+  </p:clrMapOvr>
+</p:notes>
+</file>
+
 <file path=ppt/slideLayouts/slideLayout1.xml><?xml version="1.0" encoding="utf-8"?>
 <p:sldLayout xmlns:a="http://schemas.openxmlformats.org/drawingml/2006/main" xmlns:r="http://schemas.openxmlformats.org/officeDocument/2006/relationships" xmlns:p="http://schemas.openxmlformats.org/presentationml/2006/main" type="title" preserve="1">
   <p:cSld name="Title Slide">
@@ -722,7 +2131,7 @@
           <a:p>
             <a:fld id="{D4A2563E-A08D-469B-B07B-FA0E4BE6DF5B}" type="datetimeFigureOut">
               <a:rPr lang="en-US" smtClean="0"/>
-              <a:t>17-Apr-20</a:t>
+              <a:t>27-Apr-20</a:t>
             </a:fld>
             <a:endParaRPr lang="en-US"/>
           </a:p>
@@ -920,7 +2329,7 @@
           <a:p>
             <a:fld id="{D4A2563E-A08D-469B-B07B-FA0E4BE6DF5B}" type="datetimeFigureOut">
               <a:rPr lang="en-US" smtClean="0"/>
-              <a:t>17-Apr-20</a:t>
+              <a:t>27-Apr-20</a:t>
             </a:fld>
             <a:endParaRPr lang="en-US"/>
           </a:p>
@@ -1128,7 +2537,7 @@
           <a:p>
             <a:fld id="{D4A2563E-A08D-469B-B07B-FA0E4BE6DF5B}" type="datetimeFigureOut">
               <a:rPr lang="en-US" smtClean="0"/>
-              <a:t>17-Apr-20</a:t>
+              <a:t>27-Apr-20</a:t>
             </a:fld>
             <a:endParaRPr lang="en-US"/>
           </a:p>
@@ -1326,7 +2735,7 @@
           <a:p>
             <a:fld id="{D4A2563E-A08D-469B-B07B-FA0E4BE6DF5B}" type="datetimeFigureOut">
               <a:rPr lang="en-US" smtClean="0"/>
-              <a:t>17-Apr-20</a:t>
+              <a:t>27-Apr-20</a:t>
             </a:fld>
             <a:endParaRPr lang="en-US"/>
           </a:p>
@@ -1601,7 +3010,7 @@
           <a:p>
             <a:fld id="{D4A2563E-A08D-469B-B07B-FA0E4BE6DF5B}" type="datetimeFigureOut">
               <a:rPr lang="en-US" smtClean="0"/>
-              <a:t>17-Apr-20</a:t>
+              <a:t>27-Apr-20</a:t>
             </a:fld>
             <a:endParaRPr lang="en-US"/>
           </a:p>
@@ -1866,7 +3275,7 @@
           <a:p>
             <a:fld id="{D4A2563E-A08D-469B-B07B-FA0E4BE6DF5B}" type="datetimeFigureOut">
               <a:rPr lang="en-US" smtClean="0"/>
-              <a:t>17-Apr-20</a:t>
+              <a:t>27-Apr-20</a:t>
             </a:fld>
             <a:endParaRPr lang="en-US"/>
           </a:p>
@@ -2278,7 +3687,7 @@
           <a:p>
             <a:fld id="{D4A2563E-A08D-469B-B07B-FA0E4BE6DF5B}" type="datetimeFigureOut">
               <a:rPr lang="en-US" smtClean="0"/>
-              <a:t>17-Apr-20</a:t>
+              <a:t>27-Apr-20</a:t>
             </a:fld>
             <a:endParaRPr lang="en-US"/>
           </a:p>
@@ -2419,7 +3828,7 @@
           <a:p>
             <a:fld id="{D4A2563E-A08D-469B-B07B-FA0E4BE6DF5B}" type="datetimeFigureOut">
               <a:rPr lang="en-US" smtClean="0"/>
-              <a:t>17-Apr-20</a:t>
+              <a:t>27-Apr-20</a:t>
             </a:fld>
             <a:endParaRPr lang="en-US"/>
           </a:p>
@@ -2532,7 +3941,7 @@
           <a:p>
             <a:fld id="{D4A2563E-A08D-469B-B07B-FA0E4BE6DF5B}" type="datetimeFigureOut">
               <a:rPr lang="en-US" smtClean="0"/>
-              <a:t>17-Apr-20</a:t>
+              <a:t>27-Apr-20</a:t>
             </a:fld>
             <a:endParaRPr lang="en-US"/>
           </a:p>
@@ -2843,7 +4252,7 @@
           <a:p>
             <a:fld id="{D4A2563E-A08D-469B-B07B-FA0E4BE6DF5B}" type="datetimeFigureOut">
               <a:rPr lang="en-US" smtClean="0"/>
-              <a:t>17-Apr-20</a:t>
+              <a:t>27-Apr-20</a:t>
             </a:fld>
             <a:endParaRPr lang="en-US"/>
           </a:p>
@@ -3131,7 +4540,7 @@
           <a:p>
             <a:fld id="{D4A2563E-A08D-469B-B07B-FA0E4BE6DF5B}" type="datetimeFigureOut">
               <a:rPr lang="en-US" smtClean="0"/>
-              <a:t>17-Apr-20</a:t>
+              <a:t>27-Apr-20</a:t>
             </a:fld>
             <a:endParaRPr lang="en-US"/>
           </a:p>
@@ -3372,7 +4781,7 @@
           <a:p>
             <a:fld id="{D4A2563E-A08D-469B-B07B-FA0E4BE6DF5B}" type="datetimeFigureOut">
               <a:rPr lang="en-US" smtClean="0"/>
-              <a:t>17-Apr-20</a:t>
+              <a:t>27-Apr-20</a:t>
             </a:fld>
             <a:endParaRPr lang="en-US"/>
           </a:p>
@@ -4159,7 +5568,7 @@
           <p:nvPr/>
         </p:nvPicPr>
         <p:blipFill>
-          <a:blip r:embed="rId2">
+          <a:blip r:embed="rId3">
             <a:extLst>
               <a:ext uri="{28A0092B-C50C-407E-A947-70E740481C1C}">
                 <a14:useLocalDpi xmlns:a14="http://schemas.microsoft.com/office/drawing/2010/main" val="0"/>
@@ -4226,6 +5635,220 @@
           <p:cNvPr id="2" name="Title 1">
             <a:extLst>
               <a:ext uri="{FF2B5EF4-FFF2-40B4-BE49-F238E27FC236}">
+                <a16:creationId xmlns:a16="http://schemas.microsoft.com/office/drawing/2014/main" id="{20BE35C9-4BA1-4A88-AB65-F8D26333A10C}"/>
+              </a:ext>
+            </a:extLst>
+          </p:cNvPr>
+          <p:cNvSpPr>
+            <a:spLocks noGrp="1"/>
+          </p:cNvSpPr>
+          <p:nvPr>
+            <p:ph type="title"/>
+          </p:nvPr>
+        </p:nvSpPr>
+        <p:spPr/>
+        <p:txBody>
+          <a:bodyPr/>
+          <a:lstStyle/>
+          <a:p>
+            <a:r>
+              <a:rPr lang="en-US" dirty="0"/>
+              <a:t>PM4Py</a:t>
+            </a:r>
+          </a:p>
+        </p:txBody>
+      </p:sp>
+      <p:pic>
+        <p:nvPicPr>
+          <p:cNvPr id="1026" name="Picture 2">
+            <a:extLst>
+              <a:ext uri="{FF2B5EF4-FFF2-40B4-BE49-F238E27FC236}">
+                <a16:creationId xmlns:a16="http://schemas.microsoft.com/office/drawing/2014/main" id="{30C5ACC5-E4CF-4650-83D7-5097ED1D38AB}"/>
+              </a:ext>
+            </a:extLst>
+          </p:cNvPr>
+          <p:cNvPicPr>
+            <a:picLocks noGrp="1" noChangeAspect="1" noChangeArrowheads="1"/>
+          </p:cNvPicPr>
+          <p:nvPr>
+            <p:ph idx="1"/>
+          </p:nvPr>
+        </p:nvPicPr>
+        <p:blipFill>
+          <a:blip r:embed="rId3">
+            <a:extLst>
+              <a:ext uri="{28A0092B-C50C-407E-A947-70E740481C1C}">
+                <a14:useLocalDpi xmlns:a14="http://schemas.microsoft.com/office/drawing/2010/main" val="0"/>
+              </a:ext>
+            </a:extLst>
+          </a:blip>
+          <a:srcRect/>
+          <a:stretch>
+            <a:fillRect/>
+          </a:stretch>
+        </p:blipFill>
+        <p:spPr bwMode="auto">
+          <a:xfrm>
+            <a:off x="3350475" y="0"/>
+            <a:ext cx="5491049" cy="6858001"/>
+          </a:xfrm>
+          <a:prstGeom prst="rect">
+            <a:avLst/>
+          </a:prstGeom>
+          <a:noFill/>
+          <a:extLst>
+            <a:ext uri="{909E8E84-426E-40DD-AFC4-6F175D3DCCD1}">
+              <a14:hiddenFill xmlns:a14="http://schemas.microsoft.com/office/drawing/2010/main">
+                <a:solidFill>
+                  <a:srgbClr val="FFFFFF"/>
+                </a:solidFill>
+              </a14:hiddenFill>
+            </a:ext>
+          </a:extLst>
+        </p:spPr>
+      </p:pic>
+    </p:spTree>
+    <p:extLst>
+      <p:ext uri="{BB962C8B-B14F-4D97-AF65-F5344CB8AC3E}">
+        <p14:creationId xmlns:p14="http://schemas.microsoft.com/office/powerpoint/2010/main" val="2978512473"/>
+      </p:ext>
+    </p:extLst>
+  </p:cSld>
+  <p:clrMapOvr>
+    <a:masterClrMapping/>
+  </p:clrMapOvr>
+</p:sld>
+</file>
+
+<file path=ppt/slides/slide14.xml><?xml version="1.0" encoding="utf-8"?>
+<p:sld xmlns:a="http://schemas.openxmlformats.org/drawingml/2006/main" xmlns:r="http://schemas.openxmlformats.org/officeDocument/2006/relationships" xmlns:p="http://schemas.openxmlformats.org/presentationml/2006/main">
+  <p:cSld>
+    <p:spTree>
+      <p:nvGrpSpPr>
+        <p:cNvPr id="1" name=""/>
+        <p:cNvGrpSpPr/>
+        <p:nvPr/>
+      </p:nvGrpSpPr>
+      <p:grpSpPr>
+        <a:xfrm>
+          <a:off x="0" y="0"/>
+          <a:ext cx="0" cy="0"/>
+          <a:chOff x="0" y="0"/>
+          <a:chExt cx="0" cy="0"/>
+        </a:xfrm>
+      </p:grpSpPr>
+      <p:sp>
+        <p:nvSpPr>
+          <p:cNvPr id="2" name="Title 1">
+            <a:extLst>
+              <a:ext uri="{FF2B5EF4-FFF2-40B4-BE49-F238E27FC236}">
+                <a16:creationId xmlns:a16="http://schemas.microsoft.com/office/drawing/2014/main" id="{306EA4A0-59B7-4018-AB01-6276E7ED00C6}"/>
+              </a:ext>
+            </a:extLst>
+          </p:cNvPr>
+          <p:cNvSpPr>
+            <a:spLocks noGrp="1"/>
+          </p:cNvSpPr>
+          <p:nvPr>
+            <p:ph type="title"/>
+          </p:nvPr>
+        </p:nvSpPr>
+        <p:spPr/>
+        <p:txBody>
+          <a:bodyPr/>
+          <a:lstStyle/>
+          <a:p>
+            <a:r>
+              <a:rPr lang="en-US" dirty="0"/>
+              <a:t>PM4Py</a:t>
+            </a:r>
+          </a:p>
+        </p:txBody>
+      </p:sp>
+      <p:pic>
+        <p:nvPicPr>
+          <p:cNvPr id="2050" name="Picture 2">
+            <a:extLst>
+              <a:ext uri="{FF2B5EF4-FFF2-40B4-BE49-F238E27FC236}">
+                <a16:creationId xmlns:a16="http://schemas.microsoft.com/office/drawing/2014/main" id="{29397105-065E-4D9F-8E09-A48A9DA1A20B}"/>
+              </a:ext>
+            </a:extLst>
+          </p:cNvPr>
+          <p:cNvPicPr>
+            <a:picLocks noGrp="1" noChangeAspect="1" noChangeArrowheads="1"/>
+          </p:cNvPicPr>
+          <p:nvPr>
+            <p:ph idx="1"/>
+          </p:nvPr>
+        </p:nvPicPr>
+        <p:blipFill>
+          <a:blip r:embed="rId2">
+            <a:extLst>
+              <a:ext uri="{28A0092B-C50C-407E-A947-70E740481C1C}">
+                <a14:useLocalDpi xmlns:a14="http://schemas.microsoft.com/office/drawing/2010/main" val="0"/>
+              </a:ext>
+            </a:extLst>
+          </a:blip>
+          <a:srcRect/>
+          <a:stretch>
+            <a:fillRect/>
+          </a:stretch>
+        </p:blipFill>
+        <p:spPr bwMode="auto">
+          <a:xfrm>
+            <a:off x="3385776" y="0"/>
+            <a:ext cx="5420448" cy="6858001"/>
+          </a:xfrm>
+          <a:prstGeom prst="rect">
+            <a:avLst/>
+          </a:prstGeom>
+          <a:noFill/>
+          <a:extLst>
+            <a:ext uri="{909E8E84-426E-40DD-AFC4-6F175D3DCCD1}">
+              <a14:hiddenFill xmlns:a14="http://schemas.microsoft.com/office/drawing/2010/main">
+                <a:solidFill>
+                  <a:srgbClr val="FFFFFF"/>
+                </a:solidFill>
+              </a14:hiddenFill>
+            </a:ext>
+          </a:extLst>
+        </p:spPr>
+      </p:pic>
+    </p:spTree>
+    <p:extLst>
+      <p:ext uri="{BB962C8B-B14F-4D97-AF65-F5344CB8AC3E}">
+        <p14:creationId xmlns:p14="http://schemas.microsoft.com/office/powerpoint/2010/main" val="598487686"/>
+      </p:ext>
+    </p:extLst>
+  </p:cSld>
+  <p:clrMapOvr>
+    <a:masterClrMapping/>
+  </p:clrMapOvr>
+</p:sld>
+</file>
+
+<file path=ppt/slides/slide15.xml><?xml version="1.0" encoding="utf-8"?>
+<p:sld xmlns:a="http://schemas.openxmlformats.org/drawingml/2006/main" xmlns:r="http://schemas.openxmlformats.org/officeDocument/2006/relationships" xmlns:p="http://schemas.openxmlformats.org/presentationml/2006/main">
+  <p:cSld>
+    <p:spTree>
+      <p:nvGrpSpPr>
+        <p:cNvPr id="1" name=""/>
+        <p:cNvGrpSpPr/>
+        <p:nvPr/>
+      </p:nvGrpSpPr>
+      <p:grpSpPr>
+        <a:xfrm>
+          <a:off x="0" y="0"/>
+          <a:ext cx="0" cy="0"/>
+          <a:chOff x="0" y="0"/>
+          <a:chExt cx="0" cy="0"/>
+        </a:xfrm>
+      </p:grpSpPr>
+      <p:sp>
+        <p:nvSpPr>
+          <p:cNvPr id="2" name="Title 1">
+            <a:extLst>
+              <a:ext uri="{FF2B5EF4-FFF2-40B4-BE49-F238E27FC236}">
                 <a16:creationId xmlns:a16="http://schemas.microsoft.com/office/drawing/2014/main" id="{8EA4D6F2-C22E-46C0-B696-49BADD301CF1}"/>
               </a:ext>
             </a:extLst>
@@ -4289,7 +5912,7 @@
           <p:nvPr/>
         </p:nvPicPr>
         <p:blipFill>
-          <a:blip r:embed="rId2">
+          <a:blip r:embed="rId3">
             <a:extLst>
               <a:ext uri="{28A0092B-C50C-407E-A947-70E740481C1C}">
                 <a14:useLocalDpi xmlns:a14="http://schemas.microsoft.com/office/drawing/2010/main" val="0"/>
@@ -4334,6 +5957,526 @@
 </p:sld>
 </file>
 
+<file path=ppt/slides/slide16.xml><?xml version="1.0" encoding="utf-8"?>
+<p:sld xmlns:a="http://schemas.openxmlformats.org/drawingml/2006/main" xmlns:r="http://schemas.openxmlformats.org/officeDocument/2006/relationships" xmlns:p="http://schemas.openxmlformats.org/presentationml/2006/main">
+  <p:cSld>
+    <p:spTree>
+      <p:nvGrpSpPr>
+        <p:cNvPr id="1" name=""/>
+        <p:cNvGrpSpPr/>
+        <p:nvPr/>
+      </p:nvGrpSpPr>
+      <p:grpSpPr>
+        <a:xfrm>
+          <a:off x="0" y="0"/>
+          <a:ext cx="0" cy="0"/>
+          <a:chOff x="0" y="0"/>
+          <a:chExt cx="0" cy="0"/>
+        </a:xfrm>
+      </p:grpSpPr>
+      <p:sp>
+        <p:nvSpPr>
+          <p:cNvPr id="2" name="Title 1">
+            <a:extLst>
+              <a:ext uri="{FF2B5EF4-FFF2-40B4-BE49-F238E27FC236}">
+                <a16:creationId xmlns:a16="http://schemas.microsoft.com/office/drawing/2014/main" id="{7CBC7A49-B28C-41F5-8A82-ADCFFD1D12A0}"/>
+              </a:ext>
+            </a:extLst>
+          </p:cNvPr>
+          <p:cNvSpPr>
+            <a:spLocks noGrp="1"/>
+          </p:cNvSpPr>
+          <p:nvPr>
+            <p:ph type="title"/>
+          </p:nvPr>
+        </p:nvSpPr>
+        <p:spPr/>
+        <p:txBody>
+          <a:bodyPr/>
+          <a:lstStyle/>
+          <a:p>
+            <a:r>
+              <a:rPr lang="en-US" dirty="0"/>
+              <a:t>Libraries and tools</a:t>
+            </a:r>
+          </a:p>
+        </p:txBody>
+      </p:sp>
+      <p:sp>
+        <p:nvSpPr>
+          <p:cNvPr id="4" name="Text Placeholder 3">
+            <a:extLst>
+              <a:ext uri="{FF2B5EF4-FFF2-40B4-BE49-F238E27FC236}">
+                <a16:creationId xmlns:a16="http://schemas.microsoft.com/office/drawing/2014/main" id="{C6A038A2-1A1B-4829-91EE-C92436358D64}"/>
+              </a:ext>
+            </a:extLst>
+          </p:cNvPr>
+          <p:cNvSpPr>
+            <a:spLocks noGrp="1"/>
+          </p:cNvSpPr>
+          <p:nvPr>
+            <p:ph type="body" idx="1"/>
+          </p:nvPr>
+        </p:nvSpPr>
+        <p:spPr>
+          <a:xfrm>
+            <a:off x="839789" y="1585585"/>
+            <a:ext cx="2836666" cy="823912"/>
+          </a:xfrm>
+        </p:spPr>
+        <p:txBody>
+          <a:bodyPr/>
+          <a:lstStyle/>
+          <a:p>
+            <a:r>
+              <a:rPr lang="en-US" dirty="0"/>
+              <a:t>PM4Py</a:t>
+            </a:r>
+          </a:p>
+        </p:txBody>
+      </p:sp>
+      <p:sp>
+        <p:nvSpPr>
+          <p:cNvPr id="3" name="Content Placeholder 2">
+            <a:extLst>
+              <a:ext uri="{FF2B5EF4-FFF2-40B4-BE49-F238E27FC236}">
+                <a16:creationId xmlns:a16="http://schemas.microsoft.com/office/drawing/2014/main" id="{948F69B1-958F-4E68-AF0A-2A3619289B39}"/>
+              </a:ext>
+            </a:extLst>
+          </p:cNvPr>
+          <p:cNvSpPr>
+            <a:spLocks noGrp="1"/>
+          </p:cNvSpPr>
+          <p:nvPr>
+            <p:ph sz="half" idx="2"/>
+          </p:nvPr>
+        </p:nvSpPr>
+        <p:spPr>
+          <a:xfrm>
+            <a:off x="839789" y="2505075"/>
+            <a:ext cx="2836666" cy="3684588"/>
+          </a:xfrm>
+        </p:spPr>
+        <p:txBody>
+          <a:bodyPr/>
+          <a:lstStyle/>
+          <a:p>
+            <a:r>
+              <a:rPr lang="en-US" sz="2000" dirty="0"/>
+              <a:t>Process Discovery</a:t>
+            </a:r>
+          </a:p>
+          <a:p>
+            <a:r>
+              <a:rPr lang="en-US" sz="2000" dirty="0"/>
+              <a:t>Conformance Checking</a:t>
+            </a:r>
+          </a:p>
+          <a:p>
+            <a:r>
+              <a:rPr lang="en-US" sz="2000" dirty="0"/>
+              <a:t>Process Trees</a:t>
+            </a:r>
+          </a:p>
+          <a:p>
+            <a:r>
+              <a:rPr lang="en-US" sz="2000" dirty="0"/>
+              <a:t>XES, CSV</a:t>
+            </a:r>
+          </a:p>
+          <a:p>
+            <a:r>
+              <a:rPr lang="en-US" sz="2000" dirty="0"/>
+              <a:t>Data Filtering</a:t>
+            </a:r>
+          </a:p>
+          <a:p>
+            <a:r>
+              <a:rPr lang="en-US" sz="2000" dirty="0"/>
+              <a:t>Petri Nets</a:t>
+            </a:r>
+            <a:br>
+              <a:rPr lang="en-US" dirty="0"/>
+            </a:br>
+            <a:endParaRPr lang="en-US" dirty="0"/>
+          </a:p>
+        </p:txBody>
+      </p:sp>
+      <p:sp>
+        <p:nvSpPr>
+          <p:cNvPr id="5" name="Text Placeholder 4">
+            <a:extLst>
+              <a:ext uri="{FF2B5EF4-FFF2-40B4-BE49-F238E27FC236}">
+                <a16:creationId xmlns:a16="http://schemas.microsoft.com/office/drawing/2014/main" id="{F61AA689-3D3A-4DDB-8D7A-D115DA97B488}"/>
+              </a:ext>
+            </a:extLst>
+          </p:cNvPr>
+          <p:cNvSpPr>
+            <a:spLocks noGrp="1"/>
+          </p:cNvSpPr>
+          <p:nvPr>
+            <p:ph type="body" sz="quarter" idx="3"/>
+          </p:nvPr>
+        </p:nvSpPr>
+        <p:spPr>
+          <a:xfrm>
+            <a:off x="3676455" y="1788024"/>
+            <a:ext cx="1649689" cy="619714"/>
+          </a:xfrm>
+        </p:spPr>
+        <p:txBody>
+          <a:bodyPr/>
+          <a:lstStyle/>
+          <a:p>
+            <a:r>
+              <a:rPr lang="en-US" dirty="0" err="1"/>
+              <a:t>ProM</a:t>
+            </a:r>
+            <a:endParaRPr lang="en-US" dirty="0"/>
+          </a:p>
+        </p:txBody>
+      </p:sp>
+      <p:sp>
+        <p:nvSpPr>
+          <p:cNvPr id="6" name="Content Placeholder 5">
+            <a:extLst>
+              <a:ext uri="{FF2B5EF4-FFF2-40B4-BE49-F238E27FC236}">
+                <a16:creationId xmlns:a16="http://schemas.microsoft.com/office/drawing/2014/main" id="{CE803BF0-4140-4610-8FFB-D3012BC40832}"/>
+              </a:ext>
+            </a:extLst>
+          </p:cNvPr>
+          <p:cNvSpPr>
+            <a:spLocks noGrp="1"/>
+          </p:cNvSpPr>
+          <p:nvPr>
+            <p:ph sz="quarter" idx="4"/>
+          </p:nvPr>
+        </p:nvSpPr>
+        <p:spPr>
+          <a:xfrm>
+            <a:off x="3751869" y="2505075"/>
+            <a:ext cx="1649690" cy="3684588"/>
+          </a:xfrm>
+        </p:spPr>
+        <p:txBody>
+          <a:bodyPr>
+            <a:normAutofit/>
+          </a:bodyPr>
+          <a:lstStyle/>
+          <a:p>
+            <a:r>
+              <a:rPr lang="en-US" sz="2000" dirty="0"/>
+              <a:t>Event logs</a:t>
+            </a:r>
+          </a:p>
+          <a:p>
+            <a:r>
+              <a:rPr lang="en-US" sz="2000" dirty="0"/>
+              <a:t>Plugins</a:t>
+            </a:r>
+            <a:br>
+              <a:rPr lang="en-US" sz="2000" dirty="0"/>
+            </a:br>
+            <a:endParaRPr lang="en-US" sz="2000" dirty="0"/>
+          </a:p>
+        </p:txBody>
+      </p:sp>
+      <p:sp>
+        <p:nvSpPr>
+          <p:cNvPr id="7" name="Rectangle 6">
+            <a:extLst>
+              <a:ext uri="{FF2B5EF4-FFF2-40B4-BE49-F238E27FC236}">
+                <a16:creationId xmlns:a16="http://schemas.microsoft.com/office/drawing/2014/main" id="{1A54EB8A-9FAD-4F91-B737-8AAD4D3E48EC}"/>
+              </a:ext>
+            </a:extLst>
+          </p:cNvPr>
+          <p:cNvSpPr/>
+          <p:nvPr/>
+        </p:nvSpPr>
+        <p:spPr>
+          <a:xfrm>
+            <a:off x="5476973" y="2407738"/>
+            <a:ext cx="3038574" cy="2814617"/>
+          </a:xfrm>
+          <a:prstGeom prst="rect">
+            <a:avLst/>
+          </a:prstGeom>
+        </p:spPr>
+        <p:txBody>
+          <a:bodyPr wrap="square">
+            <a:spAutoFit/>
+          </a:bodyPr>
+          <a:lstStyle/>
+          <a:p>
+            <a:pPr marL="285750" indent="-285750">
+              <a:lnSpc>
+                <a:spcPct val="150000"/>
+              </a:lnSpc>
+              <a:buFont typeface="Arial" panose="020B0604020202020204" pitchFamily="34" charset="0"/>
+              <a:buChar char="•"/>
+            </a:pPr>
+            <a:r>
+              <a:rPr lang="en-US" sz="2000" dirty="0"/>
+              <a:t>Creating event logs</a:t>
+            </a:r>
+          </a:p>
+          <a:p>
+            <a:pPr marL="285750" indent="-285750">
+              <a:lnSpc>
+                <a:spcPct val="150000"/>
+              </a:lnSpc>
+              <a:buFont typeface="Arial" panose="020B0604020202020204" pitchFamily="34" charset="0"/>
+              <a:buChar char="•"/>
+            </a:pPr>
+            <a:r>
+              <a:rPr lang="en-US" sz="2000" dirty="0"/>
+              <a:t>Import XES files</a:t>
+            </a:r>
+          </a:p>
+          <a:p>
+            <a:pPr marL="285750" indent="-285750">
+              <a:lnSpc>
+                <a:spcPct val="150000"/>
+              </a:lnSpc>
+              <a:buFont typeface="Arial" panose="020B0604020202020204" pitchFamily="34" charset="0"/>
+              <a:buChar char="•"/>
+            </a:pPr>
+            <a:r>
+              <a:rPr lang="en-US" sz="2000" dirty="0"/>
+              <a:t>Data pre-processing</a:t>
+            </a:r>
+          </a:p>
+          <a:p>
+            <a:pPr marL="285750" indent="-285750">
+              <a:lnSpc>
+                <a:spcPct val="150000"/>
+              </a:lnSpc>
+              <a:buFont typeface="Arial" panose="020B0604020202020204" pitchFamily="34" charset="0"/>
+              <a:buChar char="•"/>
+            </a:pPr>
+            <a:r>
+              <a:rPr lang="en-US" sz="2000" dirty="0"/>
+              <a:t>Exploratory data analysis</a:t>
+            </a:r>
+          </a:p>
+          <a:p>
+            <a:pPr marL="285750" indent="-285750">
+              <a:lnSpc>
+                <a:spcPct val="150000"/>
+              </a:lnSpc>
+              <a:buFont typeface="Arial" panose="020B0604020202020204" pitchFamily="34" charset="0"/>
+              <a:buChar char="•"/>
+            </a:pPr>
+            <a:r>
+              <a:rPr lang="en-US" sz="2000" dirty="0"/>
+              <a:t>Process Discovery</a:t>
+            </a:r>
+          </a:p>
+          <a:p>
+            <a:pPr marL="285750" indent="-285750">
+              <a:lnSpc>
+                <a:spcPct val="150000"/>
+              </a:lnSpc>
+              <a:buFont typeface="Arial" panose="020B0604020202020204" pitchFamily="34" charset="0"/>
+              <a:buChar char="•"/>
+            </a:pPr>
+            <a:r>
+              <a:rPr lang="en-US" sz="2000" dirty="0"/>
+              <a:t>Conformance Checking</a:t>
+            </a:r>
+            <a:endParaRPr lang="en-US" dirty="0"/>
+          </a:p>
+        </p:txBody>
+      </p:sp>
+      <p:sp>
+        <p:nvSpPr>
+          <p:cNvPr id="8" name="Rectangle 7">
+            <a:extLst>
+              <a:ext uri="{FF2B5EF4-FFF2-40B4-BE49-F238E27FC236}">
+                <a16:creationId xmlns:a16="http://schemas.microsoft.com/office/drawing/2014/main" id="{D6FE21E2-A808-4595-A764-1AA9F4004B0B}"/>
+              </a:ext>
+            </a:extLst>
+          </p:cNvPr>
+          <p:cNvSpPr/>
+          <p:nvPr/>
+        </p:nvSpPr>
+        <p:spPr>
+          <a:xfrm>
+            <a:off x="5773916" y="1946073"/>
+            <a:ext cx="1352746" cy="461665"/>
+          </a:xfrm>
+          <a:prstGeom prst="rect">
+            <a:avLst/>
+          </a:prstGeom>
+        </p:spPr>
+        <p:txBody>
+          <a:bodyPr wrap="square">
+            <a:spAutoFit/>
+          </a:bodyPr>
+          <a:lstStyle/>
+          <a:p>
+            <a:r>
+              <a:rPr lang="en-US" sz="2400" b="1" dirty="0" err="1"/>
+              <a:t>bupaR</a:t>
+            </a:r>
+            <a:endParaRPr lang="en-US" dirty="0"/>
+          </a:p>
+        </p:txBody>
+      </p:sp>
+      <p:sp>
+        <p:nvSpPr>
+          <p:cNvPr id="9" name="Rectangle 8">
+            <a:extLst>
+              <a:ext uri="{FF2B5EF4-FFF2-40B4-BE49-F238E27FC236}">
+                <a16:creationId xmlns:a16="http://schemas.microsoft.com/office/drawing/2014/main" id="{5FC43104-6C02-41F1-8D18-B3C02BCEDD1D}"/>
+              </a:ext>
+            </a:extLst>
+          </p:cNvPr>
+          <p:cNvSpPr/>
+          <p:nvPr/>
+        </p:nvSpPr>
+        <p:spPr>
+          <a:xfrm>
+            <a:off x="8707288" y="1946072"/>
+            <a:ext cx="1482265" cy="461665"/>
+          </a:xfrm>
+          <a:prstGeom prst="rect">
+            <a:avLst/>
+          </a:prstGeom>
+        </p:spPr>
+        <p:txBody>
+          <a:bodyPr wrap="none">
+            <a:spAutoFit/>
+          </a:bodyPr>
+          <a:lstStyle/>
+          <a:p>
+            <a:r>
+              <a:rPr lang="en-US" sz="2400" b="1" dirty="0" err="1"/>
+              <a:t>Apromore</a:t>
+            </a:r>
+            <a:endParaRPr lang="en-US" dirty="0"/>
+          </a:p>
+        </p:txBody>
+      </p:sp>
+      <p:sp>
+        <p:nvSpPr>
+          <p:cNvPr id="10" name="Rectangle 9">
+            <a:extLst>
+              <a:ext uri="{FF2B5EF4-FFF2-40B4-BE49-F238E27FC236}">
+                <a16:creationId xmlns:a16="http://schemas.microsoft.com/office/drawing/2014/main" id="{08F56953-9405-4276-8EE5-E884F3EBAE6D}"/>
+              </a:ext>
+            </a:extLst>
+          </p:cNvPr>
+          <p:cNvSpPr/>
+          <p:nvPr/>
+        </p:nvSpPr>
+        <p:spPr>
+          <a:xfrm>
+            <a:off x="8666375" y="2407737"/>
+            <a:ext cx="3352799" cy="3276282"/>
+          </a:xfrm>
+          <a:prstGeom prst="rect">
+            <a:avLst/>
+          </a:prstGeom>
+        </p:spPr>
+        <p:txBody>
+          <a:bodyPr wrap="square">
+            <a:spAutoFit/>
+          </a:bodyPr>
+          <a:lstStyle/>
+          <a:p>
+            <a:pPr marL="285750" indent="-285750">
+              <a:lnSpc>
+                <a:spcPct val="150000"/>
+              </a:lnSpc>
+              <a:buFont typeface="Arial" panose="020B0604020202020204" pitchFamily="34" charset="0"/>
+              <a:buChar char="•"/>
+            </a:pPr>
+            <a:r>
+              <a:rPr lang="en-US" sz="2000" dirty="0"/>
+              <a:t>Process Discovery</a:t>
+            </a:r>
+          </a:p>
+          <a:p>
+            <a:pPr marL="285750" indent="-285750">
+              <a:lnSpc>
+                <a:spcPct val="150000"/>
+              </a:lnSpc>
+              <a:buFont typeface="Arial" panose="020B0604020202020204" pitchFamily="34" charset="0"/>
+              <a:buChar char="•"/>
+            </a:pPr>
+            <a:r>
+              <a:rPr lang="en-US" sz="2000" dirty="0"/>
+              <a:t>Visual filtering</a:t>
+            </a:r>
+          </a:p>
+          <a:p>
+            <a:pPr marL="285750" indent="-285750">
+              <a:lnSpc>
+                <a:spcPct val="150000"/>
+              </a:lnSpc>
+              <a:buFont typeface="Arial" panose="020B0604020202020204" pitchFamily="34" charset="0"/>
+              <a:buChar char="•"/>
+            </a:pPr>
+            <a:r>
+              <a:rPr lang="en-US" sz="2000" dirty="0"/>
+              <a:t>Performance mining</a:t>
+            </a:r>
+          </a:p>
+          <a:p>
+            <a:pPr marL="285750" indent="-285750">
+              <a:lnSpc>
+                <a:spcPct val="150000"/>
+              </a:lnSpc>
+              <a:buFont typeface="Arial" panose="020B0604020202020204" pitchFamily="34" charset="0"/>
+              <a:buChar char="•"/>
+            </a:pPr>
+            <a:r>
+              <a:rPr lang="en-US" sz="2000" dirty="0"/>
+              <a:t>Conformance checking</a:t>
+            </a:r>
+          </a:p>
+          <a:p>
+            <a:pPr marL="285750" indent="-285750">
+              <a:lnSpc>
+                <a:spcPct val="150000"/>
+              </a:lnSpc>
+              <a:buFont typeface="Arial" panose="020B0604020202020204" pitchFamily="34" charset="0"/>
+              <a:buChar char="•"/>
+            </a:pPr>
+            <a:r>
+              <a:rPr lang="en-US" sz="2000" dirty="0"/>
+              <a:t>Predictive process monitoring</a:t>
+            </a:r>
+          </a:p>
+          <a:p>
+            <a:pPr marL="285750" indent="-285750">
+              <a:lnSpc>
+                <a:spcPct val="150000"/>
+              </a:lnSpc>
+              <a:buFont typeface="Arial" panose="020B0604020202020204" pitchFamily="34" charset="0"/>
+              <a:buChar char="•"/>
+            </a:pPr>
+            <a:r>
+              <a:rPr lang="en-US" sz="2000" dirty="0"/>
+              <a:t>Stage-based mining</a:t>
+            </a:r>
+          </a:p>
+        </p:txBody>
+      </p:sp>
+    </p:spTree>
+    <p:extLst>
+      <p:ext uri="{BB962C8B-B14F-4D97-AF65-F5344CB8AC3E}">
+        <p14:creationId xmlns:p14="http://schemas.microsoft.com/office/powerpoint/2010/main" val="647092819"/>
+      </p:ext>
+    </p:extLst>
+  </p:cSld>
+  <p:clrMapOvr>
+    <a:masterClrMapping/>
+  </p:clrMapOvr>
+</p:sld>
+</file>
+
 <file path=ppt/slides/slide2.xml><?xml version="1.0" encoding="utf-8"?>
 <p:sld xmlns:a="http://schemas.openxmlformats.org/drawingml/2006/main" xmlns:r="http://schemas.openxmlformats.org/officeDocument/2006/relationships" xmlns:p="http://schemas.openxmlformats.org/presentationml/2006/main">
   <p:cSld>
@@ -4501,14 +6644,26 @@
           <a:bodyPr/>
           <a:lstStyle/>
           <a:p>
+            <a:r>
+              <a:rPr lang="en-US" dirty="0"/>
+              <a:t>Previously:  Collaborative Speech Acts, LTL, Causal Nets &amp; Algorithms, Process Discovery, Coding considerations.</a:t>
+            </a:r>
+          </a:p>
+          <a:p>
             <a:endParaRPr lang="en-US" dirty="0"/>
+          </a:p>
+          <a:p>
+            <a:r>
+              <a:rPr lang="en-US" dirty="0"/>
+              <a:t>Currently: Process Discovery, Final coding considerations &amp; demos.</a:t>
+            </a:r>
           </a:p>
         </p:txBody>
       </p:sp>
     </p:spTree>
     <p:extLst>
       <p:ext uri="{BB962C8B-B14F-4D97-AF65-F5344CB8AC3E}">
-        <p14:creationId xmlns:p14="http://schemas.microsoft.com/office/powerpoint/2010/main" val="765077486"/>
+        <p14:creationId xmlns:p14="http://schemas.microsoft.com/office/powerpoint/2010/main" val="2686883664"/>
       </p:ext>
     </p:extLst>
   </p:cSld>

--- a/models/presentation4_CSmodeling.pptx
+++ b/models/presentation4_CSmodeling.pptx
@@ -5,7 +5,7 @@
     <p:sldMasterId id="2147483648" r:id="rId1"/>
   </p:sldMasterIdLst>
   <p:notesMasterIdLst>
-    <p:notesMasterId r:id="rId18"/>
+    <p:notesMasterId r:id="rId24"/>
   </p:notesMasterIdLst>
   <p:sldIdLst>
     <p:sldId id="256" r:id="rId2"/>
@@ -19,11 +19,17 @@
     <p:sldId id="263" r:id="rId10"/>
     <p:sldId id="264" r:id="rId11"/>
     <p:sldId id="261" r:id="rId12"/>
-    <p:sldId id="265" r:id="rId13"/>
-    <p:sldId id="271" r:id="rId14"/>
-    <p:sldId id="272" r:id="rId15"/>
-    <p:sldId id="267" r:id="rId16"/>
-    <p:sldId id="274" r:id="rId17"/>
+    <p:sldId id="276" r:id="rId13"/>
+    <p:sldId id="277" r:id="rId14"/>
+    <p:sldId id="278" r:id="rId15"/>
+    <p:sldId id="265" r:id="rId16"/>
+    <p:sldId id="271" r:id="rId17"/>
+    <p:sldId id="272" r:id="rId18"/>
+    <p:sldId id="267" r:id="rId19"/>
+    <p:sldId id="279" r:id="rId20"/>
+    <p:sldId id="280" r:id="rId21"/>
+    <p:sldId id="281" r:id="rId22"/>
+    <p:sldId id="274" r:id="rId23"/>
   </p:sldIdLst>
   <p:sldSz cx="12192000" cy="6858000"/>
   <p:notesSz cx="6858000" cy="9144000"/>
@@ -224,7 +230,7 @@
           <a:p>
             <a:fld id="{9774080B-04D1-41C3-86CC-C91B062C478E}" type="datetimeFigureOut">
               <a:rPr lang="en-US" smtClean="0"/>
-              <a:t>27-Apr-20</a:t>
+              <a:t>28-Apr-20</a:t>
             </a:fld>
             <a:endParaRPr lang="en-US"/>
           </a:p>
@@ -624,13 +630,13 @@
           <a:p>
             <a:r>
               <a:rPr lang="en-US" dirty="0"/>
-              <a:t>Note here that the green is the starting node with activities</a:t>
+              <a:t>P1 goes from manage task to agree, and P2 goes from agree to manage task.</a:t>
             </a:r>
           </a:p>
           <a:p>
             <a:r>
               <a:rPr lang="en-US" dirty="0"/>
-              <a:t>And the orange is the ender</a:t>
+              <a:t>Individually, and in this small isolated context, this may not be the most important revelation, but it shows us that there are formations of concepts and patterns that are emerging that we can start to rationalize (maybe one person takes the lead)</a:t>
             </a:r>
           </a:p>
         </p:txBody>
@@ -652,7 +658,7 @@
           <a:p>
             <a:fld id="{AD5626E2-2610-4C9D-BC89-683A39B60E2D}" type="slidenum">
               <a:rPr lang="en-US" smtClean="0"/>
-              <a:t>12</a:t>
+              <a:t>13</a:t>
             </a:fld>
             <a:endParaRPr lang="en-US"/>
           </a:p>
@@ -661,7 +667,7 @@
     </p:spTree>
     <p:extLst>
       <p:ext uri="{BB962C8B-B14F-4D97-AF65-F5344CB8AC3E}">
-        <p14:creationId xmlns:p14="http://schemas.microsoft.com/office/powerpoint/2010/main" val="1810593843"/>
+        <p14:creationId xmlns:p14="http://schemas.microsoft.com/office/powerpoint/2010/main" val="2107741587"/>
       </p:ext>
     </p:extLst>
   </p:cSld>
@@ -717,21 +723,13 @@
           <a:p>
             <a:r>
               <a:rPr lang="en-US" dirty="0"/>
-              <a:t>Individual actions alpha mining doesn’t really tell us a whole lot, but we see some small </a:t>
-            </a:r>
-            <a:r>
-              <a:rPr lang="en-US" dirty="0" err="1"/>
-              <a:t>small</a:t>
-            </a:r>
+              <a:t>P1 goes from manage task to agree, and P2 goes from agree to manage task.</a:t>
+            </a:r>
+          </a:p>
+          <a:p>
             <a:r>
               <a:rPr lang="en-US" dirty="0"/>
-              <a:t> scale trends.</a:t>
-            </a:r>
-          </a:p>
-          <a:p>
-            <a:r>
-              <a:rPr lang="en-US" dirty="0"/>
-              <a:t>These might warrant as informative on how we approach pre-processing/data manipulation</a:t>
+              <a:t>Individually, and in this small isolated context, this may not be the most important revelation, but it shows us that there are formations of concepts and patterns that are emerging that we can start to rationalize (maybe one person takes the lead)</a:t>
             </a:r>
           </a:p>
         </p:txBody>
@@ -753,7 +751,7 @@
           <a:p>
             <a:fld id="{AD5626E2-2610-4C9D-BC89-683A39B60E2D}" type="slidenum">
               <a:rPr lang="en-US" smtClean="0"/>
-              <a:t>13</a:t>
+              <a:t>14</a:t>
             </a:fld>
             <a:endParaRPr lang="en-US"/>
           </a:p>
@@ -762,7 +760,7 @@
     </p:spTree>
     <p:extLst>
       <p:ext uri="{BB962C8B-B14F-4D97-AF65-F5344CB8AC3E}">
-        <p14:creationId xmlns:p14="http://schemas.microsoft.com/office/powerpoint/2010/main" val="1662494767"/>
+        <p14:creationId xmlns:p14="http://schemas.microsoft.com/office/powerpoint/2010/main" val="4174096751"/>
       </p:ext>
     </p:extLst>
   </p:cSld>
@@ -818,15 +816,13 @@
           <a:p>
             <a:r>
               <a:rPr lang="en-US" dirty="0"/>
-              <a:t>Obviously note here that it is hard to see and we may want to be able to zoom in (which we can do on </a:t>
-            </a:r>
-            <a:r>
-              <a:rPr lang="en-US" dirty="0" err="1"/>
-              <a:t>powerpoint</a:t>
-            </a:r>
+              <a:t>Note here that the green is the starting node with activities</a:t>
+            </a:r>
+          </a:p>
+          <a:p>
             <a:r>
               <a:rPr lang="en-US" dirty="0"/>
-              <a:t> during presentation with zoom scroll)</a:t>
+              <a:t>And the orange is the ender</a:t>
             </a:r>
           </a:p>
         </p:txBody>
@@ -857,7 +853,7 @@
     </p:spTree>
     <p:extLst>
       <p:ext uri="{BB962C8B-B14F-4D97-AF65-F5344CB8AC3E}">
-        <p14:creationId xmlns:p14="http://schemas.microsoft.com/office/powerpoint/2010/main" val="2590594731"/>
+        <p14:creationId xmlns:p14="http://schemas.microsoft.com/office/powerpoint/2010/main" val="1810593843"/>
       </p:ext>
     </p:extLst>
   </p:cSld>
@@ -911,6 +907,309 @@
           <a:bodyPr/>
           <a:lstStyle/>
           <a:p>
+            <a:r>
+              <a:rPr lang="en-US" dirty="0"/>
+              <a:t>Individual actions alpha mining doesn’t really tell us a whole lot, but we see some small </a:t>
+            </a:r>
+            <a:r>
+              <a:rPr lang="en-US" dirty="0" err="1"/>
+              <a:t>small</a:t>
+            </a:r>
+            <a:r>
+              <a:rPr lang="en-US" dirty="0"/>
+              <a:t> scale trends.</a:t>
+            </a:r>
+          </a:p>
+          <a:p>
+            <a:r>
+              <a:rPr lang="en-US" dirty="0"/>
+              <a:t>These might warrant as informative on how we approach pre-processing/data manipulation</a:t>
+            </a:r>
+          </a:p>
+        </p:txBody>
+      </p:sp>
+      <p:sp>
+        <p:nvSpPr>
+          <p:cNvPr id="4" name="Slide Number Placeholder 3"/>
+          <p:cNvSpPr>
+            <a:spLocks noGrp="1"/>
+          </p:cNvSpPr>
+          <p:nvPr>
+            <p:ph type="sldNum" sz="quarter" idx="5"/>
+          </p:nvPr>
+        </p:nvSpPr>
+        <p:spPr/>
+        <p:txBody>
+          <a:bodyPr/>
+          <a:lstStyle/>
+          <a:p>
+            <a:fld id="{AD5626E2-2610-4C9D-BC89-683A39B60E2D}" type="slidenum">
+              <a:rPr lang="en-US" smtClean="0"/>
+              <a:t>16</a:t>
+            </a:fld>
+            <a:endParaRPr lang="en-US"/>
+          </a:p>
+        </p:txBody>
+      </p:sp>
+    </p:spTree>
+    <p:extLst>
+      <p:ext uri="{BB962C8B-B14F-4D97-AF65-F5344CB8AC3E}">
+        <p14:creationId xmlns:p14="http://schemas.microsoft.com/office/powerpoint/2010/main" val="1662494767"/>
+      </p:ext>
+    </p:extLst>
+  </p:cSld>
+  <p:clrMapOvr>
+    <a:masterClrMapping/>
+  </p:clrMapOvr>
+</p:notes>
+</file>
+
+<file path=ppt/notesSlides/notesSlide6.xml><?xml version="1.0" encoding="utf-8"?>
+<p:notes xmlns:a="http://schemas.openxmlformats.org/drawingml/2006/main" xmlns:r="http://schemas.openxmlformats.org/officeDocument/2006/relationships" xmlns:p="http://schemas.openxmlformats.org/presentationml/2006/main">
+  <p:cSld>
+    <p:spTree>
+      <p:nvGrpSpPr>
+        <p:cNvPr id="1" name=""/>
+        <p:cNvGrpSpPr/>
+        <p:nvPr/>
+      </p:nvGrpSpPr>
+      <p:grpSpPr>
+        <a:xfrm>
+          <a:off x="0" y="0"/>
+          <a:ext cx="0" cy="0"/>
+          <a:chOff x="0" y="0"/>
+          <a:chExt cx="0" cy="0"/>
+        </a:xfrm>
+      </p:grpSpPr>
+      <p:sp>
+        <p:nvSpPr>
+          <p:cNvPr id="2" name="Slide Image Placeholder 1"/>
+          <p:cNvSpPr>
+            <a:spLocks noGrp="1" noRot="1" noChangeAspect="1"/>
+          </p:cNvSpPr>
+          <p:nvPr>
+            <p:ph type="sldImg"/>
+          </p:nvPr>
+        </p:nvSpPr>
+        <p:spPr/>
+      </p:sp>
+      <p:sp>
+        <p:nvSpPr>
+          <p:cNvPr id="3" name="Notes Placeholder 2"/>
+          <p:cNvSpPr>
+            <a:spLocks noGrp="1"/>
+          </p:cNvSpPr>
+          <p:nvPr>
+            <p:ph type="body" idx="1"/>
+          </p:nvPr>
+        </p:nvSpPr>
+        <p:spPr/>
+        <p:txBody>
+          <a:bodyPr/>
+          <a:lstStyle/>
+          <a:p>
+            <a:r>
+              <a:rPr lang="en-US" dirty="0"/>
+              <a:t>Obviously note here that it is hard to see and we may want to be able to zoom in (which we can do on </a:t>
+            </a:r>
+            <a:r>
+              <a:rPr lang="en-US" dirty="0" err="1"/>
+              <a:t>powerpoint</a:t>
+            </a:r>
+            <a:r>
+              <a:rPr lang="en-US" dirty="0"/>
+              <a:t> during presentation with zoom scroll)</a:t>
+            </a:r>
+          </a:p>
+          <a:p>
+            <a:r>
+              <a:rPr lang="en-US" dirty="0"/>
+              <a:t>We can probably find some useful/interesting information here (not from the visual, but the object itself? We’ll search the option)</a:t>
+            </a:r>
+          </a:p>
+        </p:txBody>
+      </p:sp>
+      <p:sp>
+        <p:nvSpPr>
+          <p:cNvPr id="4" name="Slide Number Placeholder 3"/>
+          <p:cNvSpPr>
+            <a:spLocks noGrp="1"/>
+          </p:cNvSpPr>
+          <p:nvPr>
+            <p:ph type="sldNum" sz="quarter" idx="5"/>
+          </p:nvPr>
+        </p:nvSpPr>
+        <p:spPr/>
+        <p:txBody>
+          <a:bodyPr/>
+          <a:lstStyle/>
+          <a:p>
+            <a:fld id="{AD5626E2-2610-4C9D-BC89-683A39B60E2D}" type="slidenum">
+              <a:rPr lang="en-US" smtClean="0"/>
+              <a:t>18</a:t>
+            </a:fld>
+            <a:endParaRPr lang="en-US"/>
+          </a:p>
+        </p:txBody>
+      </p:sp>
+    </p:spTree>
+    <p:extLst>
+      <p:ext uri="{BB962C8B-B14F-4D97-AF65-F5344CB8AC3E}">
+        <p14:creationId xmlns:p14="http://schemas.microsoft.com/office/powerpoint/2010/main" val="2590594731"/>
+      </p:ext>
+    </p:extLst>
+  </p:cSld>
+  <p:clrMapOvr>
+    <a:masterClrMapping/>
+  </p:clrMapOvr>
+</p:notes>
+</file>
+
+<file path=ppt/notesSlides/notesSlide7.xml><?xml version="1.0" encoding="utf-8"?>
+<p:notes xmlns:a="http://schemas.openxmlformats.org/drawingml/2006/main" xmlns:r="http://schemas.openxmlformats.org/officeDocument/2006/relationships" xmlns:p="http://schemas.openxmlformats.org/presentationml/2006/main">
+  <p:cSld>
+    <p:spTree>
+      <p:nvGrpSpPr>
+        <p:cNvPr id="1" name=""/>
+        <p:cNvGrpSpPr/>
+        <p:nvPr/>
+      </p:nvGrpSpPr>
+      <p:grpSpPr>
+        <a:xfrm>
+          <a:off x="0" y="0"/>
+          <a:ext cx="0" cy="0"/>
+          <a:chOff x="0" y="0"/>
+          <a:chExt cx="0" cy="0"/>
+        </a:xfrm>
+      </p:grpSpPr>
+      <p:sp>
+        <p:nvSpPr>
+          <p:cNvPr id="2" name="Slide Image Placeholder 1"/>
+          <p:cNvSpPr>
+            <a:spLocks noGrp="1" noRot="1" noChangeAspect="1"/>
+          </p:cNvSpPr>
+          <p:nvPr>
+            <p:ph type="sldImg"/>
+          </p:nvPr>
+        </p:nvSpPr>
+        <p:spPr/>
+      </p:sp>
+      <p:sp>
+        <p:nvSpPr>
+          <p:cNvPr id="3" name="Notes Placeholder 2"/>
+          <p:cNvSpPr>
+            <a:spLocks noGrp="1"/>
+          </p:cNvSpPr>
+          <p:nvPr>
+            <p:ph type="body" idx="1"/>
+          </p:nvPr>
+        </p:nvSpPr>
+        <p:spPr/>
+        <p:txBody>
+          <a:bodyPr/>
+          <a:lstStyle/>
+          <a:p>
+            <a:r>
+              <a:rPr lang="en-US" dirty="0"/>
+              <a:t>Obviously note here that it is hard to see and we may want to be able to zoom in (which we can do on </a:t>
+            </a:r>
+            <a:r>
+              <a:rPr lang="en-US" dirty="0" err="1"/>
+              <a:t>powerpoint</a:t>
+            </a:r>
+            <a:r>
+              <a:rPr lang="en-US" dirty="0"/>
+              <a:t> during presentation with zoom scroll)</a:t>
+            </a:r>
+          </a:p>
+          <a:p>
+            <a:r>
+              <a:rPr lang="en-US" dirty="0"/>
+              <a:t>We can probably find some useful/interesting information here (not from the visual, but the object itself? We’ll search the option)</a:t>
+            </a:r>
+          </a:p>
+        </p:txBody>
+      </p:sp>
+      <p:sp>
+        <p:nvSpPr>
+          <p:cNvPr id="4" name="Slide Number Placeholder 3"/>
+          <p:cNvSpPr>
+            <a:spLocks noGrp="1"/>
+          </p:cNvSpPr>
+          <p:nvPr>
+            <p:ph type="sldNum" sz="quarter" idx="5"/>
+          </p:nvPr>
+        </p:nvSpPr>
+        <p:spPr/>
+        <p:txBody>
+          <a:bodyPr/>
+          <a:lstStyle/>
+          <a:p>
+            <a:fld id="{AD5626E2-2610-4C9D-BC89-683A39B60E2D}" type="slidenum">
+              <a:rPr lang="en-US" smtClean="0"/>
+              <a:t>19</a:t>
+            </a:fld>
+            <a:endParaRPr lang="en-US"/>
+          </a:p>
+        </p:txBody>
+      </p:sp>
+    </p:spTree>
+    <p:extLst>
+      <p:ext uri="{BB962C8B-B14F-4D97-AF65-F5344CB8AC3E}">
+        <p14:creationId xmlns:p14="http://schemas.microsoft.com/office/powerpoint/2010/main" val="1520410352"/>
+      </p:ext>
+    </p:extLst>
+  </p:cSld>
+  <p:clrMapOvr>
+    <a:masterClrMapping/>
+  </p:clrMapOvr>
+</p:notes>
+</file>
+
+<file path=ppt/notesSlides/notesSlide8.xml><?xml version="1.0" encoding="utf-8"?>
+<p:notes xmlns:a="http://schemas.openxmlformats.org/drawingml/2006/main" xmlns:r="http://schemas.openxmlformats.org/officeDocument/2006/relationships" xmlns:p="http://schemas.openxmlformats.org/presentationml/2006/main">
+  <p:cSld>
+    <p:spTree>
+      <p:nvGrpSpPr>
+        <p:cNvPr id="1" name=""/>
+        <p:cNvGrpSpPr/>
+        <p:nvPr/>
+      </p:nvGrpSpPr>
+      <p:grpSpPr>
+        <a:xfrm>
+          <a:off x="0" y="0"/>
+          <a:ext cx="0" cy="0"/>
+          <a:chOff x="0" y="0"/>
+          <a:chExt cx="0" cy="0"/>
+        </a:xfrm>
+      </p:grpSpPr>
+      <p:sp>
+        <p:nvSpPr>
+          <p:cNvPr id="2" name="Slide Image Placeholder 1"/>
+          <p:cNvSpPr>
+            <a:spLocks noGrp="1" noRot="1" noChangeAspect="1"/>
+          </p:cNvSpPr>
+          <p:nvPr>
+            <p:ph type="sldImg"/>
+          </p:nvPr>
+        </p:nvSpPr>
+        <p:spPr/>
+      </p:sp>
+      <p:sp>
+        <p:nvSpPr>
+          <p:cNvPr id="3" name="Notes Placeholder 2"/>
+          <p:cNvSpPr>
+            <a:spLocks noGrp="1"/>
+          </p:cNvSpPr>
+          <p:nvPr>
+            <p:ph type="body" idx="1"/>
+          </p:nvPr>
+        </p:nvSpPr>
+        <p:spPr/>
+        <p:txBody>
+          <a:bodyPr/>
+          <a:lstStyle/>
+          <a:p>
             <a:pPr marL="171450" indent="-171450">
               <a:buFontTx/>
               <a:buChar char="-"/>
@@ -1965,7 +2264,7 @@
           <a:p>
             <a:fld id="{AD5626E2-2610-4C9D-BC89-683A39B60E2D}" type="slidenum">
               <a:rPr lang="en-US" smtClean="0"/>
-              <a:t>16</a:t>
+              <a:t>22</a:t>
             </a:fld>
             <a:endParaRPr lang="en-US"/>
           </a:p>
@@ -2131,7 +2430,7 @@
           <a:p>
             <a:fld id="{D4A2563E-A08D-469B-B07B-FA0E4BE6DF5B}" type="datetimeFigureOut">
               <a:rPr lang="en-US" smtClean="0"/>
-              <a:t>27-Apr-20</a:t>
+              <a:t>28-Apr-20</a:t>
             </a:fld>
             <a:endParaRPr lang="en-US"/>
           </a:p>
@@ -2329,7 +2628,7 @@
           <a:p>
             <a:fld id="{D4A2563E-A08D-469B-B07B-FA0E4BE6DF5B}" type="datetimeFigureOut">
               <a:rPr lang="en-US" smtClean="0"/>
-              <a:t>27-Apr-20</a:t>
+              <a:t>28-Apr-20</a:t>
             </a:fld>
             <a:endParaRPr lang="en-US"/>
           </a:p>
@@ -2537,7 +2836,7 @@
           <a:p>
             <a:fld id="{D4A2563E-A08D-469B-B07B-FA0E4BE6DF5B}" type="datetimeFigureOut">
               <a:rPr lang="en-US" smtClean="0"/>
-              <a:t>27-Apr-20</a:t>
+              <a:t>28-Apr-20</a:t>
             </a:fld>
             <a:endParaRPr lang="en-US"/>
           </a:p>
@@ -2735,7 +3034,7 @@
           <a:p>
             <a:fld id="{D4A2563E-A08D-469B-B07B-FA0E4BE6DF5B}" type="datetimeFigureOut">
               <a:rPr lang="en-US" smtClean="0"/>
-              <a:t>27-Apr-20</a:t>
+              <a:t>28-Apr-20</a:t>
             </a:fld>
             <a:endParaRPr lang="en-US"/>
           </a:p>
@@ -3010,7 +3309,7 @@
           <a:p>
             <a:fld id="{D4A2563E-A08D-469B-B07B-FA0E4BE6DF5B}" type="datetimeFigureOut">
               <a:rPr lang="en-US" smtClean="0"/>
-              <a:t>27-Apr-20</a:t>
+              <a:t>28-Apr-20</a:t>
             </a:fld>
             <a:endParaRPr lang="en-US"/>
           </a:p>
@@ -3275,7 +3574,7 @@
           <a:p>
             <a:fld id="{D4A2563E-A08D-469B-B07B-FA0E4BE6DF5B}" type="datetimeFigureOut">
               <a:rPr lang="en-US" smtClean="0"/>
-              <a:t>27-Apr-20</a:t>
+              <a:t>28-Apr-20</a:t>
             </a:fld>
             <a:endParaRPr lang="en-US"/>
           </a:p>
@@ -3687,7 +3986,7 @@
           <a:p>
             <a:fld id="{D4A2563E-A08D-469B-B07B-FA0E4BE6DF5B}" type="datetimeFigureOut">
               <a:rPr lang="en-US" smtClean="0"/>
-              <a:t>27-Apr-20</a:t>
+              <a:t>28-Apr-20</a:t>
             </a:fld>
             <a:endParaRPr lang="en-US"/>
           </a:p>
@@ -3828,7 +4127,7 @@
           <a:p>
             <a:fld id="{D4A2563E-A08D-469B-B07B-FA0E4BE6DF5B}" type="datetimeFigureOut">
               <a:rPr lang="en-US" smtClean="0"/>
-              <a:t>27-Apr-20</a:t>
+              <a:t>28-Apr-20</a:t>
             </a:fld>
             <a:endParaRPr lang="en-US"/>
           </a:p>
@@ -3941,7 +4240,7 @@
           <a:p>
             <a:fld id="{D4A2563E-A08D-469B-B07B-FA0E4BE6DF5B}" type="datetimeFigureOut">
               <a:rPr lang="en-US" smtClean="0"/>
-              <a:t>27-Apr-20</a:t>
+              <a:t>28-Apr-20</a:t>
             </a:fld>
             <a:endParaRPr lang="en-US"/>
           </a:p>
@@ -4252,7 +4551,7 @@
           <a:p>
             <a:fld id="{D4A2563E-A08D-469B-B07B-FA0E4BE6DF5B}" type="datetimeFigureOut">
               <a:rPr lang="en-US" smtClean="0"/>
-              <a:t>27-Apr-20</a:t>
+              <a:t>28-Apr-20</a:t>
             </a:fld>
             <a:endParaRPr lang="en-US"/>
           </a:p>
@@ -4540,7 +4839,7 @@
           <a:p>
             <a:fld id="{D4A2563E-A08D-469B-B07B-FA0E4BE6DF5B}" type="datetimeFigureOut">
               <a:rPr lang="en-US" smtClean="0"/>
-              <a:t>27-Apr-20</a:t>
+              <a:t>28-Apr-20</a:t>
             </a:fld>
             <a:endParaRPr lang="en-US"/>
           </a:p>
@@ -4781,7 +5080,7 @@
           <a:p>
             <a:fld id="{D4A2563E-A08D-469B-B07B-FA0E4BE6DF5B}" type="datetimeFigureOut">
               <a:rPr lang="en-US" smtClean="0"/>
-              <a:t>27-Apr-20</a:t>
+              <a:t>28-Apr-20</a:t>
             </a:fld>
             <a:endParaRPr lang="en-US"/>
           </a:p>
@@ -5500,6 +5799,465 @@
           <a:chExt cx="0" cy="0"/>
         </a:xfrm>
       </p:grpSpPr>
+      <p:pic>
+        <p:nvPicPr>
+          <p:cNvPr id="6" name="Content Placeholder 5">
+            <a:extLst>
+              <a:ext uri="{FF2B5EF4-FFF2-40B4-BE49-F238E27FC236}">
+                <a16:creationId xmlns:a16="http://schemas.microsoft.com/office/drawing/2014/main" id="{DAA96176-08AE-4AE2-B36E-9267F59D2258}"/>
+              </a:ext>
+            </a:extLst>
+          </p:cNvPr>
+          <p:cNvPicPr>
+            <a:picLocks noGrp="1" noChangeAspect="1"/>
+          </p:cNvPicPr>
+          <p:nvPr>
+            <p:ph idx="1"/>
+          </p:nvPr>
+        </p:nvPicPr>
+        <p:blipFill>
+          <a:blip r:embed="rId2">
+            <a:extLst>
+              <a:ext uri="{28A0092B-C50C-407E-A947-70E740481C1C}">
+                <a14:useLocalDpi xmlns:a14="http://schemas.microsoft.com/office/drawing/2010/main" val="0"/>
+              </a:ext>
+            </a:extLst>
+          </a:blip>
+          <a:stretch>
+            <a:fillRect/>
+          </a:stretch>
+        </p:blipFill>
+        <p:spPr>
+          <a:xfrm>
+            <a:off x="1524000" y="0"/>
+            <a:ext cx="9144000" cy="6858000"/>
+          </a:xfrm>
+        </p:spPr>
+      </p:pic>
+      <p:sp>
+        <p:nvSpPr>
+          <p:cNvPr id="2" name="Title 1">
+            <a:extLst>
+              <a:ext uri="{FF2B5EF4-FFF2-40B4-BE49-F238E27FC236}">
+                <a16:creationId xmlns:a16="http://schemas.microsoft.com/office/drawing/2014/main" id="{668D6619-A46F-476F-B4D7-A54B23F695DE}"/>
+              </a:ext>
+            </a:extLst>
+          </p:cNvPr>
+          <p:cNvSpPr>
+            <a:spLocks noGrp="1"/>
+          </p:cNvSpPr>
+          <p:nvPr>
+            <p:ph type="title"/>
+          </p:nvPr>
+        </p:nvSpPr>
+        <p:spPr/>
+        <p:txBody>
+          <a:bodyPr/>
+          <a:lstStyle/>
+          <a:p>
+            <a:r>
+              <a:rPr lang="en-US" dirty="0"/>
+              <a:t>P1&amp;P2</a:t>
+            </a:r>
+          </a:p>
+        </p:txBody>
+      </p:sp>
+      <p:pic>
+        <p:nvPicPr>
+          <p:cNvPr id="4" name="Picture 3">
+            <a:extLst>
+              <a:ext uri="{FF2B5EF4-FFF2-40B4-BE49-F238E27FC236}">
+                <a16:creationId xmlns:a16="http://schemas.microsoft.com/office/drawing/2014/main" id="{A30376A3-51E1-468E-8130-976463CBAA07}"/>
+              </a:ext>
+            </a:extLst>
+          </p:cNvPr>
+          <p:cNvPicPr>
+            <a:picLocks noChangeAspect="1"/>
+          </p:cNvPicPr>
+          <p:nvPr/>
+        </p:nvPicPr>
+        <p:blipFill>
+          <a:blip r:embed="rId3">
+            <a:extLst>
+              <a:ext uri="{28A0092B-C50C-407E-A947-70E740481C1C}">
+                <a14:useLocalDpi xmlns:a14="http://schemas.microsoft.com/office/drawing/2010/main" val="0"/>
+              </a:ext>
+            </a:extLst>
+          </a:blip>
+          <a:stretch>
+            <a:fillRect/>
+          </a:stretch>
+        </p:blipFill>
+        <p:spPr>
+          <a:xfrm>
+            <a:off x="3281681" y="2279333"/>
+            <a:ext cx="3271520" cy="2453640"/>
+          </a:xfrm>
+          <a:prstGeom prst="rect">
+            <a:avLst/>
+          </a:prstGeom>
+        </p:spPr>
+      </p:pic>
+    </p:spTree>
+    <p:extLst>
+      <p:ext uri="{BB962C8B-B14F-4D97-AF65-F5344CB8AC3E}">
+        <p14:creationId xmlns:p14="http://schemas.microsoft.com/office/powerpoint/2010/main" val="3609795948"/>
+      </p:ext>
+    </p:extLst>
+  </p:cSld>
+  <p:clrMapOvr>
+    <a:masterClrMapping/>
+  </p:clrMapOvr>
+</p:sld>
+</file>
+
+<file path=ppt/slides/slide13.xml><?xml version="1.0" encoding="utf-8"?>
+<p:sld xmlns:a="http://schemas.openxmlformats.org/drawingml/2006/main" xmlns:r="http://schemas.openxmlformats.org/officeDocument/2006/relationships" xmlns:p="http://schemas.openxmlformats.org/presentationml/2006/main">
+  <p:cSld>
+    <p:spTree>
+      <p:nvGrpSpPr>
+        <p:cNvPr id="1" name=""/>
+        <p:cNvGrpSpPr/>
+        <p:nvPr/>
+      </p:nvGrpSpPr>
+      <p:grpSpPr>
+        <a:xfrm>
+          <a:off x="0" y="0"/>
+          <a:ext cx="0" cy="0"/>
+          <a:chOff x="0" y="0"/>
+          <a:chExt cx="0" cy="0"/>
+        </a:xfrm>
+      </p:grpSpPr>
+      <p:pic>
+        <p:nvPicPr>
+          <p:cNvPr id="6" name="Content Placeholder 5">
+            <a:extLst>
+              <a:ext uri="{FF2B5EF4-FFF2-40B4-BE49-F238E27FC236}">
+                <a16:creationId xmlns:a16="http://schemas.microsoft.com/office/drawing/2014/main" id="{DAA96176-08AE-4AE2-B36E-9267F59D2258}"/>
+              </a:ext>
+            </a:extLst>
+          </p:cNvPr>
+          <p:cNvPicPr>
+            <a:picLocks noGrp="1" noChangeAspect="1"/>
+          </p:cNvPicPr>
+          <p:nvPr>
+            <p:ph idx="1"/>
+          </p:nvPr>
+        </p:nvPicPr>
+        <p:blipFill>
+          <a:blip r:embed="rId3">
+            <a:extLst>
+              <a:ext uri="{28A0092B-C50C-407E-A947-70E740481C1C}">
+                <a14:useLocalDpi xmlns:a14="http://schemas.microsoft.com/office/drawing/2010/main" val="0"/>
+              </a:ext>
+            </a:extLst>
+          </a:blip>
+          <a:stretch>
+            <a:fillRect/>
+          </a:stretch>
+        </p:blipFill>
+        <p:spPr>
+          <a:xfrm>
+            <a:off x="1524000" y="0"/>
+            <a:ext cx="9144000" cy="6858000"/>
+          </a:xfrm>
+        </p:spPr>
+      </p:pic>
+      <p:sp>
+        <p:nvSpPr>
+          <p:cNvPr id="2" name="Title 1">
+            <a:extLst>
+              <a:ext uri="{FF2B5EF4-FFF2-40B4-BE49-F238E27FC236}">
+                <a16:creationId xmlns:a16="http://schemas.microsoft.com/office/drawing/2014/main" id="{668D6619-A46F-476F-B4D7-A54B23F695DE}"/>
+              </a:ext>
+            </a:extLst>
+          </p:cNvPr>
+          <p:cNvSpPr>
+            <a:spLocks noGrp="1"/>
+          </p:cNvSpPr>
+          <p:nvPr>
+            <p:ph type="title"/>
+          </p:nvPr>
+        </p:nvSpPr>
+        <p:spPr/>
+        <p:txBody>
+          <a:bodyPr/>
+          <a:lstStyle/>
+          <a:p>
+            <a:r>
+              <a:rPr lang="en-US" dirty="0"/>
+              <a:t>P1&amp;P2</a:t>
+            </a:r>
+          </a:p>
+        </p:txBody>
+      </p:sp>
+      <p:pic>
+        <p:nvPicPr>
+          <p:cNvPr id="4" name="Picture 3">
+            <a:extLst>
+              <a:ext uri="{FF2B5EF4-FFF2-40B4-BE49-F238E27FC236}">
+                <a16:creationId xmlns:a16="http://schemas.microsoft.com/office/drawing/2014/main" id="{A30376A3-51E1-468E-8130-976463CBAA07}"/>
+              </a:ext>
+            </a:extLst>
+          </p:cNvPr>
+          <p:cNvPicPr>
+            <a:picLocks noChangeAspect="1"/>
+          </p:cNvPicPr>
+          <p:nvPr/>
+        </p:nvPicPr>
+        <p:blipFill>
+          <a:blip r:embed="rId4">
+            <a:extLst>
+              <a:ext uri="{28A0092B-C50C-407E-A947-70E740481C1C}">
+                <a14:useLocalDpi xmlns:a14="http://schemas.microsoft.com/office/drawing/2010/main" val="0"/>
+              </a:ext>
+            </a:extLst>
+          </a:blip>
+          <a:stretch>
+            <a:fillRect/>
+          </a:stretch>
+        </p:blipFill>
+        <p:spPr>
+          <a:xfrm>
+            <a:off x="3281681" y="2279333"/>
+            <a:ext cx="3271520" cy="2453640"/>
+          </a:xfrm>
+          <a:prstGeom prst="rect">
+            <a:avLst/>
+          </a:prstGeom>
+        </p:spPr>
+      </p:pic>
+      <p:pic>
+        <p:nvPicPr>
+          <p:cNvPr id="5" name="Picture 4">
+            <a:extLst>
+              <a:ext uri="{FF2B5EF4-FFF2-40B4-BE49-F238E27FC236}">
+                <a16:creationId xmlns:a16="http://schemas.microsoft.com/office/drawing/2014/main" id="{B47AD165-DABC-451E-9146-6458B56256BF}"/>
+              </a:ext>
+            </a:extLst>
+          </p:cNvPr>
+          <p:cNvPicPr>
+            <a:picLocks noChangeAspect="1"/>
+          </p:cNvPicPr>
+          <p:nvPr/>
+        </p:nvPicPr>
+        <p:blipFill>
+          <a:blip r:embed="rId4">
+            <a:extLst>
+              <a:ext uri="{28A0092B-C50C-407E-A947-70E740481C1C}">
+                <a14:useLocalDpi xmlns:a14="http://schemas.microsoft.com/office/drawing/2010/main" val="0"/>
+              </a:ext>
+            </a:extLst>
+          </a:blip>
+          <a:stretch>
+            <a:fillRect/>
+          </a:stretch>
+        </p:blipFill>
+        <p:spPr>
+          <a:xfrm>
+            <a:off x="8310882" y="1893253"/>
+            <a:ext cx="3271520" cy="2453640"/>
+          </a:xfrm>
+          <a:prstGeom prst="rect">
+            <a:avLst/>
+          </a:prstGeom>
+        </p:spPr>
+      </p:pic>
+    </p:spTree>
+    <p:extLst>
+      <p:ext uri="{BB962C8B-B14F-4D97-AF65-F5344CB8AC3E}">
+        <p14:creationId xmlns:p14="http://schemas.microsoft.com/office/powerpoint/2010/main" val="1481078179"/>
+      </p:ext>
+    </p:extLst>
+  </p:cSld>
+  <p:clrMapOvr>
+    <a:masterClrMapping/>
+  </p:clrMapOvr>
+</p:sld>
+</file>
+
+<file path=ppt/slides/slide14.xml><?xml version="1.0" encoding="utf-8"?>
+<p:sld xmlns:a="http://schemas.openxmlformats.org/drawingml/2006/main" xmlns:r="http://schemas.openxmlformats.org/officeDocument/2006/relationships" xmlns:p="http://schemas.openxmlformats.org/presentationml/2006/main">
+  <p:cSld>
+    <p:spTree>
+      <p:nvGrpSpPr>
+        <p:cNvPr id="1" name=""/>
+        <p:cNvGrpSpPr/>
+        <p:nvPr/>
+      </p:nvGrpSpPr>
+      <p:grpSpPr>
+        <a:xfrm>
+          <a:off x="0" y="0"/>
+          <a:ext cx="0" cy="0"/>
+          <a:chOff x="0" y="0"/>
+          <a:chExt cx="0" cy="0"/>
+        </a:xfrm>
+      </p:grpSpPr>
+      <p:pic>
+        <p:nvPicPr>
+          <p:cNvPr id="6" name="Content Placeholder 5">
+            <a:extLst>
+              <a:ext uri="{FF2B5EF4-FFF2-40B4-BE49-F238E27FC236}">
+                <a16:creationId xmlns:a16="http://schemas.microsoft.com/office/drawing/2014/main" id="{DAA96176-08AE-4AE2-B36E-9267F59D2258}"/>
+              </a:ext>
+            </a:extLst>
+          </p:cNvPr>
+          <p:cNvPicPr>
+            <a:picLocks noGrp="1" noChangeAspect="1"/>
+          </p:cNvPicPr>
+          <p:nvPr>
+            <p:ph idx="1"/>
+          </p:nvPr>
+        </p:nvPicPr>
+        <p:blipFill>
+          <a:blip r:embed="rId3">
+            <a:extLst>
+              <a:ext uri="{28A0092B-C50C-407E-A947-70E740481C1C}">
+                <a14:useLocalDpi xmlns:a14="http://schemas.microsoft.com/office/drawing/2010/main" val="0"/>
+              </a:ext>
+            </a:extLst>
+          </a:blip>
+          <a:stretch>
+            <a:fillRect/>
+          </a:stretch>
+        </p:blipFill>
+        <p:spPr>
+          <a:xfrm>
+            <a:off x="1524000" y="0"/>
+            <a:ext cx="9144000" cy="6858000"/>
+          </a:xfrm>
+        </p:spPr>
+      </p:pic>
+      <p:sp>
+        <p:nvSpPr>
+          <p:cNvPr id="2" name="Title 1">
+            <a:extLst>
+              <a:ext uri="{FF2B5EF4-FFF2-40B4-BE49-F238E27FC236}">
+                <a16:creationId xmlns:a16="http://schemas.microsoft.com/office/drawing/2014/main" id="{668D6619-A46F-476F-B4D7-A54B23F695DE}"/>
+              </a:ext>
+            </a:extLst>
+          </p:cNvPr>
+          <p:cNvSpPr>
+            <a:spLocks noGrp="1"/>
+          </p:cNvSpPr>
+          <p:nvPr>
+            <p:ph type="title"/>
+          </p:nvPr>
+        </p:nvSpPr>
+        <p:spPr/>
+        <p:txBody>
+          <a:bodyPr/>
+          <a:lstStyle/>
+          <a:p>
+            <a:r>
+              <a:rPr lang="en-US" dirty="0"/>
+              <a:t>P1&amp;P2</a:t>
+            </a:r>
+          </a:p>
+        </p:txBody>
+      </p:sp>
+      <p:pic>
+        <p:nvPicPr>
+          <p:cNvPr id="4" name="Picture 3">
+            <a:extLst>
+              <a:ext uri="{FF2B5EF4-FFF2-40B4-BE49-F238E27FC236}">
+                <a16:creationId xmlns:a16="http://schemas.microsoft.com/office/drawing/2014/main" id="{A30376A3-51E1-468E-8130-976463CBAA07}"/>
+              </a:ext>
+            </a:extLst>
+          </p:cNvPr>
+          <p:cNvPicPr>
+            <a:picLocks noChangeAspect="1"/>
+          </p:cNvPicPr>
+          <p:nvPr/>
+        </p:nvPicPr>
+        <p:blipFill>
+          <a:blip r:embed="rId4">
+            <a:extLst>
+              <a:ext uri="{28A0092B-C50C-407E-A947-70E740481C1C}">
+                <a14:useLocalDpi xmlns:a14="http://schemas.microsoft.com/office/drawing/2010/main" val="0"/>
+              </a:ext>
+            </a:extLst>
+          </a:blip>
+          <a:stretch>
+            <a:fillRect/>
+          </a:stretch>
+        </p:blipFill>
+        <p:spPr>
+          <a:xfrm>
+            <a:off x="4124960" y="-198914"/>
+            <a:ext cx="3271520" cy="2453640"/>
+          </a:xfrm>
+          <a:prstGeom prst="rect">
+            <a:avLst/>
+          </a:prstGeom>
+        </p:spPr>
+      </p:pic>
+      <p:pic>
+        <p:nvPicPr>
+          <p:cNvPr id="5" name="Picture 4">
+            <a:extLst>
+              <a:ext uri="{FF2B5EF4-FFF2-40B4-BE49-F238E27FC236}">
+                <a16:creationId xmlns:a16="http://schemas.microsoft.com/office/drawing/2014/main" id="{B47AD165-DABC-451E-9146-6458B56256BF}"/>
+              </a:ext>
+            </a:extLst>
+          </p:cNvPr>
+          <p:cNvPicPr>
+            <a:picLocks noChangeAspect="1"/>
+          </p:cNvPicPr>
+          <p:nvPr/>
+        </p:nvPicPr>
+        <p:blipFill>
+          <a:blip r:embed="rId4">
+            <a:extLst>
+              <a:ext uri="{28A0092B-C50C-407E-A947-70E740481C1C}">
+                <a14:useLocalDpi xmlns:a14="http://schemas.microsoft.com/office/drawing/2010/main" val="0"/>
+              </a:ext>
+            </a:extLst>
+          </a:blip>
+          <a:stretch>
+            <a:fillRect/>
+          </a:stretch>
+        </p:blipFill>
+        <p:spPr>
+          <a:xfrm>
+            <a:off x="4937762" y="4331653"/>
+            <a:ext cx="3271520" cy="2453640"/>
+          </a:xfrm>
+          <a:prstGeom prst="rect">
+            <a:avLst/>
+          </a:prstGeom>
+        </p:spPr>
+      </p:pic>
+    </p:spTree>
+    <p:extLst>
+      <p:ext uri="{BB962C8B-B14F-4D97-AF65-F5344CB8AC3E}">
+        <p14:creationId xmlns:p14="http://schemas.microsoft.com/office/powerpoint/2010/main" val="2012101163"/>
+      </p:ext>
+    </p:extLst>
+  </p:cSld>
+  <p:clrMapOvr>
+    <a:masterClrMapping/>
+  </p:clrMapOvr>
+</p:sld>
+</file>
+
+<file path=ppt/slides/slide15.xml><?xml version="1.0" encoding="utf-8"?>
+<p:sld xmlns:a="http://schemas.openxmlformats.org/drawingml/2006/main" xmlns:r="http://schemas.openxmlformats.org/officeDocument/2006/relationships" xmlns:p="http://schemas.openxmlformats.org/presentationml/2006/main">
+  <p:cSld>
+    <p:spTree>
+      <p:nvGrpSpPr>
+        <p:cNvPr id="1" name=""/>
+        <p:cNvGrpSpPr/>
+        <p:nvPr/>
+      </p:nvGrpSpPr>
+      <p:grpSpPr>
+        <a:xfrm>
+          <a:off x="0" y="0"/>
+          <a:ext cx="0" cy="0"/>
+          <a:chOff x="0" y="0"/>
+          <a:chExt cx="0" cy="0"/>
+        </a:xfrm>
+      </p:grpSpPr>
       <p:sp>
         <p:nvSpPr>
           <p:cNvPr id="2" name="Title 1">
@@ -5613,7 +6371,7 @@
 </p:sld>
 </file>
 
-<file path=ppt/slides/slide13.xml><?xml version="1.0" encoding="utf-8"?>
+<file path=ppt/slides/slide16.xml><?xml version="1.0" encoding="utf-8"?>
 <p:sld xmlns:a="http://schemas.openxmlformats.org/drawingml/2006/main" xmlns:r="http://schemas.openxmlformats.org/officeDocument/2006/relationships" xmlns:p="http://schemas.openxmlformats.org/presentationml/2006/main">
   <p:cSld>
     <p:spTree>
@@ -5720,7 +6478,7 @@
 </p:sld>
 </file>
 
-<file path=ppt/slides/slide14.xml><?xml version="1.0" encoding="utf-8"?>
+<file path=ppt/slides/slide17.xml><?xml version="1.0" encoding="utf-8"?>
 <p:sld xmlns:a="http://schemas.openxmlformats.org/drawingml/2006/main" xmlns:r="http://schemas.openxmlformats.org/officeDocument/2006/relationships" xmlns:p="http://schemas.openxmlformats.org/presentationml/2006/main">
   <p:cSld>
     <p:spTree>
@@ -5827,7 +6585,7 @@
 </p:sld>
 </file>
 
-<file path=ppt/slides/slide15.xml><?xml version="1.0" encoding="utf-8"?>
+<file path=ppt/slides/slide18.xml><?xml version="1.0" encoding="utf-8"?>
 <p:sld xmlns:a="http://schemas.openxmlformats.org/drawingml/2006/main" xmlns:r="http://schemas.openxmlformats.org/officeDocument/2006/relationships" xmlns:p="http://schemas.openxmlformats.org/presentationml/2006/main">
   <p:cSld>
     <p:spTree>
@@ -5957,7 +6715,7 @@
 </p:sld>
 </file>
 
-<file path=ppt/slides/slide16.xml><?xml version="1.0" encoding="utf-8"?>
+<file path=ppt/slides/slide19.xml><?xml version="1.0" encoding="utf-8"?>
 <p:sld xmlns:a="http://schemas.openxmlformats.org/drawingml/2006/main" xmlns:r="http://schemas.openxmlformats.org/officeDocument/2006/relationships" xmlns:p="http://schemas.openxmlformats.org/presentationml/2006/main">
   <p:cSld>
     <p:spTree>
@@ -5979,7 +6737,7 @@
           <p:cNvPr id="2" name="Title 1">
             <a:extLst>
               <a:ext uri="{FF2B5EF4-FFF2-40B4-BE49-F238E27FC236}">
-                <a16:creationId xmlns:a16="http://schemas.microsoft.com/office/drawing/2014/main" id="{7CBC7A49-B28C-41F5-8A82-ADCFFD1D12A0}"/>
+                <a16:creationId xmlns:a16="http://schemas.microsoft.com/office/drawing/2014/main" id="{8EA4D6F2-C22E-46C0-B696-49BADD301CF1}"/>
               </a:ext>
             </a:extLst>
           </p:cNvPr>
@@ -5997,477 +6755,159 @@
           <a:p>
             <a:r>
               <a:rPr lang="en-US" dirty="0"/>
-              <a:t>Libraries and tools</a:t>
-            </a:r>
-          </a:p>
-        </p:txBody>
-      </p:sp>
-      <p:sp>
-        <p:nvSpPr>
-          <p:cNvPr id="4" name="Text Placeholder 3">
-            <a:extLst>
-              <a:ext uri="{FF2B5EF4-FFF2-40B4-BE49-F238E27FC236}">
-                <a16:creationId xmlns:a16="http://schemas.microsoft.com/office/drawing/2014/main" id="{C6A038A2-1A1B-4829-91EE-C92436358D64}"/>
-              </a:ext>
-            </a:extLst>
-          </p:cNvPr>
-          <p:cNvSpPr>
-            <a:spLocks noGrp="1"/>
-          </p:cNvSpPr>
-          <p:nvPr>
-            <p:ph type="body" idx="1"/>
-          </p:nvPr>
-        </p:nvSpPr>
+              <a:t>PM4Py</a:t>
+            </a:r>
+          </a:p>
+        </p:txBody>
+      </p:sp>
+      <p:sp>
+        <p:nvSpPr>
+          <p:cNvPr id="3" name="Content Placeholder 2">
+            <a:extLst>
+              <a:ext uri="{FF2B5EF4-FFF2-40B4-BE49-F238E27FC236}">
+                <a16:creationId xmlns:a16="http://schemas.microsoft.com/office/drawing/2014/main" id="{F7A8A363-C9CC-44F3-951C-DB5526F72D23}"/>
+              </a:ext>
+            </a:extLst>
+          </p:cNvPr>
+          <p:cNvSpPr>
+            <a:spLocks noGrp="1"/>
+          </p:cNvSpPr>
+          <p:nvPr>
+            <p:ph idx="1"/>
+          </p:nvPr>
+        </p:nvSpPr>
+        <p:spPr/>
+        <p:txBody>
+          <a:bodyPr/>
+          <a:lstStyle/>
+          <a:p>
+            <a:endParaRPr lang="en-US"/>
+          </a:p>
+        </p:txBody>
+      </p:sp>
+      <p:pic>
+        <p:nvPicPr>
+          <p:cNvPr id="3074" name="Picture 2">
+            <a:extLst>
+              <a:ext uri="{FF2B5EF4-FFF2-40B4-BE49-F238E27FC236}">
+                <a16:creationId xmlns:a16="http://schemas.microsoft.com/office/drawing/2014/main" id="{2A847E2B-D470-450E-A8FE-9A4B685F5E64}"/>
+              </a:ext>
+            </a:extLst>
+          </p:cNvPr>
+          <p:cNvPicPr>
+            <a:picLocks noChangeAspect="1" noChangeArrowheads="1"/>
+          </p:cNvPicPr>
+          <p:nvPr/>
+        </p:nvPicPr>
+        <p:blipFill>
+          <a:blip r:embed="rId3">
+            <a:extLst>
+              <a:ext uri="{28A0092B-C50C-407E-A947-70E740481C1C}">
+                <a14:useLocalDpi xmlns:a14="http://schemas.microsoft.com/office/drawing/2010/main" val="0"/>
+              </a:ext>
+            </a:extLst>
+          </a:blip>
+          <a:srcRect/>
+          <a:stretch>
+            <a:fillRect/>
+          </a:stretch>
+        </p:blipFill>
+        <p:spPr bwMode="auto">
+          <a:xfrm>
+            <a:off x="121920" y="2199180"/>
+            <a:ext cx="11948160" cy="2459640"/>
+          </a:xfrm>
+          <a:prstGeom prst="rect">
+            <a:avLst/>
+          </a:prstGeom>
+          <a:noFill/>
+          <a:extLst>
+            <a:ext uri="{909E8E84-426E-40DD-AFC4-6F175D3DCCD1}">
+              <a14:hiddenFill xmlns:a14="http://schemas.microsoft.com/office/drawing/2010/main">
+                <a:solidFill>
+                  <a:srgbClr val="FFFFFF"/>
+                </a:solidFill>
+              </a14:hiddenFill>
+            </a:ext>
+          </a:extLst>
+        </p:spPr>
+      </p:pic>
+      <p:pic>
+        <p:nvPicPr>
+          <p:cNvPr id="7" name="Picture 6">
+            <a:extLst>
+              <a:ext uri="{FF2B5EF4-FFF2-40B4-BE49-F238E27FC236}">
+                <a16:creationId xmlns:a16="http://schemas.microsoft.com/office/drawing/2014/main" id="{2D02A24C-59DF-479A-B362-C08DD075A780}"/>
+              </a:ext>
+            </a:extLst>
+          </p:cNvPr>
+          <p:cNvPicPr>
+            <a:picLocks noChangeAspect="1"/>
+          </p:cNvPicPr>
+          <p:nvPr/>
+        </p:nvPicPr>
+        <p:blipFill>
+          <a:blip r:embed="rId4">
+            <a:extLst>
+              <a:ext uri="{28A0092B-C50C-407E-A947-70E740481C1C}">
+                <a14:useLocalDpi xmlns:a14="http://schemas.microsoft.com/office/drawing/2010/main" val="0"/>
+              </a:ext>
+            </a:extLst>
+          </a:blip>
+          <a:stretch>
+            <a:fillRect/>
+          </a:stretch>
+        </p:blipFill>
         <p:spPr>
           <a:xfrm>
-            <a:off x="839789" y="1585585"/>
-            <a:ext cx="2836666" cy="823912"/>
-          </a:xfrm>
-        </p:spPr>
-        <p:txBody>
-          <a:bodyPr/>
-          <a:lstStyle/>
-          <a:p>
-            <a:r>
-              <a:rPr lang="en-US" dirty="0"/>
-              <a:t>PM4Py</a:t>
-            </a:r>
-          </a:p>
-        </p:txBody>
-      </p:sp>
-      <p:sp>
-        <p:nvSpPr>
-          <p:cNvPr id="3" name="Content Placeholder 2">
-            <a:extLst>
-              <a:ext uri="{FF2B5EF4-FFF2-40B4-BE49-F238E27FC236}">
-                <a16:creationId xmlns:a16="http://schemas.microsoft.com/office/drawing/2014/main" id="{948F69B1-958F-4E68-AF0A-2A3619289B39}"/>
-              </a:ext>
-            </a:extLst>
-          </p:cNvPr>
-          <p:cNvSpPr>
-            <a:spLocks noGrp="1"/>
-          </p:cNvSpPr>
-          <p:nvPr>
-            <p:ph sz="half" idx="2"/>
-          </p:nvPr>
-        </p:nvSpPr>
-        <p:spPr>
-          <a:xfrm>
-            <a:off x="839789" y="2505075"/>
-            <a:ext cx="2836666" cy="3684588"/>
-          </a:xfrm>
-        </p:spPr>
-        <p:txBody>
-          <a:bodyPr/>
-          <a:lstStyle/>
-          <a:p>
-            <a:r>
-              <a:rPr lang="en-US" sz="2000" dirty="0"/>
-              <a:t>Process Discovery</a:t>
-            </a:r>
-          </a:p>
-          <a:p>
-            <a:r>
-              <a:rPr lang="en-US" sz="2000" dirty="0"/>
-              <a:t>Conformance Checking</a:t>
-            </a:r>
-          </a:p>
-          <a:p>
-            <a:r>
-              <a:rPr lang="en-US" sz="2000" dirty="0"/>
-              <a:t>Process Trees</a:t>
-            </a:r>
-          </a:p>
-          <a:p>
-            <a:r>
-              <a:rPr lang="en-US" sz="2000" dirty="0"/>
-              <a:t>XES, CSV</a:t>
-            </a:r>
-          </a:p>
-          <a:p>
-            <a:r>
-              <a:rPr lang="en-US" sz="2000" dirty="0"/>
-              <a:t>Data Filtering</a:t>
-            </a:r>
-          </a:p>
-          <a:p>
-            <a:r>
-              <a:rPr lang="en-US" sz="2000" dirty="0"/>
-              <a:t>Petri Nets</a:t>
-            </a:r>
-            <a:br>
-              <a:rPr lang="en-US" dirty="0"/>
-            </a:br>
-            <a:endParaRPr lang="en-US" dirty="0"/>
-          </a:p>
-        </p:txBody>
-      </p:sp>
-      <p:sp>
-        <p:nvSpPr>
-          <p:cNvPr id="5" name="Text Placeholder 4">
-            <a:extLst>
-              <a:ext uri="{FF2B5EF4-FFF2-40B4-BE49-F238E27FC236}">
-                <a16:creationId xmlns:a16="http://schemas.microsoft.com/office/drawing/2014/main" id="{F61AA689-3D3A-4DDB-8D7A-D115DA97B488}"/>
-              </a:ext>
-            </a:extLst>
-          </p:cNvPr>
-          <p:cNvSpPr>
-            <a:spLocks noGrp="1"/>
-          </p:cNvSpPr>
-          <p:nvPr>
-            <p:ph type="body" sz="quarter" idx="3"/>
-          </p:nvPr>
-        </p:nvSpPr>
-        <p:spPr>
-          <a:xfrm>
-            <a:off x="3676455" y="1788024"/>
-            <a:ext cx="1649689" cy="619714"/>
-          </a:xfrm>
-        </p:spPr>
-        <p:txBody>
-          <a:bodyPr/>
-          <a:lstStyle/>
-          <a:p>
-            <a:r>
-              <a:rPr lang="en-US" dirty="0" err="1"/>
-              <a:t>ProM</a:t>
-            </a:r>
-            <a:endParaRPr lang="en-US" dirty="0"/>
-          </a:p>
-        </p:txBody>
-      </p:sp>
-      <p:sp>
-        <p:nvSpPr>
-          <p:cNvPr id="6" name="Content Placeholder 5">
-            <a:extLst>
-              <a:ext uri="{FF2B5EF4-FFF2-40B4-BE49-F238E27FC236}">
-                <a16:creationId xmlns:a16="http://schemas.microsoft.com/office/drawing/2014/main" id="{CE803BF0-4140-4610-8FFB-D3012BC40832}"/>
-              </a:ext>
-            </a:extLst>
-          </p:cNvPr>
-          <p:cNvSpPr>
-            <a:spLocks noGrp="1"/>
-          </p:cNvSpPr>
-          <p:nvPr>
-            <p:ph sz="quarter" idx="4"/>
-          </p:nvPr>
-        </p:nvSpPr>
-        <p:spPr>
-          <a:xfrm>
-            <a:off x="3751869" y="2505075"/>
-            <a:ext cx="1649690" cy="3684588"/>
-          </a:xfrm>
-        </p:spPr>
-        <p:txBody>
-          <a:bodyPr>
-            <a:normAutofit/>
-          </a:bodyPr>
-          <a:lstStyle/>
-          <a:p>
-            <a:r>
-              <a:rPr lang="en-US" sz="2000" dirty="0"/>
-              <a:t>Event logs</a:t>
-            </a:r>
-          </a:p>
-          <a:p>
-            <a:r>
-              <a:rPr lang="en-US" sz="2000" dirty="0"/>
-              <a:t>Plugins</a:t>
-            </a:r>
-            <a:br>
-              <a:rPr lang="en-US" sz="2000" dirty="0"/>
-            </a:br>
-            <a:endParaRPr lang="en-US" sz="2000" dirty="0"/>
-          </a:p>
-        </p:txBody>
-      </p:sp>
-      <p:sp>
-        <p:nvSpPr>
-          <p:cNvPr id="7" name="Rectangle 6">
-            <a:extLst>
-              <a:ext uri="{FF2B5EF4-FFF2-40B4-BE49-F238E27FC236}">
-                <a16:creationId xmlns:a16="http://schemas.microsoft.com/office/drawing/2014/main" id="{1A54EB8A-9FAD-4F91-B737-8AAD4D3E48EC}"/>
-              </a:ext>
-            </a:extLst>
-          </p:cNvPr>
-          <p:cNvSpPr/>
-          <p:nvPr/>
-        </p:nvSpPr>
-        <p:spPr>
-          <a:xfrm>
-            <a:off x="5476973" y="2407738"/>
-            <a:ext cx="3038574" cy="2814617"/>
+            <a:off x="6258561" y="3044190"/>
+            <a:ext cx="1026160" cy="769620"/>
           </a:xfrm>
           <a:prstGeom prst="rect">
             <a:avLst/>
           </a:prstGeom>
         </p:spPr>
-        <p:txBody>
-          <a:bodyPr wrap="square">
-            <a:spAutoFit/>
-          </a:bodyPr>
-          <a:lstStyle/>
-          <a:p>
-            <a:pPr marL="285750" indent="-285750">
-              <a:lnSpc>
-                <a:spcPct val="150000"/>
-              </a:lnSpc>
-              <a:buFont typeface="Arial" panose="020B0604020202020204" pitchFamily="34" charset="0"/>
-              <a:buChar char="•"/>
-            </a:pPr>
-            <a:r>
-              <a:rPr lang="en-US" sz="2000" dirty="0"/>
-              <a:t>Creating event logs</a:t>
-            </a:r>
-          </a:p>
-          <a:p>
-            <a:pPr marL="285750" indent="-285750">
-              <a:lnSpc>
-                <a:spcPct val="150000"/>
-              </a:lnSpc>
-              <a:buFont typeface="Arial" panose="020B0604020202020204" pitchFamily="34" charset="0"/>
-              <a:buChar char="•"/>
-            </a:pPr>
-            <a:r>
-              <a:rPr lang="en-US" sz="2000" dirty="0"/>
-              <a:t>Import XES files</a:t>
-            </a:r>
-          </a:p>
-          <a:p>
-            <a:pPr marL="285750" indent="-285750">
-              <a:lnSpc>
-                <a:spcPct val="150000"/>
-              </a:lnSpc>
-              <a:buFont typeface="Arial" panose="020B0604020202020204" pitchFamily="34" charset="0"/>
-              <a:buChar char="•"/>
-            </a:pPr>
-            <a:r>
-              <a:rPr lang="en-US" sz="2000" dirty="0"/>
-              <a:t>Data pre-processing</a:t>
-            </a:r>
-          </a:p>
-          <a:p>
-            <a:pPr marL="285750" indent="-285750">
-              <a:lnSpc>
-                <a:spcPct val="150000"/>
-              </a:lnSpc>
-              <a:buFont typeface="Arial" panose="020B0604020202020204" pitchFamily="34" charset="0"/>
-              <a:buChar char="•"/>
-            </a:pPr>
-            <a:r>
-              <a:rPr lang="en-US" sz="2000" dirty="0"/>
-              <a:t>Exploratory data analysis</a:t>
-            </a:r>
-          </a:p>
-          <a:p>
-            <a:pPr marL="285750" indent="-285750">
-              <a:lnSpc>
-                <a:spcPct val="150000"/>
-              </a:lnSpc>
-              <a:buFont typeface="Arial" panose="020B0604020202020204" pitchFamily="34" charset="0"/>
-              <a:buChar char="•"/>
-            </a:pPr>
-            <a:r>
-              <a:rPr lang="en-US" sz="2000" dirty="0"/>
-              <a:t>Process Discovery</a:t>
-            </a:r>
-          </a:p>
-          <a:p>
-            <a:pPr marL="285750" indent="-285750">
-              <a:lnSpc>
-                <a:spcPct val="150000"/>
-              </a:lnSpc>
-              <a:buFont typeface="Arial" panose="020B0604020202020204" pitchFamily="34" charset="0"/>
-              <a:buChar char="•"/>
-            </a:pPr>
-            <a:r>
-              <a:rPr lang="en-US" sz="2000" dirty="0"/>
-              <a:t>Conformance Checking</a:t>
-            </a:r>
-            <a:endParaRPr lang="en-US" dirty="0"/>
-          </a:p>
-        </p:txBody>
-      </p:sp>
-      <p:sp>
-        <p:nvSpPr>
-          <p:cNvPr id="8" name="Rectangle 7">
-            <a:extLst>
-              <a:ext uri="{FF2B5EF4-FFF2-40B4-BE49-F238E27FC236}">
-                <a16:creationId xmlns:a16="http://schemas.microsoft.com/office/drawing/2014/main" id="{D6FE21E2-A808-4595-A764-1AA9F4004B0B}"/>
-              </a:ext>
-            </a:extLst>
-          </p:cNvPr>
-          <p:cNvSpPr/>
+      </p:pic>
+      <p:pic>
+        <p:nvPicPr>
+          <p:cNvPr id="8" name="Picture 7">
+            <a:extLst>
+              <a:ext uri="{FF2B5EF4-FFF2-40B4-BE49-F238E27FC236}">
+                <a16:creationId xmlns:a16="http://schemas.microsoft.com/office/drawing/2014/main" id="{BBCA2120-2FEE-4AA0-9BE2-85D856891E2E}"/>
+              </a:ext>
+            </a:extLst>
+          </p:cNvPr>
+          <p:cNvPicPr>
+            <a:picLocks noChangeAspect="1"/>
+          </p:cNvPicPr>
           <p:nvPr/>
-        </p:nvSpPr>
+        </p:nvPicPr>
+        <p:blipFill>
+          <a:blip r:embed="rId4">
+            <a:extLst>
+              <a:ext uri="{28A0092B-C50C-407E-A947-70E740481C1C}">
+                <a14:useLocalDpi xmlns:a14="http://schemas.microsoft.com/office/drawing/2010/main" val="0"/>
+              </a:ext>
+            </a:extLst>
+          </a:blip>
+          <a:stretch>
+            <a:fillRect/>
+          </a:stretch>
+        </p:blipFill>
         <p:spPr>
           <a:xfrm>
-            <a:off x="5773916" y="1946073"/>
-            <a:ext cx="1352746" cy="461665"/>
+            <a:off x="9060180" y="2064243"/>
+            <a:ext cx="1026160" cy="769620"/>
           </a:xfrm>
           <a:prstGeom prst="rect">
             <a:avLst/>
           </a:prstGeom>
         </p:spPr>
-        <p:txBody>
-          <a:bodyPr wrap="square">
-            <a:spAutoFit/>
-          </a:bodyPr>
-          <a:lstStyle/>
-          <a:p>
-            <a:r>
-              <a:rPr lang="en-US" sz="2400" b="1" dirty="0" err="1"/>
-              <a:t>bupaR</a:t>
-            </a:r>
-            <a:endParaRPr lang="en-US" dirty="0"/>
-          </a:p>
-        </p:txBody>
-      </p:sp>
-      <p:sp>
-        <p:nvSpPr>
-          <p:cNvPr id="9" name="Rectangle 8">
-            <a:extLst>
-              <a:ext uri="{FF2B5EF4-FFF2-40B4-BE49-F238E27FC236}">
-                <a16:creationId xmlns:a16="http://schemas.microsoft.com/office/drawing/2014/main" id="{5FC43104-6C02-41F1-8D18-B3C02BCEDD1D}"/>
-              </a:ext>
-            </a:extLst>
-          </p:cNvPr>
-          <p:cNvSpPr/>
-          <p:nvPr/>
-        </p:nvSpPr>
-        <p:spPr>
-          <a:xfrm>
-            <a:off x="8707288" y="1946072"/>
-            <a:ext cx="1482265" cy="461665"/>
-          </a:xfrm>
-          <a:prstGeom prst="rect">
-            <a:avLst/>
-          </a:prstGeom>
-        </p:spPr>
-        <p:txBody>
-          <a:bodyPr wrap="none">
-            <a:spAutoFit/>
-          </a:bodyPr>
-          <a:lstStyle/>
-          <a:p>
-            <a:r>
-              <a:rPr lang="en-US" sz="2400" b="1" dirty="0" err="1"/>
-              <a:t>Apromore</a:t>
-            </a:r>
-            <a:endParaRPr lang="en-US" dirty="0"/>
-          </a:p>
-        </p:txBody>
-      </p:sp>
-      <p:sp>
-        <p:nvSpPr>
-          <p:cNvPr id="10" name="Rectangle 9">
-            <a:extLst>
-              <a:ext uri="{FF2B5EF4-FFF2-40B4-BE49-F238E27FC236}">
-                <a16:creationId xmlns:a16="http://schemas.microsoft.com/office/drawing/2014/main" id="{08F56953-9405-4276-8EE5-E884F3EBAE6D}"/>
-              </a:ext>
-            </a:extLst>
-          </p:cNvPr>
-          <p:cNvSpPr/>
-          <p:nvPr/>
-        </p:nvSpPr>
-        <p:spPr>
-          <a:xfrm>
-            <a:off x="8666375" y="2407737"/>
-            <a:ext cx="3352799" cy="3276282"/>
-          </a:xfrm>
-          <a:prstGeom prst="rect">
-            <a:avLst/>
-          </a:prstGeom>
-        </p:spPr>
-        <p:txBody>
-          <a:bodyPr wrap="square">
-            <a:spAutoFit/>
-          </a:bodyPr>
-          <a:lstStyle/>
-          <a:p>
-            <a:pPr marL="285750" indent="-285750">
-              <a:lnSpc>
-                <a:spcPct val="150000"/>
-              </a:lnSpc>
-              <a:buFont typeface="Arial" panose="020B0604020202020204" pitchFamily="34" charset="0"/>
-              <a:buChar char="•"/>
-            </a:pPr>
-            <a:r>
-              <a:rPr lang="en-US" sz="2000" dirty="0"/>
-              <a:t>Process Discovery</a:t>
-            </a:r>
-          </a:p>
-          <a:p>
-            <a:pPr marL="285750" indent="-285750">
-              <a:lnSpc>
-                <a:spcPct val="150000"/>
-              </a:lnSpc>
-              <a:buFont typeface="Arial" panose="020B0604020202020204" pitchFamily="34" charset="0"/>
-              <a:buChar char="•"/>
-            </a:pPr>
-            <a:r>
-              <a:rPr lang="en-US" sz="2000" dirty="0"/>
-              <a:t>Visual filtering</a:t>
-            </a:r>
-          </a:p>
-          <a:p>
-            <a:pPr marL="285750" indent="-285750">
-              <a:lnSpc>
-                <a:spcPct val="150000"/>
-              </a:lnSpc>
-              <a:buFont typeface="Arial" panose="020B0604020202020204" pitchFamily="34" charset="0"/>
-              <a:buChar char="•"/>
-            </a:pPr>
-            <a:r>
-              <a:rPr lang="en-US" sz="2000" dirty="0"/>
-              <a:t>Performance mining</a:t>
-            </a:r>
-          </a:p>
-          <a:p>
-            <a:pPr marL="285750" indent="-285750">
-              <a:lnSpc>
-                <a:spcPct val="150000"/>
-              </a:lnSpc>
-              <a:buFont typeface="Arial" panose="020B0604020202020204" pitchFamily="34" charset="0"/>
-              <a:buChar char="•"/>
-            </a:pPr>
-            <a:r>
-              <a:rPr lang="en-US" sz="2000" dirty="0"/>
-              <a:t>Conformance checking</a:t>
-            </a:r>
-          </a:p>
-          <a:p>
-            <a:pPr marL="285750" indent="-285750">
-              <a:lnSpc>
-                <a:spcPct val="150000"/>
-              </a:lnSpc>
-              <a:buFont typeface="Arial" panose="020B0604020202020204" pitchFamily="34" charset="0"/>
-              <a:buChar char="•"/>
-            </a:pPr>
-            <a:r>
-              <a:rPr lang="en-US" sz="2000" dirty="0"/>
-              <a:t>Predictive process monitoring</a:t>
-            </a:r>
-          </a:p>
-          <a:p>
-            <a:pPr marL="285750" indent="-285750">
-              <a:lnSpc>
-                <a:spcPct val="150000"/>
-              </a:lnSpc>
-              <a:buFont typeface="Arial" panose="020B0604020202020204" pitchFamily="34" charset="0"/>
-              <a:buChar char="•"/>
-            </a:pPr>
-            <a:r>
-              <a:rPr lang="en-US" sz="2000" dirty="0"/>
-              <a:t>Stage-based mining</a:t>
-            </a:r>
-          </a:p>
-        </p:txBody>
-      </p:sp>
+      </p:pic>
     </p:spTree>
     <p:extLst>
       <p:ext uri="{BB962C8B-B14F-4D97-AF65-F5344CB8AC3E}">
-        <p14:creationId xmlns:p14="http://schemas.microsoft.com/office/powerpoint/2010/main" val="647092819"/>
+        <p14:creationId xmlns:p14="http://schemas.microsoft.com/office/powerpoint/2010/main" val="1010089972"/>
       </p:ext>
     </p:extLst>
   </p:cSld>
@@ -6569,6 +7009,786 @@
     <p:extLst>
       <p:ext uri="{BB962C8B-B14F-4D97-AF65-F5344CB8AC3E}">
         <p14:creationId xmlns:p14="http://schemas.microsoft.com/office/powerpoint/2010/main" val="1995833520"/>
+      </p:ext>
+    </p:extLst>
+  </p:cSld>
+  <p:clrMapOvr>
+    <a:masterClrMapping/>
+  </p:clrMapOvr>
+</p:sld>
+</file>
+
+<file path=ppt/slides/slide20.xml><?xml version="1.0" encoding="utf-8"?>
+<p:sld xmlns:a="http://schemas.openxmlformats.org/drawingml/2006/main" xmlns:r="http://schemas.openxmlformats.org/officeDocument/2006/relationships" xmlns:p="http://schemas.openxmlformats.org/presentationml/2006/main">
+  <p:cSld>
+    <p:spTree>
+      <p:nvGrpSpPr>
+        <p:cNvPr id="1" name=""/>
+        <p:cNvGrpSpPr/>
+        <p:nvPr/>
+      </p:nvGrpSpPr>
+      <p:grpSpPr>
+        <a:xfrm>
+          <a:off x="0" y="0"/>
+          <a:ext cx="0" cy="0"/>
+          <a:chOff x="0" y="0"/>
+          <a:chExt cx="0" cy="0"/>
+        </a:xfrm>
+      </p:grpSpPr>
+      <p:sp>
+        <p:nvSpPr>
+          <p:cNvPr id="2" name="Title 1">
+            <a:extLst>
+              <a:ext uri="{FF2B5EF4-FFF2-40B4-BE49-F238E27FC236}">
+                <a16:creationId xmlns:a16="http://schemas.microsoft.com/office/drawing/2014/main" id="{4800CB15-4C1D-4800-A581-309828D69D13}"/>
+              </a:ext>
+            </a:extLst>
+          </p:cNvPr>
+          <p:cNvSpPr>
+            <a:spLocks noGrp="1"/>
+          </p:cNvSpPr>
+          <p:nvPr>
+            <p:ph type="title"/>
+          </p:nvPr>
+        </p:nvSpPr>
+        <p:spPr/>
+        <p:txBody>
+          <a:bodyPr/>
+          <a:lstStyle/>
+          <a:p>
+            <a:r>
+              <a:rPr lang="en-US" dirty="0"/>
+              <a:t>PM4Py</a:t>
+            </a:r>
+          </a:p>
+        </p:txBody>
+      </p:sp>
+      <p:sp>
+        <p:nvSpPr>
+          <p:cNvPr id="5" name="Content Placeholder 4">
+            <a:extLst>
+              <a:ext uri="{FF2B5EF4-FFF2-40B4-BE49-F238E27FC236}">
+                <a16:creationId xmlns:a16="http://schemas.microsoft.com/office/drawing/2014/main" id="{52EC71FF-B66B-4F84-B85B-50CC0669D9D9}"/>
+              </a:ext>
+            </a:extLst>
+          </p:cNvPr>
+          <p:cNvSpPr>
+            <a:spLocks noGrp="1"/>
+          </p:cNvSpPr>
+          <p:nvPr>
+            <p:ph idx="1"/>
+          </p:nvPr>
+        </p:nvSpPr>
+        <p:spPr/>
+        <p:txBody>
+          <a:bodyPr/>
+          <a:lstStyle/>
+          <a:p>
+            <a:endParaRPr lang="en-US" dirty="0"/>
+          </a:p>
+        </p:txBody>
+      </p:sp>
+      <p:pic>
+        <p:nvPicPr>
+          <p:cNvPr id="3084" name="Picture 12">
+            <a:extLst>
+              <a:ext uri="{FF2B5EF4-FFF2-40B4-BE49-F238E27FC236}">
+                <a16:creationId xmlns:a16="http://schemas.microsoft.com/office/drawing/2014/main" id="{EC6E6648-3443-40A0-827F-90C6C46D0B9D}"/>
+              </a:ext>
+            </a:extLst>
+          </p:cNvPr>
+          <p:cNvPicPr>
+            <a:picLocks noChangeAspect="1" noChangeArrowheads="1"/>
+          </p:cNvPicPr>
+          <p:nvPr/>
+        </p:nvPicPr>
+        <p:blipFill>
+          <a:blip r:embed="rId2">
+            <a:extLst>
+              <a:ext uri="{28A0092B-C50C-407E-A947-70E740481C1C}">
+                <a14:useLocalDpi xmlns:a14="http://schemas.microsoft.com/office/drawing/2010/main" val="0"/>
+              </a:ext>
+            </a:extLst>
+          </a:blip>
+          <a:srcRect/>
+          <a:stretch>
+            <a:fillRect/>
+          </a:stretch>
+        </p:blipFill>
+        <p:spPr bwMode="auto">
+          <a:xfrm>
+            <a:off x="0" y="1027906"/>
+            <a:ext cx="12192000" cy="3540125"/>
+          </a:xfrm>
+          <a:prstGeom prst="rect">
+            <a:avLst/>
+          </a:prstGeom>
+          <a:noFill/>
+          <a:extLst>
+            <a:ext uri="{909E8E84-426E-40DD-AFC4-6F175D3DCCD1}">
+              <a14:hiddenFill xmlns:a14="http://schemas.microsoft.com/office/drawing/2010/main">
+                <a:solidFill>
+                  <a:srgbClr val="FFFFFF"/>
+                </a:solidFill>
+              </a14:hiddenFill>
+            </a:ext>
+          </a:extLst>
+        </p:spPr>
+      </p:pic>
+    </p:spTree>
+    <p:extLst>
+      <p:ext uri="{BB962C8B-B14F-4D97-AF65-F5344CB8AC3E}">
+        <p14:creationId xmlns:p14="http://schemas.microsoft.com/office/powerpoint/2010/main" val="863954051"/>
+      </p:ext>
+    </p:extLst>
+  </p:cSld>
+  <p:clrMapOvr>
+    <a:masterClrMapping/>
+  </p:clrMapOvr>
+</p:sld>
+</file>
+
+<file path=ppt/slides/slide21.xml><?xml version="1.0" encoding="utf-8"?>
+<p:sld xmlns:a="http://schemas.openxmlformats.org/drawingml/2006/main" xmlns:r="http://schemas.openxmlformats.org/officeDocument/2006/relationships" xmlns:p="http://schemas.openxmlformats.org/presentationml/2006/main">
+  <p:cSld>
+    <p:spTree>
+      <p:nvGrpSpPr>
+        <p:cNvPr id="1" name=""/>
+        <p:cNvGrpSpPr/>
+        <p:nvPr/>
+      </p:nvGrpSpPr>
+      <p:grpSpPr>
+        <a:xfrm>
+          <a:off x="0" y="0"/>
+          <a:ext cx="0" cy="0"/>
+          <a:chOff x="0" y="0"/>
+          <a:chExt cx="0" cy="0"/>
+        </a:xfrm>
+      </p:grpSpPr>
+      <p:sp>
+        <p:nvSpPr>
+          <p:cNvPr id="2" name="Title 1">
+            <a:extLst>
+              <a:ext uri="{FF2B5EF4-FFF2-40B4-BE49-F238E27FC236}">
+                <a16:creationId xmlns:a16="http://schemas.microsoft.com/office/drawing/2014/main" id="{506B4D69-C0CE-474F-B786-E96605152349}"/>
+              </a:ext>
+            </a:extLst>
+          </p:cNvPr>
+          <p:cNvSpPr>
+            <a:spLocks noGrp="1"/>
+          </p:cNvSpPr>
+          <p:nvPr>
+            <p:ph type="title"/>
+          </p:nvPr>
+        </p:nvSpPr>
+        <p:spPr/>
+        <p:txBody>
+          <a:bodyPr/>
+          <a:lstStyle/>
+          <a:p>
+            <a:r>
+              <a:rPr lang="en-US" dirty="0"/>
+              <a:t>PM4Py</a:t>
+            </a:r>
+          </a:p>
+        </p:txBody>
+      </p:sp>
+      <p:sp>
+        <p:nvSpPr>
+          <p:cNvPr id="3" name="Content Placeholder 2">
+            <a:extLst>
+              <a:ext uri="{FF2B5EF4-FFF2-40B4-BE49-F238E27FC236}">
+                <a16:creationId xmlns:a16="http://schemas.microsoft.com/office/drawing/2014/main" id="{B26D0070-BDE1-4521-9BF2-5C06AA60305D}"/>
+              </a:ext>
+            </a:extLst>
+          </p:cNvPr>
+          <p:cNvSpPr>
+            <a:spLocks noGrp="1"/>
+          </p:cNvSpPr>
+          <p:nvPr>
+            <p:ph idx="1"/>
+          </p:nvPr>
+        </p:nvSpPr>
+        <p:spPr/>
+        <p:txBody>
+          <a:bodyPr/>
+          <a:lstStyle/>
+          <a:p>
+            <a:endParaRPr lang="en-US"/>
+          </a:p>
+        </p:txBody>
+      </p:sp>
+      <p:pic>
+        <p:nvPicPr>
+          <p:cNvPr id="4098" name="Picture 2">
+            <a:extLst>
+              <a:ext uri="{FF2B5EF4-FFF2-40B4-BE49-F238E27FC236}">
+                <a16:creationId xmlns:a16="http://schemas.microsoft.com/office/drawing/2014/main" id="{87FB55DC-6A42-48D7-B47D-C5B262C1B986}"/>
+              </a:ext>
+            </a:extLst>
+          </p:cNvPr>
+          <p:cNvPicPr>
+            <a:picLocks noChangeAspect="1" noChangeArrowheads="1"/>
+          </p:cNvPicPr>
+          <p:nvPr/>
+        </p:nvPicPr>
+        <p:blipFill>
+          <a:blip r:embed="rId2">
+            <a:extLst>
+              <a:ext uri="{28A0092B-C50C-407E-A947-70E740481C1C}">
+                <a14:useLocalDpi xmlns:a14="http://schemas.microsoft.com/office/drawing/2010/main" val="0"/>
+              </a:ext>
+            </a:extLst>
+          </a:blip>
+          <a:srcRect/>
+          <a:stretch>
+            <a:fillRect/>
+          </a:stretch>
+        </p:blipFill>
+        <p:spPr bwMode="auto">
+          <a:xfrm>
+            <a:off x="0" y="1792288"/>
+            <a:ext cx="12192000" cy="3273425"/>
+          </a:xfrm>
+          <a:prstGeom prst="rect">
+            <a:avLst/>
+          </a:prstGeom>
+          <a:noFill/>
+          <a:extLst>
+            <a:ext uri="{909E8E84-426E-40DD-AFC4-6F175D3DCCD1}">
+              <a14:hiddenFill xmlns:a14="http://schemas.microsoft.com/office/drawing/2010/main">
+                <a:solidFill>
+                  <a:srgbClr val="FFFFFF"/>
+                </a:solidFill>
+              </a14:hiddenFill>
+            </a:ext>
+          </a:extLst>
+        </p:spPr>
+      </p:pic>
+    </p:spTree>
+    <p:extLst>
+      <p:ext uri="{BB962C8B-B14F-4D97-AF65-F5344CB8AC3E}">
+        <p14:creationId xmlns:p14="http://schemas.microsoft.com/office/powerpoint/2010/main" val="3807120426"/>
+      </p:ext>
+    </p:extLst>
+  </p:cSld>
+  <p:clrMapOvr>
+    <a:masterClrMapping/>
+  </p:clrMapOvr>
+</p:sld>
+</file>
+
+<file path=ppt/slides/slide22.xml><?xml version="1.0" encoding="utf-8"?>
+<p:sld xmlns:a="http://schemas.openxmlformats.org/drawingml/2006/main" xmlns:r="http://schemas.openxmlformats.org/officeDocument/2006/relationships" xmlns:p="http://schemas.openxmlformats.org/presentationml/2006/main">
+  <p:cSld>
+    <p:spTree>
+      <p:nvGrpSpPr>
+        <p:cNvPr id="1" name=""/>
+        <p:cNvGrpSpPr/>
+        <p:nvPr/>
+      </p:nvGrpSpPr>
+      <p:grpSpPr>
+        <a:xfrm>
+          <a:off x="0" y="0"/>
+          <a:ext cx="0" cy="0"/>
+          <a:chOff x="0" y="0"/>
+          <a:chExt cx="0" cy="0"/>
+        </a:xfrm>
+      </p:grpSpPr>
+      <p:sp>
+        <p:nvSpPr>
+          <p:cNvPr id="2" name="Title 1">
+            <a:extLst>
+              <a:ext uri="{FF2B5EF4-FFF2-40B4-BE49-F238E27FC236}">
+                <a16:creationId xmlns:a16="http://schemas.microsoft.com/office/drawing/2014/main" id="{7CBC7A49-B28C-41F5-8A82-ADCFFD1D12A0}"/>
+              </a:ext>
+            </a:extLst>
+          </p:cNvPr>
+          <p:cNvSpPr>
+            <a:spLocks noGrp="1"/>
+          </p:cNvSpPr>
+          <p:nvPr>
+            <p:ph type="title"/>
+          </p:nvPr>
+        </p:nvSpPr>
+        <p:spPr/>
+        <p:txBody>
+          <a:bodyPr/>
+          <a:lstStyle/>
+          <a:p>
+            <a:r>
+              <a:rPr lang="en-US" dirty="0"/>
+              <a:t>Libraries and tools</a:t>
+            </a:r>
+          </a:p>
+        </p:txBody>
+      </p:sp>
+      <p:sp>
+        <p:nvSpPr>
+          <p:cNvPr id="4" name="Text Placeholder 3">
+            <a:extLst>
+              <a:ext uri="{FF2B5EF4-FFF2-40B4-BE49-F238E27FC236}">
+                <a16:creationId xmlns:a16="http://schemas.microsoft.com/office/drawing/2014/main" id="{C6A038A2-1A1B-4829-91EE-C92436358D64}"/>
+              </a:ext>
+            </a:extLst>
+          </p:cNvPr>
+          <p:cNvSpPr>
+            <a:spLocks noGrp="1"/>
+          </p:cNvSpPr>
+          <p:nvPr>
+            <p:ph type="body" idx="1"/>
+          </p:nvPr>
+        </p:nvSpPr>
+        <p:spPr>
+          <a:xfrm>
+            <a:off x="839789" y="1585585"/>
+            <a:ext cx="2836666" cy="823912"/>
+          </a:xfrm>
+        </p:spPr>
+        <p:txBody>
+          <a:bodyPr/>
+          <a:lstStyle/>
+          <a:p>
+            <a:r>
+              <a:rPr lang="en-US" dirty="0"/>
+              <a:t>PM4Py</a:t>
+            </a:r>
+          </a:p>
+        </p:txBody>
+      </p:sp>
+      <p:sp>
+        <p:nvSpPr>
+          <p:cNvPr id="3" name="Content Placeholder 2">
+            <a:extLst>
+              <a:ext uri="{FF2B5EF4-FFF2-40B4-BE49-F238E27FC236}">
+                <a16:creationId xmlns:a16="http://schemas.microsoft.com/office/drawing/2014/main" id="{948F69B1-958F-4E68-AF0A-2A3619289B39}"/>
+              </a:ext>
+            </a:extLst>
+          </p:cNvPr>
+          <p:cNvSpPr>
+            <a:spLocks noGrp="1"/>
+          </p:cNvSpPr>
+          <p:nvPr>
+            <p:ph sz="half" idx="2"/>
+          </p:nvPr>
+        </p:nvSpPr>
+        <p:spPr>
+          <a:xfrm>
+            <a:off x="839789" y="2505075"/>
+            <a:ext cx="2836666" cy="3684588"/>
+          </a:xfrm>
+        </p:spPr>
+        <p:txBody>
+          <a:bodyPr/>
+          <a:lstStyle/>
+          <a:p>
+            <a:r>
+              <a:rPr lang="en-US" sz="2000" dirty="0"/>
+              <a:t>Process Discovery</a:t>
+            </a:r>
+          </a:p>
+          <a:p>
+            <a:r>
+              <a:rPr lang="en-US" sz="2000" dirty="0"/>
+              <a:t>Conformance Checking</a:t>
+            </a:r>
+          </a:p>
+          <a:p>
+            <a:r>
+              <a:rPr lang="en-US" sz="2000" dirty="0"/>
+              <a:t>Process Trees</a:t>
+            </a:r>
+          </a:p>
+          <a:p>
+            <a:r>
+              <a:rPr lang="en-US" sz="2000" dirty="0"/>
+              <a:t>XES, CSV</a:t>
+            </a:r>
+          </a:p>
+          <a:p>
+            <a:r>
+              <a:rPr lang="en-US" sz="2000" dirty="0"/>
+              <a:t>Data Filtering</a:t>
+            </a:r>
+          </a:p>
+          <a:p>
+            <a:r>
+              <a:rPr lang="en-US" sz="2000" dirty="0"/>
+              <a:t>Petri Nets</a:t>
+            </a:r>
+            <a:br>
+              <a:rPr lang="en-US" dirty="0"/>
+            </a:br>
+            <a:endParaRPr lang="en-US" dirty="0"/>
+          </a:p>
+        </p:txBody>
+      </p:sp>
+      <p:sp>
+        <p:nvSpPr>
+          <p:cNvPr id="5" name="Text Placeholder 4">
+            <a:extLst>
+              <a:ext uri="{FF2B5EF4-FFF2-40B4-BE49-F238E27FC236}">
+                <a16:creationId xmlns:a16="http://schemas.microsoft.com/office/drawing/2014/main" id="{F61AA689-3D3A-4DDB-8D7A-D115DA97B488}"/>
+              </a:ext>
+            </a:extLst>
+          </p:cNvPr>
+          <p:cNvSpPr>
+            <a:spLocks noGrp="1"/>
+          </p:cNvSpPr>
+          <p:nvPr>
+            <p:ph type="body" sz="quarter" idx="3"/>
+          </p:nvPr>
+        </p:nvSpPr>
+        <p:spPr>
+          <a:xfrm>
+            <a:off x="3676455" y="1788024"/>
+            <a:ext cx="1649689" cy="619714"/>
+          </a:xfrm>
+        </p:spPr>
+        <p:txBody>
+          <a:bodyPr/>
+          <a:lstStyle/>
+          <a:p>
+            <a:r>
+              <a:rPr lang="en-US" dirty="0" err="1"/>
+              <a:t>ProM</a:t>
+            </a:r>
+            <a:endParaRPr lang="en-US" dirty="0"/>
+          </a:p>
+        </p:txBody>
+      </p:sp>
+      <p:sp>
+        <p:nvSpPr>
+          <p:cNvPr id="6" name="Content Placeholder 5">
+            <a:extLst>
+              <a:ext uri="{FF2B5EF4-FFF2-40B4-BE49-F238E27FC236}">
+                <a16:creationId xmlns:a16="http://schemas.microsoft.com/office/drawing/2014/main" id="{CE803BF0-4140-4610-8FFB-D3012BC40832}"/>
+              </a:ext>
+            </a:extLst>
+          </p:cNvPr>
+          <p:cNvSpPr>
+            <a:spLocks noGrp="1"/>
+          </p:cNvSpPr>
+          <p:nvPr>
+            <p:ph sz="quarter" idx="4"/>
+          </p:nvPr>
+        </p:nvSpPr>
+        <p:spPr>
+          <a:xfrm>
+            <a:off x="3751869" y="2505075"/>
+            <a:ext cx="1649690" cy="3684588"/>
+          </a:xfrm>
+        </p:spPr>
+        <p:txBody>
+          <a:bodyPr>
+            <a:normAutofit/>
+          </a:bodyPr>
+          <a:lstStyle/>
+          <a:p>
+            <a:r>
+              <a:rPr lang="en-US" sz="2000" dirty="0"/>
+              <a:t>Event logs</a:t>
+            </a:r>
+          </a:p>
+          <a:p>
+            <a:r>
+              <a:rPr lang="en-US" sz="2000" dirty="0"/>
+              <a:t>Plugins</a:t>
+            </a:r>
+            <a:br>
+              <a:rPr lang="en-US" sz="2000" dirty="0"/>
+            </a:br>
+            <a:endParaRPr lang="en-US" sz="2000" dirty="0"/>
+          </a:p>
+        </p:txBody>
+      </p:sp>
+      <p:sp>
+        <p:nvSpPr>
+          <p:cNvPr id="7" name="Rectangle 6">
+            <a:extLst>
+              <a:ext uri="{FF2B5EF4-FFF2-40B4-BE49-F238E27FC236}">
+                <a16:creationId xmlns:a16="http://schemas.microsoft.com/office/drawing/2014/main" id="{1A54EB8A-9FAD-4F91-B737-8AAD4D3E48EC}"/>
+              </a:ext>
+            </a:extLst>
+          </p:cNvPr>
+          <p:cNvSpPr/>
+          <p:nvPr/>
+        </p:nvSpPr>
+        <p:spPr>
+          <a:xfrm>
+            <a:off x="5476973" y="2407738"/>
+            <a:ext cx="3038574" cy="2814617"/>
+          </a:xfrm>
+          <a:prstGeom prst="rect">
+            <a:avLst/>
+          </a:prstGeom>
+        </p:spPr>
+        <p:txBody>
+          <a:bodyPr wrap="square">
+            <a:spAutoFit/>
+          </a:bodyPr>
+          <a:lstStyle/>
+          <a:p>
+            <a:pPr marL="285750" indent="-285750">
+              <a:lnSpc>
+                <a:spcPct val="150000"/>
+              </a:lnSpc>
+              <a:buFont typeface="Arial" panose="020B0604020202020204" pitchFamily="34" charset="0"/>
+              <a:buChar char="•"/>
+            </a:pPr>
+            <a:r>
+              <a:rPr lang="en-US" sz="2000" dirty="0"/>
+              <a:t>Creating event logs</a:t>
+            </a:r>
+          </a:p>
+          <a:p>
+            <a:pPr marL="285750" indent="-285750">
+              <a:lnSpc>
+                <a:spcPct val="150000"/>
+              </a:lnSpc>
+              <a:buFont typeface="Arial" panose="020B0604020202020204" pitchFamily="34" charset="0"/>
+              <a:buChar char="•"/>
+            </a:pPr>
+            <a:r>
+              <a:rPr lang="en-US" sz="2000" dirty="0"/>
+              <a:t>Import XES files</a:t>
+            </a:r>
+          </a:p>
+          <a:p>
+            <a:pPr marL="285750" indent="-285750">
+              <a:lnSpc>
+                <a:spcPct val="150000"/>
+              </a:lnSpc>
+              <a:buFont typeface="Arial" panose="020B0604020202020204" pitchFamily="34" charset="0"/>
+              <a:buChar char="•"/>
+            </a:pPr>
+            <a:r>
+              <a:rPr lang="en-US" sz="2000" dirty="0"/>
+              <a:t>Data pre-processing</a:t>
+            </a:r>
+          </a:p>
+          <a:p>
+            <a:pPr marL="285750" indent="-285750">
+              <a:lnSpc>
+                <a:spcPct val="150000"/>
+              </a:lnSpc>
+              <a:buFont typeface="Arial" panose="020B0604020202020204" pitchFamily="34" charset="0"/>
+              <a:buChar char="•"/>
+            </a:pPr>
+            <a:r>
+              <a:rPr lang="en-US" sz="2000" dirty="0"/>
+              <a:t>Exploratory data analysis</a:t>
+            </a:r>
+          </a:p>
+          <a:p>
+            <a:pPr marL="285750" indent="-285750">
+              <a:lnSpc>
+                <a:spcPct val="150000"/>
+              </a:lnSpc>
+              <a:buFont typeface="Arial" panose="020B0604020202020204" pitchFamily="34" charset="0"/>
+              <a:buChar char="•"/>
+            </a:pPr>
+            <a:r>
+              <a:rPr lang="en-US" sz="2000" dirty="0"/>
+              <a:t>Process Discovery</a:t>
+            </a:r>
+          </a:p>
+          <a:p>
+            <a:pPr marL="285750" indent="-285750">
+              <a:lnSpc>
+                <a:spcPct val="150000"/>
+              </a:lnSpc>
+              <a:buFont typeface="Arial" panose="020B0604020202020204" pitchFamily="34" charset="0"/>
+              <a:buChar char="•"/>
+            </a:pPr>
+            <a:r>
+              <a:rPr lang="en-US" sz="2000" dirty="0"/>
+              <a:t>Conformance Checking</a:t>
+            </a:r>
+            <a:endParaRPr lang="en-US" dirty="0"/>
+          </a:p>
+        </p:txBody>
+      </p:sp>
+      <p:sp>
+        <p:nvSpPr>
+          <p:cNvPr id="8" name="Rectangle 7">
+            <a:extLst>
+              <a:ext uri="{FF2B5EF4-FFF2-40B4-BE49-F238E27FC236}">
+                <a16:creationId xmlns:a16="http://schemas.microsoft.com/office/drawing/2014/main" id="{D6FE21E2-A808-4595-A764-1AA9F4004B0B}"/>
+              </a:ext>
+            </a:extLst>
+          </p:cNvPr>
+          <p:cNvSpPr/>
+          <p:nvPr/>
+        </p:nvSpPr>
+        <p:spPr>
+          <a:xfrm>
+            <a:off x="5773916" y="1946073"/>
+            <a:ext cx="1352746" cy="461665"/>
+          </a:xfrm>
+          <a:prstGeom prst="rect">
+            <a:avLst/>
+          </a:prstGeom>
+        </p:spPr>
+        <p:txBody>
+          <a:bodyPr wrap="square">
+            <a:spAutoFit/>
+          </a:bodyPr>
+          <a:lstStyle/>
+          <a:p>
+            <a:r>
+              <a:rPr lang="en-US" sz="2400" b="1" dirty="0" err="1"/>
+              <a:t>bupaR</a:t>
+            </a:r>
+            <a:endParaRPr lang="en-US" dirty="0"/>
+          </a:p>
+        </p:txBody>
+      </p:sp>
+      <p:sp>
+        <p:nvSpPr>
+          <p:cNvPr id="9" name="Rectangle 8">
+            <a:extLst>
+              <a:ext uri="{FF2B5EF4-FFF2-40B4-BE49-F238E27FC236}">
+                <a16:creationId xmlns:a16="http://schemas.microsoft.com/office/drawing/2014/main" id="{5FC43104-6C02-41F1-8D18-B3C02BCEDD1D}"/>
+              </a:ext>
+            </a:extLst>
+          </p:cNvPr>
+          <p:cNvSpPr/>
+          <p:nvPr/>
+        </p:nvSpPr>
+        <p:spPr>
+          <a:xfrm>
+            <a:off x="8707288" y="1946072"/>
+            <a:ext cx="1482265" cy="461665"/>
+          </a:xfrm>
+          <a:prstGeom prst="rect">
+            <a:avLst/>
+          </a:prstGeom>
+        </p:spPr>
+        <p:txBody>
+          <a:bodyPr wrap="none">
+            <a:spAutoFit/>
+          </a:bodyPr>
+          <a:lstStyle/>
+          <a:p>
+            <a:r>
+              <a:rPr lang="en-US" sz="2400" b="1" dirty="0" err="1"/>
+              <a:t>Apromore</a:t>
+            </a:r>
+            <a:endParaRPr lang="en-US" dirty="0"/>
+          </a:p>
+        </p:txBody>
+      </p:sp>
+      <p:sp>
+        <p:nvSpPr>
+          <p:cNvPr id="10" name="Rectangle 9">
+            <a:extLst>
+              <a:ext uri="{FF2B5EF4-FFF2-40B4-BE49-F238E27FC236}">
+                <a16:creationId xmlns:a16="http://schemas.microsoft.com/office/drawing/2014/main" id="{08F56953-9405-4276-8EE5-E884F3EBAE6D}"/>
+              </a:ext>
+            </a:extLst>
+          </p:cNvPr>
+          <p:cNvSpPr/>
+          <p:nvPr/>
+        </p:nvSpPr>
+        <p:spPr>
+          <a:xfrm>
+            <a:off x="8666375" y="2407737"/>
+            <a:ext cx="3352799" cy="3276282"/>
+          </a:xfrm>
+          <a:prstGeom prst="rect">
+            <a:avLst/>
+          </a:prstGeom>
+        </p:spPr>
+        <p:txBody>
+          <a:bodyPr wrap="square">
+            <a:spAutoFit/>
+          </a:bodyPr>
+          <a:lstStyle/>
+          <a:p>
+            <a:pPr marL="285750" indent="-285750">
+              <a:lnSpc>
+                <a:spcPct val="150000"/>
+              </a:lnSpc>
+              <a:buFont typeface="Arial" panose="020B0604020202020204" pitchFamily="34" charset="0"/>
+              <a:buChar char="•"/>
+            </a:pPr>
+            <a:r>
+              <a:rPr lang="en-US" sz="2000" dirty="0"/>
+              <a:t>Process Discovery</a:t>
+            </a:r>
+          </a:p>
+          <a:p>
+            <a:pPr marL="285750" indent="-285750">
+              <a:lnSpc>
+                <a:spcPct val="150000"/>
+              </a:lnSpc>
+              <a:buFont typeface="Arial" panose="020B0604020202020204" pitchFamily="34" charset="0"/>
+              <a:buChar char="•"/>
+            </a:pPr>
+            <a:r>
+              <a:rPr lang="en-US" sz="2000" dirty="0"/>
+              <a:t>Visual filtering</a:t>
+            </a:r>
+          </a:p>
+          <a:p>
+            <a:pPr marL="285750" indent="-285750">
+              <a:lnSpc>
+                <a:spcPct val="150000"/>
+              </a:lnSpc>
+              <a:buFont typeface="Arial" panose="020B0604020202020204" pitchFamily="34" charset="0"/>
+              <a:buChar char="•"/>
+            </a:pPr>
+            <a:r>
+              <a:rPr lang="en-US" sz="2000" dirty="0"/>
+              <a:t>Performance mining</a:t>
+            </a:r>
+          </a:p>
+          <a:p>
+            <a:pPr marL="285750" indent="-285750">
+              <a:lnSpc>
+                <a:spcPct val="150000"/>
+              </a:lnSpc>
+              <a:buFont typeface="Arial" panose="020B0604020202020204" pitchFamily="34" charset="0"/>
+              <a:buChar char="•"/>
+            </a:pPr>
+            <a:r>
+              <a:rPr lang="en-US" sz="2000" dirty="0"/>
+              <a:t>Conformance checking</a:t>
+            </a:r>
+          </a:p>
+          <a:p>
+            <a:pPr marL="285750" indent="-285750">
+              <a:lnSpc>
+                <a:spcPct val="150000"/>
+              </a:lnSpc>
+              <a:buFont typeface="Arial" panose="020B0604020202020204" pitchFamily="34" charset="0"/>
+              <a:buChar char="•"/>
+            </a:pPr>
+            <a:r>
+              <a:rPr lang="en-US" sz="2000" dirty="0"/>
+              <a:t>Predictive process monitoring</a:t>
+            </a:r>
+          </a:p>
+          <a:p>
+            <a:pPr marL="285750" indent="-285750">
+              <a:lnSpc>
+                <a:spcPct val="150000"/>
+              </a:lnSpc>
+              <a:buFont typeface="Arial" panose="020B0604020202020204" pitchFamily="34" charset="0"/>
+              <a:buChar char="•"/>
+            </a:pPr>
+            <a:r>
+              <a:rPr lang="en-US" sz="2000" dirty="0"/>
+              <a:t>Stage-based mining</a:t>
+            </a:r>
+          </a:p>
+        </p:txBody>
+      </p:sp>
+    </p:spTree>
+    <p:extLst>
+      <p:ext uri="{BB962C8B-B14F-4D97-AF65-F5344CB8AC3E}">
+        <p14:creationId xmlns:p14="http://schemas.microsoft.com/office/powerpoint/2010/main" val="647092819"/>
       </p:ext>
     </p:extLst>
   </p:cSld>
